--- a/presentation/prez_healhub.pptx
+++ b/presentation/prez_healhub.pptx
@@ -5674,8 +5674,8 @@
         </p:blipFill>
         <p:spPr>
           <a:xfrm>
-            <a:off x="18407" y="-100584"/>
-            <a:ext cx="12204073" cy="6857999"/>
+            <a:off x="-301" y="-100584"/>
+            <a:ext cx="12222781" cy="6958584"/>
           </a:xfrm>
           <a:prstGeom prst="rect">
             <a:avLst/>

--- a/presentation/prez_healhub.pptx
+++ b/presentation/prez_healhub.pptx
@@ -3922,7 +3922,7 @@
         </p:blipFill>
         <p:spPr>
           <a:xfrm>
-            <a:off x="9053" y="0"/>
+            <a:off x="4527" y="1"/>
             <a:ext cx="12204073" cy="6857999"/>
           </a:xfrm>
           <a:prstGeom prst="rect">
@@ -4076,31 +4076,13 @@
               <a:t>Алексей Черных </a:t>
             </a:r>
             <a:r>
-              <a:rPr lang="en-US" sz="3200" dirty="0">
-                <a:solidFill>
-                  <a:srgbClr val="1A74D8"/>
-                </a:solidFill>
-                <a:latin typeface="Bookman Old Style" panose="02050604050505020204" pitchFamily="18" charset="0"/>
-              </a:rPr>
-              <a:t>VK TG </a:t>
-            </a:r>
-            <a:r>
-              <a:rPr lang="en-US" sz="3200" dirty="0" err="1">
-                <a:solidFill>
-                  <a:srgbClr val="1A74D8"/>
-                </a:solidFill>
-                <a:latin typeface="Bookman Old Style" panose="02050604050505020204" pitchFamily="18" charset="0"/>
-              </a:rPr>
-              <a:t>Git</a:t>
-            </a:r>
-            <a:r>
-              <a:rPr lang="en-US" sz="3200" dirty="0">
-                <a:solidFill>
-                  <a:srgbClr val="1A74D8"/>
-                </a:solidFill>
-                <a:latin typeface="Bookman Old Style" panose="02050604050505020204" pitchFamily="18" charset="0"/>
-              </a:rPr>
-              <a:t> - </a:t>
+              <a:rPr lang="en-US" sz="3200" dirty="0" smtClean="0">
+                <a:solidFill>
+                  <a:srgbClr val="1A74D8"/>
+                </a:solidFill>
+                <a:latin typeface="Bookman Old Style" panose="02050604050505020204" pitchFamily="18" charset="0"/>
+              </a:rPr>
+              <a:t>- </a:t>
             </a:r>
             <a:r>
               <a:rPr lang="ru-RU" sz="3200" dirty="0" err="1">
@@ -4210,31 +4192,13 @@
               <a:t> </a:t>
             </a:r>
             <a:r>
-              <a:rPr lang="en-US" sz="3200" dirty="0">
-                <a:solidFill>
-                  <a:srgbClr val="1A74D8"/>
-                </a:solidFill>
-                <a:latin typeface="Bookman Old Style" panose="02050604050505020204" pitchFamily="18" charset="0"/>
-              </a:rPr>
-              <a:t>VK TG </a:t>
-            </a:r>
-            <a:r>
-              <a:rPr lang="en-US" sz="3200" dirty="0" err="1">
-                <a:solidFill>
-                  <a:srgbClr val="1A74D8"/>
-                </a:solidFill>
-                <a:latin typeface="Bookman Old Style" panose="02050604050505020204" pitchFamily="18" charset="0"/>
-              </a:rPr>
-              <a:t>Git</a:t>
-            </a:r>
-            <a:r>
-              <a:rPr lang="en-US" sz="3200" dirty="0">
-                <a:solidFill>
-                  <a:srgbClr val="1A74D8"/>
-                </a:solidFill>
-                <a:latin typeface="Bookman Old Style" panose="02050604050505020204" pitchFamily="18" charset="0"/>
-              </a:rPr>
-              <a:t> - </a:t>
+              <a:rPr lang="en-US" sz="3200" dirty="0" smtClean="0">
+                <a:solidFill>
+                  <a:srgbClr val="1A74D8"/>
+                </a:solidFill>
+                <a:latin typeface="Bookman Old Style" panose="02050604050505020204" pitchFamily="18" charset="0"/>
+              </a:rPr>
+              <a:t>- </a:t>
             </a:r>
             <a:r>
               <a:rPr lang="ru-RU" sz="3200" dirty="0" err="1">
@@ -4335,31 +4299,13 @@
               <a:t> </a:t>
             </a:r>
             <a:r>
-              <a:rPr lang="en-US" sz="3200" dirty="0">
-                <a:solidFill>
-                  <a:srgbClr val="1A74D8"/>
-                </a:solidFill>
-                <a:latin typeface="Bookman Old Style" panose="02050604050505020204" pitchFamily="18" charset="0"/>
-              </a:rPr>
-              <a:t>VK TG </a:t>
-            </a:r>
-            <a:r>
-              <a:rPr lang="en-US" sz="3200" dirty="0" err="1">
-                <a:solidFill>
-                  <a:srgbClr val="1A74D8"/>
-                </a:solidFill>
-                <a:latin typeface="Bookman Old Style" panose="02050604050505020204" pitchFamily="18" charset="0"/>
-              </a:rPr>
-              <a:t>Git</a:t>
-            </a:r>
-            <a:r>
-              <a:rPr lang="en-US" sz="3200" dirty="0">
-                <a:solidFill>
-                  <a:srgbClr val="1A74D8"/>
-                </a:solidFill>
-                <a:latin typeface="Bookman Old Style" panose="02050604050505020204" pitchFamily="18" charset="0"/>
-              </a:rPr>
-              <a:t> - </a:t>
+              <a:rPr lang="en-US" sz="3200" dirty="0" smtClean="0">
+                <a:solidFill>
+                  <a:srgbClr val="1A74D8"/>
+                </a:solidFill>
+                <a:latin typeface="Bookman Old Style" panose="02050604050505020204" pitchFamily="18" charset="0"/>
+              </a:rPr>
+              <a:t>- </a:t>
             </a:r>
             <a:r>
               <a:rPr lang="ru-RU" sz="3200" dirty="0" err="1">
@@ -4405,7 +4351,7 @@
         </p:nvSpPr>
         <p:spPr>
           <a:xfrm>
-            <a:off x="9354" y="3721105"/>
+            <a:off x="-51815" y="3764761"/>
             <a:ext cx="12316758" cy="2789423"/>
           </a:xfrm>
           <a:prstGeom prst="rect">
@@ -4439,7 +4385,7 @@
           <a:lstStyle/>
           <a:p>
             <a:pPr algn="ctr"/>
-            <a:endParaRPr lang="ru-RU"/>
+            <a:endParaRPr lang="ru-RU" dirty="0"/>
           </a:p>
         </p:txBody>
       </p:sp>

--- a/presentation/prez_healhub.pptx
+++ b/presentation/prez_healhub.pptx
@@ -2,10 +2,10 @@
 <file path=ppt/presentation.xml><?xml version="1.0" encoding="utf-8"?>
 <p:presentation xmlns:a="http://schemas.openxmlformats.org/drawingml/2006/main" xmlns:r="http://schemas.openxmlformats.org/officeDocument/2006/relationships" xmlns:p="http://schemas.openxmlformats.org/presentationml/2006/main" showSpecialPlsOnTitleSld="0" saveSubsetFonts="1">
   <p:sldMasterIdLst>
-    <p:sldMasterId id="2147483711" r:id="rId1"/>
+    <p:sldMasterId id="2147483699" r:id="rId1"/>
   </p:sldMasterIdLst>
   <p:notesMasterIdLst>
-    <p:notesMasterId r:id="rId13"/>
+    <p:notesMasterId r:id="rId15"/>
   </p:notesMasterIdLst>
   <p:sldIdLst>
     <p:sldId id="256" r:id="rId2"/>
@@ -19,6 +19,8 @@
     <p:sldId id="284" r:id="rId10"/>
     <p:sldId id="285" r:id="rId11"/>
     <p:sldId id="286" r:id="rId12"/>
+    <p:sldId id="290" r:id="rId13"/>
+    <p:sldId id="291" r:id="rId14"/>
   </p:sldIdLst>
   <p:sldSz cx="12192000" cy="6858000"/>
   <p:notesSz cx="6858000" cy="9144000"/>
@@ -218,7 +220,7 @@
           <a:p>
             <a:fld id="{90ABE644-5DA6-4F42-9056-5E70F70D6CF2}" type="datetimeFigureOut">
               <a:rPr lang="ru-RU" smtClean="0"/>
-              <a:t>14.03.2024</a:t>
+              <a:t>17.03.2024</a:t>
             </a:fld>
             <a:endParaRPr lang="ru-RU"/>
           </a:p>
@@ -616,7 +618,7 @@
           <a:p>
             <a:fld id="{B2D52420-6A92-4DC2-8591-889C8603F9D7}" type="datetime1">
               <a:rPr lang="ru-RU" smtClean="0"/>
-              <a:t>14.03.2024</a:t>
+              <a:t>17.03.2024</a:t>
             </a:fld>
             <a:endParaRPr lang="ru-RU"/>
           </a:p>
@@ -667,7 +669,7 @@
     </p:spTree>
     <p:extLst>
       <p:ext uri="{BB962C8B-B14F-4D97-AF65-F5344CB8AC3E}">
-        <p14:creationId xmlns:p14="http://schemas.microsoft.com/office/powerpoint/2010/main" val="3125519121"/>
+        <p14:creationId xmlns:p14="http://schemas.microsoft.com/office/powerpoint/2010/main" val="429501508"/>
       </p:ext>
     </p:extLst>
   </p:cSld>
@@ -786,7 +788,7 @@
           <a:p>
             <a:fld id="{AFC6059B-B3EB-47F3-8BC6-5CF7158CCF5E}" type="datetime1">
               <a:rPr lang="ru-RU" smtClean="0"/>
-              <a:t>14.03.2024</a:t>
+              <a:t>17.03.2024</a:t>
             </a:fld>
             <a:endParaRPr lang="ru-RU"/>
           </a:p>
@@ -837,7 +839,7 @@
     </p:spTree>
     <p:extLst>
       <p:ext uri="{BB962C8B-B14F-4D97-AF65-F5344CB8AC3E}">
-        <p14:creationId xmlns:p14="http://schemas.microsoft.com/office/powerpoint/2010/main" val="976322962"/>
+        <p14:creationId xmlns:p14="http://schemas.microsoft.com/office/powerpoint/2010/main" val="2508042138"/>
       </p:ext>
     </p:extLst>
   </p:cSld>
@@ -966,7 +968,7 @@
           <a:p>
             <a:fld id="{672DA8F7-9E1C-4330-89D8-5ACAE3F4BA4B}" type="datetime1">
               <a:rPr lang="ru-RU" smtClean="0"/>
-              <a:t>14.03.2024</a:t>
+              <a:t>17.03.2024</a:t>
             </a:fld>
             <a:endParaRPr lang="ru-RU"/>
           </a:p>
@@ -1017,7 +1019,7 @@
     </p:spTree>
     <p:extLst>
       <p:ext uri="{BB962C8B-B14F-4D97-AF65-F5344CB8AC3E}">
-        <p14:creationId xmlns:p14="http://schemas.microsoft.com/office/powerpoint/2010/main" val="3902715617"/>
+        <p14:creationId xmlns:p14="http://schemas.microsoft.com/office/powerpoint/2010/main" val="3376813143"/>
       </p:ext>
     </p:extLst>
   </p:cSld>
@@ -1136,7 +1138,7 @@
           <a:p>
             <a:fld id="{F4997B83-498B-4930-8185-A988F003D33A}" type="datetime1">
               <a:rPr lang="ru-RU" smtClean="0"/>
-              <a:t>14.03.2024</a:t>
+              <a:t>17.03.2024</a:t>
             </a:fld>
             <a:endParaRPr lang="ru-RU"/>
           </a:p>
@@ -1187,7 +1189,7 @@
     </p:spTree>
     <p:extLst>
       <p:ext uri="{BB962C8B-B14F-4D97-AF65-F5344CB8AC3E}">
-        <p14:creationId xmlns:p14="http://schemas.microsoft.com/office/powerpoint/2010/main" val="2222904189"/>
+        <p14:creationId xmlns:p14="http://schemas.microsoft.com/office/powerpoint/2010/main" val="3074156392"/>
       </p:ext>
     </p:extLst>
   </p:cSld>
@@ -1382,7 +1384,7 @@
           <a:p>
             <a:fld id="{3ABD95BC-C76F-444E-B3FB-BD27E4F798B7}" type="datetime1">
               <a:rPr lang="ru-RU" smtClean="0"/>
-              <a:t>14.03.2024</a:t>
+              <a:t>17.03.2024</a:t>
             </a:fld>
             <a:endParaRPr lang="ru-RU"/>
           </a:p>
@@ -1433,7 +1435,7 @@
     </p:spTree>
     <p:extLst>
       <p:ext uri="{BB962C8B-B14F-4D97-AF65-F5344CB8AC3E}">
-        <p14:creationId xmlns:p14="http://schemas.microsoft.com/office/powerpoint/2010/main" val="1770979610"/>
+        <p14:creationId xmlns:p14="http://schemas.microsoft.com/office/powerpoint/2010/main" val="2768641361"/>
       </p:ext>
     </p:extLst>
   </p:cSld>
@@ -1614,7 +1616,7 @@
           <a:p>
             <a:fld id="{E13DA6AE-AB60-4652-AB2E-D952392D1655}" type="datetime1">
               <a:rPr lang="ru-RU" smtClean="0"/>
-              <a:t>14.03.2024</a:t>
+              <a:t>17.03.2024</a:t>
             </a:fld>
             <a:endParaRPr lang="ru-RU"/>
           </a:p>
@@ -1665,7 +1667,7 @@
     </p:spTree>
     <p:extLst>
       <p:ext uri="{BB962C8B-B14F-4D97-AF65-F5344CB8AC3E}">
-        <p14:creationId xmlns:p14="http://schemas.microsoft.com/office/powerpoint/2010/main" val="785363901"/>
+        <p14:creationId xmlns:p14="http://schemas.microsoft.com/office/powerpoint/2010/main" val="1993508624"/>
       </p:ext>
     </p:extLst>
   </p:cSld>
@@ -1986,7 +1988,7 @@
           <a:p>
             <a:fld id="{5E0F9A4F-E2CF-4D07-BEAB-A6631996DDD1}" type="datetime1">
               <a:rPr lang="ru-RU" smtClean="0"/>
-              <a:t>14.03.2024</a:t>
+              <a:t>17.03.2024</a:t>
             </a:fld>
             <a:endParaRPr lang="ru-RU"/>
           </a:p>
@@ -2037,7 +2039,7 @@
     </p:spTree>
     <p:extLst>
       <p:ext uri="{BB962C8B-B14F-4D97-AF65-F5344CB8AC3E}">
-        <p14:creationId xmlns:p14="http://schemas.microsoft.com/office/powerpoint/2010/main" val="3099738146"/>
+        <p14:creationId xmlns:p14="http://schemas.microsoft.com/office/powerpoint/2010/main" val="1085232726"/>
       </p:ext>
     </p:extLst>
   </p:cSld>
@@ -2109,7 +2111,7 @@
           <a:p>
             <a:fld id="{06D2A858-6E04-484B-9C45-539F27E3937C}" type="datetime1">
               <a:rPr lang="ru-RU" smtClean="0"/>
-              <a:t>14.03.2024</a:t>
+              <a:t>17.03.2024</a:t>
             </a:fld>
             <a:endParaRPr lang="ru-RU"/>
           </a:p>
@@ -2160,7 +2162,7 @@
     </p:spTree>
     <p:extLst>
       <p:ext uri="{BB962C8B-B14F-4D97-AF65-F5344CB8AC3E}">
-        <p14:creationId xmlns:p14="http://schemas.microsoft.com/office/powerpoint/2010/main" val="4161921632"/>
+        <p14:creationId xmlns:p14="http://schemas.microsoft.com/office/powerpoint/2010/main" val="1933142296"/>
       </p:ext>
     </p:extLst>
   </p:cSld>
@@ -2204,7 +2206,7 @@
           <a:p>
             <a:fld id="{AC6B3F91-F2E8-4402-9B00-8213E0D61D50}" type="datetime1">
               <a:rPr lang="ru-RU" smtClean="0"/>
-              <a:t>14.03.2024</a:t>
+              <a:t>17.03.2024</a:t>
             </a:fld>
             <a:endParaRPr lang="ru-RU"/>
           </a:p>
@@ -2255,7 +2257,7 @@
     </p:spTree>
     <p:extLst>
       <p:ext uri="{BB962C8B-B14F-4D97-AF65-F5344CB8AC3E}">
-        <p14:creationId xmlns:p14="http://schemas.microsoft.com/office/powerpoint/2010/main" val="695305962"/>
+        <p14:creationId xmlns:p14="http://schemas.microsoft.com/office/powerpoint/2010/main" val="454111448"/>
       </p:ext>
     </p:extLst>
   </p:cSld>
@@ -2481,7 +2483,7 @@
           <a:p>
             <a:fld id="{50FCF844-36E3-4D2D-9EE0-8615F370CF07}" type="datetime1">
               <a:rPr lang="ru-RU" smtClean="0"/>
-              <a:t>14.03.2024</a:t>
+              <a:t>17.03.2024</a:t>
             </a:fld>
             <a:endParaRPr lang="ru-RU"/>
           </a:p>
@@ -2532,7 +2534,7 @@
     </p:spTree>
     <p:extLst>
       <p:ext uri="{BB962C8B-B14F-4D97-AF65-F5344CB8AC3E}">
-        <p14:creationId xmlns:p14="http://schemas.microsoft.com/office/powerpoint/2010/main" val="1166631229"/>
+        <p14:creationId xmlns:p14="http://schemas.microsoft.com/office/powerpoint/2010/main" val="412762165"/>
       </p:ext>
     </p:extLst>
   </p:cSld>
@@ -2739,7 +2741,7 @@
           <a:p>
             <a:fld id="{8C256B46-112F-45DA-B602-9179791C6F92}" type="datetime1">
               <a:rPr lang="ru-RU" smtClean="0"/>
-              <a:t>14.03.2024</a:t>
+              <a:t>17.03.2024</a:t>
             </a:fld>
             <a:endParaRPr lang="ru-RU"/>
           </a:p>
@@ -2790,7 +2792,7 @@
     </p:spTree>
     <p:extLst>
       <p:ext uri="{BB962C8B-B14F-4D97-AF65-F5344CB8AC3E}">
-        <p14:creationId xmlns:p14="http://schemas.microsoft.com/office/powerpoint/2010/main" val="1632155367"/>
+        <p14:creationId xmlns:p14="http://schemas.microsoft.com/office/powerpoint/2010/main" val="1456288917"/>
       </p:ext>
     </p:extLst>
   </p:cSld>
@@ -2952,7 +2954,7 @@
           <a:p>
             <a:fld id="{629052EF-D6AA-42E2-9131-813E79594612}" type="datetimeFigureOut">
               <a:rPr lang="ru-RU" smtClean="0"/>
-              <a:t>14.03.2024</a:t>
+              <a:t>17.03.2024</a:t>
             </a:fld>
             <a:endParaRPr lang="ru-RU"/>
           </a:p>
@@ -3040,23 +3042,23 @@
     </p:spTree>
     <p:extLst>
       <p:ext uri="{BB962C8B-B14F-4D97-AF65-F5344CB8AC3E}">
-        <p14:creationId xmlns:p14="http://schemas.microsoft.com/office/powerpoint/2010/main" val="4000198033"/>
+        <p14:creationId xmlns:p14="http://schemas.microsoft.com/office/powerpoint/2010/main" val="530287618"/>
       </p:ext>
     </p:extLst>
   </p:cSld>
   <p:clrMap bg1="lt1" tx1="dk1" bg2="lt2" tx2="dk2" accent1="accent1" accent2="accent2" accent3="accent3" accent4="accent4" accent5="accent5" accent6="accent6" hlink="hlink" folHlink="folHlink"/>
   <p:sldLayoutIdLst>
-    <p:sldLayoutId id="2147483712" r:id="rId1"/>
-    <p:sldLayoutId id="2147483713" r:id="rId2"/>
-    <p:sldLayoutId id="2147483714" r:id="rId3"/>
-    <p:sldLayoutId id="2147483715" r:id="rId4"/>
-    <p:sldLayoutId id="2147483716" r:id="rId5"/>
-    <p:sldLayoutId id="2147483717" r:id="rId6"/>
-    <p:sldLayoutId id="2147483718" r:id="rId7"/>
-    <p:sldLayoutId id="2147483719" r:id="rId8"/>
-    <p:sldLayoutId id="2147483720" r:id="rId9"/>
-    <p:sldLayoutId id="2147483721" r:id="rId10"/>
-    <p:sldLayoutId id="2147483722" r:id="rId11"/>
+    <p:sldLayoutId id="2147483700" r:id="rId1"/>
+    <p:sldLayoutId id="2147483701" r:id="rId2"/>
+    <p:sldLayoutId id="2147483702" r:id="rId3"/>
+    <p:sldLayoutId id="2147483703" r:id="rId4"/>
+    <p:sldLayoutId id="2147483704" r:id="rId5"/>
+    <p:sldLayoutId id="2147483705" r:id="rId6"/>
+    <p:sldLayoutId id="2147483706" r:id="rId7"/>
+    <p:sldLayoutId id="2147483707" r:id="rId8"/>
+    <p:sldLayoutId id="2147483708" r:id="rId9"/>
+    <p:sldLayoutId id="2147483709" r:id="rId10"/>
+    <p:sldLayoutId id="2147483710" r:id="rId11"/>
   </p:sldLayoutIdLst>
   <p:hf hdr="0" ftr="0" dt="0"/>
   <p:txStyles>
@@ -3524,7 +3526,7 @@
                 <a:solidFill>
                   <a:srgbClr val="1A74D8"/>
                 </a:solidFill>
-                <a:latin typeface="Bahnschrift SemiLight" panose="020B0502040204020203" pitchFamily="34" charset="0"/>
+                <a:latin typeface="Bookman Old Style" panose="02050604050505020204" pitchFamily="18" charset="0"/>
               </a:rPr>
               <a:t>А.В. </a:t>
             </a:r>
@@ -3533,7 +3535,7 @@
                 <a:solidFill>
                   <a:srgbClr val="1A74D8"/>
                 </a:solidFill>
-                <a:latin typeface="Bahnschrift SemiLight" panose="020B0502040204020203" pitchFamily="34" charset="0"/>
+                <a:latin typeface="Bookman Old Style" panose="02050604050505020204" pitchFamily="18" charset="0"/>
               </a:rPr>
               <a:t>Черных</a:t>
             </a:r>
@@ -3541,7 +3543,7 @@
               <a:solidFill>
                 <a:srgbClr val="1A74D8"/>
               </a:solidFill>
-              <a:latin typeface="Bahnschrift SemiLight" panose="020B0502040204020203" pitchFamily="34" charset="0"/>
+              <a:latin typeface="Bookman Old Style" panose="02050604050505020204" pitchFamily="18" charset="0"/>
             </a:endParaRPr>
           </a:p>
           <a:p>
@@ -3551,7 +3553,7 @@
                 <a:solidFill>
                   <a:srgbClr val="1A74D8"/>
                 </a:solidFill>
-                <a:latin typeface="Bahnschrift SemiLight" panose="020B0502040204020203" pitchFamily="34" charset="0"/>
+                <a:latin typeface="Bookman Old Style" panose="02050604050505020204" pitchFamily="18" charset="0"/>
               </a:rPr>
               <a:t>А.И.А. </a:t>
             </a:r>
@@ -3560,7 +3562,7 @@
                 <a:solidFill>
                   <a:srgbClr val="1A74D8"/>
                 </a:solidFill>
-                <a:latin typeface="Bahnschrift SemiLight" panose="020B0502040204020203" pitchFamily="34" charset="0"/>
+                <a:latin typeface="Bookman Old Style" panose="02050604050505020204" pitchFamily="18" charset="0"/>
               </a:rPr>
               <a:t>Мохамед</a:t>
             </a:r>
@@ -3568,7 +3570,7 @@
               <a:solidFill>
                 <a:srgbClr val="1A74D8"/>
               </a:solidFill>
-              <a:latin typeface="Bahnschrift SemiLight" panose="020B0502040204020203" pitchFamily="34" charset="0"/>
+              <a:latin typeface="Bookman Old Style" panose="02050604050505020204" pitchFamily="18" charset="0"/>
             </a:endParaRPr>
           </a:p>
           <a:p>
@@ -3578,7 +3580,7 @@
                 <a:solidFill>
                   <a:srgbClr val="1A74D8"/>
                 </a:solidFill>
-                <a:latin typeface="Bahnschrift SemiLight" panose="020B0502040204020203" pitchFamily="34" charset="0"/>
+                <a:latin typeface="Bookman Old Style" panose="02050604050505020204" pitchFamily="18" charset="0"/>
               </a:rPr>
               <a:t>К.А.М. </a:t>
             </a:r>
@@ -3587,7 +3589,7 @@
                 <a:solidFill>
                   <a:srgbClr val="1A74D8"/>
                 </a:solidFill>
-                <a:latin typeface="Bahnschrift SemiLight" panose="020B0502040204020203" pitchFamily="34" charset="0"/>
+                <a:latin typeface="Bookman Old Style" panose="02050604050505020204" pitchFamily="18" charset="0"/>
               </a:rPr>
               <a:t>Фахи</a:t>
             </a:r>
@@ -3596,7 +3598,7 @@
                 <a:solidFill>
                   <a:srgbClr val="1A74D8"/>
                 </a:solidFill>
-                <a:latin typeface="Bahnschrift SemiLight" panose="020B0502040204020203" pitchFamily="34" charset="0"/>
+                <a:latin typeface="Bookman Old Style" panose="02050604050505020204" pitchFamily="18" charset="0"/>
               </a:rPr>
               <a:t>м</a:t>
             </a:r>
@@ -3604,7 +3606,7 @@
               <a:solidFill>
                 <a:srgbClr val="1A74D8"/>
               </a:solidFill>
-              <a:latin typeface="Bahnschrift SemiLight" panose="020B0502040204020203" pitchFamily="34" charset="0"/>
+              <a:latin typeface="Bookman Old Style" panose="02050604050505020204" pitchFamily="18" charset="0"/>
             </a:endParaRPr>
           </a:p>
         </p:txBody>
@@ -3758,58 +3760,14 @@
       </p:sp>
       <p:sp>
         <p:nvSpPr>
-          <p:cNvPr id="2" name="Заголовок 1">
-            <a:extLst>
-              <a:ext uri="{FF2B5EF4-FFF2-40B4-BE49-F238E27FC236}">
-                <a16:creationId xmlns:a16="http://schemas.microsoft.com/office/drawing/2014/main" id="{3D83EBC7-9491-46A5-B035-9122A1003CF0}"/>
-              </a:ext>
-            </a:extLst>
-          </p:cNvPr>
-          <p:cNvSpPr>
-            <a:spLocks noGrp="1"/>
-          </p:cNvSpPr>
-          <p:nvPr>
-            <p:ph type="title"/>
-          </p:nvPr>
-        </p:nvSpPr>
-        <p:spPr>
-          <a:xfrm>
-            <a:off x="100584" y="387790"/>
-            <a:ext cx="10178322" cy="1492132"/>
-          </a:xfrm>
-        </p:spPr>
-        <p:txBody>
-          <a:bodyPr/>
-          <a:lstStyle/>
-          <a:p>
-            <a:r>
-              <a:rPr lang="ru-RU" dirty="0" smtClean="0">
-                <a:solidFill>
-                  <a:srgbClr val="1A74D8"/>
-                </a:solidFill>
-                <a:latin typeface="Bookman Old Style" panose="02050604050505020204" pitchFamily="18" charset="0"/>
-              </a:rPr>
-              <a:t>Как выглядит сайт</a:t>
-            </a:r>
-            <a:endParaRPr lang="ru-RU" dirty="0">
-              <a:solidFill>
-                <a:srgbClr val="1A74D8"/>
-              </a:solidFill>
-              <a:latin typeface="Bookman Old Style" panose="02050604050505020204" pitchFamily="18" charset="0"/>
-            </a:endParaRPr>
-          </a:p>
-        </p:txBody>
-      </p:sp>
-      <p:sp>
-        <p:nvSpPr>
           <p:cNvPr id="13" name="Прямоугольник 12"/>
           <p:cNvSpPr/>
           <p:nvPr/>
         </p:nvSpPr>
         <p:spPr>
           <a:xfrm>
-            <a:off x="2020824" y="2094266"/>
-            <a:ext cx="8193024" cy="4379686"/>
+            <a:off x="-301" y="-1"/>
+            <a:ext cx="12349140" cy="6857999"/>
           </a:xfrm>
           <a:prstGeom prst="rect">
             <a:avLst/>
@@ -3843,6 +3801,50 @@
           <a:p>
             <a:pPr algn="ctr"/>
             <a:endParaRPr lang="ru-RU"/>
+          </a:p>
+        </p:txBody>
+      </p:sp>
+      <p:sp>
+        <p:nvSpPr>
+          <p:cNvPr id="2" name="Заголовок 1">
+            <a:extLst>
+              <a:ext uri="{FF2B5EF4-FFF2-40B4-BE49-F238E27FC236}">
+                <a16:creationId xmlns:a16="http://schemas.microsoft.com/office/drawing/2014/main" id="{3D83EBC7-9491-46A5-B035-9122A1003CF0}"/>
+              </a:ext>
+            </a:extLst>
+          </p:cNvPr>
+          <p:cNvSpPr>
+            <a:spLocks noGrp="1"/>
+          </p:cNvSpPr>
+          <p:nvPr>
+            <p:ph type="title"/>
+          </p:nvPr>
+        </p:nvSpPr>
+        <p:spPr>
+          <a:xfrm>
+            <a:off x="100584" y="387790"/>
+            <a:ext cx="10178322" cy="1492132"/>
+          </a:xfrm>
+        </p:spPr>
+        <p:txBody>
+          <a:bodyPr/>
+          <a:lstStyle/>
+          <a:p>
+            <a:r>
+              <a:rPr lang="ru-RU" dirty="0" smtClean="0">
+                <a:solidFill>
+                  <a:srgbClr val="1A74D8"/>
+                </a:solidFill>
+                <a:latin typeface="Bookman Old Style" panose="02050604050505020204" pitchFamily="18" charset="0"/>
+              </a:rPr>
+              <a:t>Как выглядит сайт</a:t>
+            </a:r>
+            <a:endParaRPr lang="ru-RU" dirty="0">
+              <a:solidFill>
+                <a:srgbClr val="1A74D8"/>
+              </a:solidFill>
+              <a:latin typeface="Bookman Old Style" panose="02050604050505020204" pitchFamily="18" charset="0"/>
+            </a:endParaRPr>
           </a:p>
         </p:txBody>
       </p:sp>
@@ -3922,7 +3924,7 @@
         </p:blipFill>
         <p:spPr>
           <a:xfrm>
-            <a:off x="4527" y="1"/>
+            <a:off x="9053" y="0"/>
             <a:ext cx="12204073" cy="6857999"/>
           </a:xfrm>
           <a:prstGeom prst="rect">
@@ -3930,15 +3932,333 @@
           </a:prstGeom>
         </p:spPr>
       </p:pic>
-      <p:sp>
-        <p:nvSpPr>
-          <p:cNvPr id="8" name="Прямоугольник 7"/>
+      <p:grpSp>
+        <p:nvGrpSpPr>
+          <p:cNvPr id="16" name="Группа 15"/>
+          <p:cNvGrpSpPr/>
+          <p:nvPr/>
+        </p:nvGrpSpPr>
+        <p:grpSpPr>
+          <a:xfrm>
+            <a:off x="988952" y="2055813"/>
+            <a:ext cx="10163680" cy="2539446"/>
+            <a:chOff x="988952" y="2055813"/>
+            <a:chExt cx="10163680" cy="2539446"/>
+          </a:xfrm>
+        </p:grpSpPr>
+        <p:pic>
+          <p:nvPicPr>
+            <p:cNvPr id="1030" name="Picture 6" descr="https://sun9-78.userapi.com/impg/fqUnJnEpjs5dXuTLApq-BQHn67Qp8g0CuUyLMg/dUNLPbeVezE.jpg?size=1080x1080&amp;quality=95&amp;sign=c4c528612bb6ca486990c5e068131982&amp;type=album"/>
+            <p:cNvPicPr>
+              <a:picLocks noChangeAspect="1" noChangeArrowheads="1"/>
+            </p:cNvPicPr>
+            <p:nvPr/>
+          </p:nvPicPr>
+          <p:blipFill rotWithShape="1">
+            <a:blip r:embed="rId3" cstate="hqprint">
+              <a:extLst>
+                <a:ext uri="{28A0092B-C50C-407E-A947-70E740481C1C}">
+                  <a14:useLocalDpi xmlns:a14="http://schemas.microsoft.com/office/drawing/2010/main" val="0"/>
+                </a:ext>
+              </a:extLst>
+            </a:blip>
+            <a:srcRect b="11508"/>
+            <a:stretch/>
+          </p:blipFill>
+          <p:spPr bwMode="auto">
+            <a:xfrm>
+              <a:off x="4642351" y="2055813"/>
+              <a:ext cx="2856882" cy="2528134"/>
+            </a:xfrm>
+            <a:prstGeom prst="rect">
+              <a:avLst/>
+            </a:prstGeom>
+            <a:noFill/>
+            <a:extLst>
+              <a:ext uri="{909E8E84-426E-40DD-AFC4-6F175D3DCCD1}">
+                <a14:hiddenFill xmlns:a14="http://schemas.microsoft.com/office/drawing/2010/main">
+                  <a:solidFill>
+                    <a:srgbClr val="FFFFFF"/>
+                  </a:solidFill>
+                </a14:hiddenFill>
+              </a:ext>
+            </a:extLst>
+          </p:spPr>
+        </p:pic>
+        <p:pic>
+          <p:nvPicPr>
+            <p:cNvPr id="1026" name="Picture 2" descr="https://sun9-45.userapi.com/impg/Ll2DmofEoH8WHRKGmH87IQBMGhA8fPeDnksMoA/tQ8DWyIHaj8.jpg?size=1620x2160&amp;quality=95&amp;sign=1d777a1301cf76a6f8bf4259deafa44b&amp;type=album"/>
+            <p:cNvPicPr>
+              <a:picLocks noChangeAspect="1" noChangeArrowheads="1"/>
+            </p:cNvPicPr>
+            <p:nvPr/>
+          </p:nvPicPr>
+          <p:blipFill rotWithShape="1">
+            <a:blip r:embed="rId4">
+              <a:extLst>
+                <a:ext uri="{28A0092B-C50C-407E-A947-70E740481C1C}">
+                  <a14:useLocalDpi xmlns:a14="http://schemas.microsoft.com/office/drawing/2010/main" val="0"/>
+                </a:ext>
+              </a:extLst>
+            </a:blip>
+            <a:srcRect l="33994" t="48058" r="38930" b="33892"/>
+            <a:stretch/>
+          </p:blipFill>
+          <p:spPr bwMode="auto">
+            <a:xfrm>
+              <a:off x="988952" y="2055813"/>
+              <a:ext cx="2856882" cy="2539446"/>
+            </a:xfrm>
+            <a:prstGeom prst="rect">
+              <a:avLst/>
+            </a:prstGeom>
+            <a:noFill/>
+            <a:extLst>
+              <a:ext uri="{909E8E84-426E-40DD-AFC4-6F175D3DCCD1}">
+                <a14:hiddenFill xmlns:a14="http://schemas.microsoft.com/office/drawing/2010/main">
+                  <a:solidFill>
+                    <a:srgbClr val="FFFFFF"/>
+                  </a:solidFill>
+                </a14:hiddenFill>
+              </a:ext>
+            </a:extLst>
+          </p:spPr>
+        </p:pic>
+        <p:pic>
+          <p:nvPicPr>
+            <p:cNvPr id="1032" name="Picture 8" descr="https://sun9-48.userapi.com/impg/OAtKspPmEMW5GEgpwzL3fApg3NfdjcBwPHzdsA/63WvAGVPPl8.jpg?size=646x1080&amp;quality=96&amp;sign=6a5d82501eb0d651e9d43c67e8023a8d&amp;type=album"/>
+            <p:cNvPicPr>
+              <a:picLocks noChangeAspect="1" noChangeArrowheads="1"/>
+            </p:cNvPicPr>
+            <p:nvPr/>
+          </p:nvPicPr>
+          <p:blipFill rotWithShape="1">
+            <a:blip r:embed="rId5">
+              <a:extLst>
+                <a:ext uri="{28A0092B-C50C-407E-A947-70E740481C1C}">
+                  <a14:useLocalDpi xmlns:a14="http://schemas.microsoft.com/office/drawing/2010/main" val="0"/>
+                </a:ext>
+              </a:extLst>
+            </a:blip>
+            <a:srcRect t="7624" b="39974"/>
+            <a:stretch/>
+          </p:blipFill>
+          <p:spPr bwMode="auto">
+            <a:xfrm>
+              <a:off x="8295750" y="2060024"/>
+              <a:ext cx="2856882" cy="2519712"/>
+            </a:xfrm>
+            <a:prstGeom prst="rect">
+              <a:avLst/>
+            </a:prstGeom>
+            <a:noFill/>
+            <a:extLst>
+              <a:ext uri="{909E8E84-426E-40DD-AFC4-6F175D3DCCD1}">
+                <a14:hiddenFill xmlns:a14="http://schemas.microsoft.com/office/drawing/2010/main">
+                  <a:solidFill>
+                    <a:srgbClr val="FFFFFF"/>
+                  </a:solidFill>
+                </a14:hiddenFill>
+              </a:ext>
+            </a:extLst>
+          </p:spPr>
+        </p:pic>
+      </p:grpSp>
+      <p:sp>
+        <p:nvSpPr>
+          <p:cNvPr id="5" name="Заголовок 4"/>
+          <p:cNvSpPr>
+            <a:spLocks noGrp="1"/>
+          </p:cNvSpPr>
+          <p:nvPr>
+            <p:ph type="title"/>
+          </p:nvPr>
+        </p:nvSpPr>
+        <p:spPr/>
+        <p:txBody>
+          <a:bodyPr/>
+          <a:lstStyle/>
+          <a:p>
+            <a:r>
+              <a:rPr lang="ru-RU" dirty="0" smtClean="0"/>
+              <a:t>                          </a:t>
+            </a:r>
+            <a:endParaRPr lang="ru-RU" dirty="0"/>
+          </a:p>
+        </p:txBody>
+      </p:sp>
+      <p:sp>
+        <p:nvSpPr>
+          <p:cNvPr id="18" name="Овал 17"/>
           <p:cNvSpPr/>
           <p:nvPr/>
         </p:nvSpPr>
         <p:spPr>
           <a:xfrm>
-            <a:off x="-301" y="602134"/>
+            <a:off x="-3835021" y="4408227"/>
+            <a:ext cx="19884788" cy="2882009"/>
+          </a:xfrm>
+          <a:prstGeom prst="ellipse">
+            <a:avLst/>
+          </a:prstGeom>
+          <a:solidFill>
+            <a:srgbClr val="0060DC"/>
+          </a:solidFill>
+          <a:ln>
+            <a:noFill/>
+          </a:ln>
+        </p:spPr>
+        <p:style>
+          <a:lnRef idx="2">
+            <a:schemeClr val="accent1">
+              <a:shade val="50000"/>
+            </a:schemeClr>
+          </a:lnRef>
+          <a:fillRef idx="1">
+            <a:schemeClr val="accent1"/>
+          </a:fillRef>
+          <a:effectRef idx="0">
+            <a:schemeClr val="accent1"/>
+          </a:effectRef>
+          <a:fontRef idx="minor">
+            <a:schemeClr val="lt1"/>
+          </a:fontRef>
+        </p:style>
+        <p:txBody>
+          <a:bodyPr rtlCol="0" anchor="ctr"/>
+          <a:lstStyle/>
+          <a:p>
+            <a:pPr algn="ctr"/>
+            <a:endParaRPr lang="ru-RU"/>
+          </a:p>
+        </p:txBody>
+      </p:sp>
+      <p:sp>
+        <p:nvSpPr>
+          <p:cNvPr id="19" name="Овал 18"/>
+          <p:cNvSpPr/>
+          <p:nvPr/>
+        </p:nvSpPr>
+        <p:spPr>
+          <a:xfrm>
+            <a:off x="-3987421" y="-594425"/>
+            <a:ext cx="19884788" cy="2882009"/>
+          </a:xfrm>
+          <a:prstGeom prst="ellipse">
+            <a:avLst/>
+          </a:prstGeom>
+          <a:solidFill>
+            <a:srgbClr val="0060DC"/>
+          </a:solidFill>
+          <a:ln>
+            <a:noFill/>
+          </a:ln>
+        </p:spPr>
+        <p:style>
+          <a:lnRef idx="2">
+            <a:schemeClr val="accent1">
+              <a:shade val="50000"/>
+            </a:schemeClr>
+          </a:lnRef>
+          <a:fillRef idx="1">
+            <a:schemeClr val="accent1"/>
+          </a:fillRef>
+          <a:effectRef idx="0">
+            <a:schemeClr val="accent1"/>
+          </a:effectRef>
+          <a:fontRef idx="minor">
+            <a:schemeClr val="lt1"/>
+          </a:fontRef>
+        </p:style>
+        <p:txBody>
+          <a:bodyPr rtlCol="0" anchor="ctr"/>
+          <a:lstStyle/>
+          <a:p>
+            <a:pPr algn="ctr"/>
+            <a:endParaRPr lang="ru-RU"/>
+          </a:p>
+        </p:txBody>
+      </p:sp>
+      <p:sp>
+        <p:nvSpPr>
+          <p:cNvPr id="13" name="Прямоугольник 12"/>
+          <p:cNvSpPr/>
+          <p:nvPr/>
+        </p:nvSpPr>
+        <p:spPr>
+          <a:xfrm>
+            <a:off x="3957098" y="-606694"/>
+            <a:ext cx="8376601" cy="7817548"/>
+          </a:xfrm>
+          <a:prstGeom prst="rect">
+            <a:avLst/>
+          </a:prstGeom>
+          <a:gradFill flip="none" rotWithShape="1">
+            <a:gsLst>
+              <a:gs pos="100000">
+                <a:srgbClr val="0060DC">
+                  <a:alpha val="50000"/>
+                </a:srgbClr>
+              </a:gs>
+              <a:gs pos="100000">
+                <a:schemeClr val="accent1">
+                  <a:alpha val="0"/>
+                  <a:lumMod val="100000"/>
+                </a:schemeClr>
+              </a:gs>
+              <a:gs pos="0">
+                <a:schemeClr val="accent1">
+                  <a:lumMod val="100000"/>
+                </a:schemeClr>
+              </a:gs>
+              <a:gs pos="100000">
+                <a:schemeClr val="accent1">
+                  <a:lumMod val="30000"/>
+                  <a:lumOff val="70000"/>
+                </a:schemeClr>
+              </a:gs>
+            </a:gsLst>
+            <a:lin ang="10800000" scaled="1"/>
+            <a:tileRect/>
+          </a:gradFill>
+          <a:ln>
+            <a:noFill/>
+          </a:ln>
+        </p:spPr>
+        <p:style>
+          <a:lnRef idx="2">
+            <a:schemeClr val="accent1">
+              <a:shade val="50000"/>
+            </a:schemeClr>
+          </a:lnRef>
+          <a:fillRef idx="1">
+            <a:schemeClr val="accent1"/>
+          </a:fillRef>
+          <a:effectRef idx="0">
+            <a:schemeClr val="accent1"/>
+          </a:effectRef>
+          <a:fontRef idx="minor">
+            <a:schemeClr val="lt1"/>
+          </a:fontRef>
+        </p:style>
+        <p:txBody>
+          <a:bodyPr rtlCol="0" anchor="ctr"/>
+          <a:lstStyle/>
+          <a:p>
+            <a:pPr algn="ctr"/>
+            <a:endParaRPr lang="ru-RU"/>
+          </a:p>
+        </p:txBody>
+      </p:sp>
+      <p:sp>
+        <p:nvSpPr>
+          <p:cNvPr id="24" name="Прямоугольник 23"/>
+          <p:cNvSpPr/>
+          <p:nvPr/>
+        </p:nvSpPr>
+        <p:spPr>
+          <a:xfrm>
+            <a:off x="9053" y="436613"/>
             <a:ext cx="9473485" cy="896480"/>
           </a:xfrm>
           <a:prstGeom prst="rect">
@@ -3978,29 +4298,50 @@
       </p:sp>
       <p:sp>
         <p:nvSpPr>
-          <p:cNvPr id="2" name="Заголовок 1">
+          <p:cNvPr id="23" name="Заголовок 1">
             <a:extLst>
               <a:ext uri="{FF2B5EF4-FFF2-40B4-BE49-F238E27FC236}">
                 <a16:creationId xmlns:a16="http://schemas.microsoft.com/office/drawing/2014/main" id="{3D83EBC7-9491-46A5-B035-9122A1003CF0}"/>
               </a:ext>
             </a:extLst>
           </p:cNvPr>
-          <p:cNvSpPr>
-            <a:spLocks noGrp="1"/>
-          </p:cNvSpPr>
-          <p:nvPr>
-            <p:ph type="title"/>
-          </p:nvPr>
-        </p:nvSpPr>
-        <p:spPr>
-          <a:xfrm>
-            <a:off x="100584" y="387790"/>
+          <p:cNvSpPr txBox="1">
+            <a:spLocks/>
+          </p:cNvSpPr>
+          <p:nvPr/>
+        </p:nvSpPr>
+        <p:spPr>
+          <a:xfrm>
+            <a:off x="133363" y="160825"/>
             <a:ext cx="10178322" cy="1492132"/>
           </a:xfrm>
-        </p:spPr>
-        <p:txBody>
-          <a:bodyPr/>
-          <a:lstStyle/>
+          <a:prstGeom prst="rect">
+            <a:avLst/>
+          </a:prstGeom>
+        </p:spPr>
+        <p:txBody>
+          <a:bodyPr vert="horz" lIns="91440" tIns="45720" rIns="91440" bIns="45720" rtlCol="0" anchor="ctr">
+            <a:normAutofit/>
+          </a:bodyPr>
+          <a:lstStyle>
+            <a:lvl1pPr algn="l" defTabSz="914400" rtl="0" eaLnBrk="1" latinLnBrk="0" hangingPunct="1">
+              <a:lnSpc>
+                <a:spcPct val="90000"/>
+              </a:lnSpc>
+              <a:spcBef>
+                <a:spcPct val="0"/>
+              </a:spcBef>
+              <a:buNone/>
+              <a:defRPr sz="4400" kern="1200">
+                <a:solidFill>
+                  <a:schemeClr val="tx1"/>
+                </a:solidFill>
+                <a:latin typeface="+mj-lt"/>
+                <a:ea typeface="+mj-ea"/>
+                <a:cs typeface="+mj-cs"/>
+              </a:defRPr>
+            </a:lvl1pPr>
+          </a:lstStyle>
           <a:p>
             <a:r>
               <a:rPr lang="ru-RU" dirty="0" smtClean="0">
@@ -4018,7 +4359,7 @@
                 </a:solidFill>
                 <a:latin typeface="Bookman Old Style" panose="02050604050505020204" pitchFamily="18" charset="0"/>
               </a:rPr>
-              <a:t>healhub</a:t>
+              <a:t>HealHub</a:t>
             </a:r>
             <a:r>
               <a:rPr lang="ru-RU" dirty="0" smtClean="0">
@@ -4040,319 +4381,554 @@
       </p:sp>
       <p:sp>
         <p:nvSpPr>
-          <p:cNvPr id="3" name="Объект 2">
+          <p:cNvPr id="28" name="Заголовок 1">
             <a:extLst>
               <a:ext uri="{FF2B5EF4-FFF2-40B4-BE49-F238E27FC236}">
-                <a16:creationId xmlns:a16="http://schemas.microsoft.com/office/drawing/2014/main" id="{B2F089F3-6E05-C1C4-ACC3-419CF7644490}"/>
+                <a16:creationId xmlns:a16="http://schemas.microsoft.com/office/drawing/2014/main" id="{3D83EBC7-9491-46A5-B035-9122A1003CF0}"/>
               </a:ext>
             </a:extLst>
           </p:cNvPr>
-          <p:cNvSpPr>
-            <a:spLocks noGrp="1"/>
-          </p:cNvSpPr>
-          <p:nvPr>
-            <p:ph idx="1"/>
-          </p:nvPr>
-        </p:nvSpPr>
-        <p:spPr>
-          <a:xfrm>
-            <a:off x="125937" y="3721106"/>
-            <a:ext cx="11961254" cy="2789422"/>
-          </a:xfrm>
-        </p:spPr>
-        <p:txBody>
-          <a:bodyPr>
-            <a:normAutofit fontScale="92500" lnSpcReduction="10000"/>
+          <p:cNvSpPr txBox="1">
+            <a:spLocks/>
+          </p:cNvSpPr>
+          <p:nvPr/>
+        </p:nvSpPr>
+        <p:spPr>
+          <a:xfrm>
+            <a:off x="4136315" y="2222338"/>
+            <a:ext cx="8318870" cy="2372921"/>
+          </a:xfrm>
+          <a:prstGeom prst="rect">
+            <a:avLst/>
+          </a:prstGeom>
+        </p:spPr>
+        <p:txBody>
+          <a:bodyPr vert="horz" lIns="91440" tIns="45720" rIns="91440" bIns="45720" rtlCol="0" anchor="ctr">
+            <a:normAutofit lnSpcReduction="10000"/>
           </a:bodyPr>
-          <a:lstStyle/>
-          <a:p>
-            <a:r>
-              <a:rPr lang="ru-RU" sz="3200" dirty="0">
-                <a:solidFill>
-                  <a:srgbClr val="1A74D8"/>
+          <a:lstStyle>
+            <a:lvl1pPr algn="l" defTabSz="914400" rtl="0" eaLnBrk="1" latinLnBrk="0" hangingPunct="1">
+              <a:lnSpc>
+                <a:spcPct val="90000"/>
+              </a:lnSpc>
+              <a:spcBef>
+                <a:spcPct val="0"/>
+              </a:spcBef>
+              <a:buNone/>
+              <a:defRPr sz="4400" kern="1200">
+                <a:solidFill>
+                  <a:schemeClr val="tx1"/>
+                </a:solidFill>
+                <a:latin typeface="+mj-lt"/>
+                <a:ea typeface="+mj-ea"/>
+                <a:cs typeface="+mj-cs"/>
+              </a:defRPr>
+            </a:lvl1pPr>
+          </a:lstStyle>
+          <a:p>
+            <a:r>
+              <a:rPr lang="ru-RU" b="1" dirty="0">
+                <a:solidFill>
+                  <a:schemeClr val="bg1"/>
                 </a:solidFill>
                 <a:latin typeface="Bookman Old Style" panose="02050604050505020204" pitchFamily="18" charset="0"/>
               </a:rPr>
-              <a:t>Алексей Черных </a:t>
-            </a:r>
-            <a:r>
-              <a:rPr lang="en-US" sz="3200" dirty="0" smtClean="0">
-                <a:solidFill>
-                  <a:srgbClr val="1A74D8"/>
+              <a:t>Карлос </a:t>
+            </a:r>
+            <a:r>
+              <a:rPr lang="ru-RU" b="1" dirty="0" err="1">
+                <a:solidFill>
+                  <a:schemeClr val="bg1"/>
                 </a:solidFill>
                 <a:latin typeface="Bookman Old Style" panose="02050604050505020204" pitchFamily="18" charset="0"/>
               </a:rPr>
-              <a:t>- </a:t>
-            </a:r>
-            <a:r>
-              <a:rPr lang="ru-RU" sz="3200" dirty="0" err="1">
-                <a:solidFill>
-                  <a:srgbClr val="1A74D8"/>
+              <a:t>Ашраф</a:t>
+            </a:r>
+            <a:r>
+              <a:rPr lang="ru-RU" b="1" dirty="0">
+                <a:solidFill>
+                  <a:schemeClr val="bg1"/>
                 </a:solidFill>
                 <a:latin typeface="Bookman Old Style" panose="02050604050505020204" pitchFamily="18" charset="0"/>
               </a:rPr>
-              <a:t>тимлид</a:t>
-            </a:r>
-            <a:r>
-              <a:rPr lang="ru-RU" sz="3200" dirty="0">
-                <a:solidFill>
-                  <a:srgbClr val="1A74D8"/>
+              <a:t> </a:t>
+            </a:r>
+            <a:r>
+              <a:rPr lang="ru-RU" b="1" dirty="0" err="1">
+                <a:solidFill>
+                  <a:schemeClr val="bg1"/>
                 </a:solidFill>
                 <a:latin typeface="Bookman Old Style" panose="02050604050505020204" pitchFamily="18" charset="0"/>
               </a:rPr>
-              <a:t>, дизайнер, </a:t>
-            </a:r>
-            <a:r>
-              <a:rPr lang="ru-RU" sz="3200" dirty="0" err="1">
-                <a:solidFill>
-                  <a:srgbClr val="1A74D8"/>
+              <a:t>Милад</a:t>
+            </a:r>
+            <a:r>
+              <a:rPr lang="ru-RU" b="1" dirty="0">
+                <a:solidFill>
+                  <a:schemeClr val="bg1"/>
                 </a:solidFill>
                 <a:latin typeface="Bookman Old Style" panose="02050604050505020204" pitchFamily="18" charset="0"/>
               </a:rPr>
-              <a:t>фулл</a:t>
-            </a:r>
-            <a:r>
-              <a:rPr lang="ru-RU" sz="3200" dirty="0">
-                <a:solidFill>
-                  <a:srgbClr val="1A74D8"/>
+              <a:t> </a:t>
+            </a:r>
+            <a:r>
+              <a:rPr lang="ru-RU" b="1" dirty="0" err="1" smtClean="0">
+                <a:solidFill>
+                  <a:schemeClr val="bg1"/>
                 </a:solidFill>
                 <a:latin typeface="Bookman Old Style" panose="02050604050505020204" pitchFamily="18" charset="0"/>
               </a:rPr>
-              <a:t>-стек, технический </a:t>
-            </a:r>
-            <a:r>
-              <a:rPr lang="ru-RU" sz="3200" dirty="0" smtClean="0">
-                <a:solidFill>
-                  <a:srgbClr val="1A74D8"/>
-                </a:solidFill>
-                <a:latin typeface="Bookman Old Style" panose="02050604050505020204" pitchFamily="18" charset="0"/>
-              </a:rPr>
-              <a:t>писатель</a:t>
-            </a:r>
-            <a:endParaRPr lang="ru-RU" sz="3200" dirty="0">
+              <a:t>Фахим</a:t>
+            </a:r>
+            <a:endParaRPr lang="en-US" dirty="0" smtClean="0">
               <a:solidFill>
-                <a:srgbClr val="1A74D8"/>
+                <a:schemeClr val="bg1"/>
               </a:solidFill>
               <a:latin typeface="Bookman Old Style" panose="02050604050505020204" pitchFamily="18" charset="0"/>
             </a:endParaRPr>
           </a:p>
           <a:p>
             <a:r>
-              <a:rPr lang="ru-RU" sz="3200" dirty="0" err="1">
-                <a:solidFill>
-                  <a:srgbClr val="1A74D8"/>
+              <a:rPr lang="ru-RU" dirty="0" err="1" smtClean="0">
+                <a:solidFill>
+                  <a:schemeClr val="bg1"/>
                 </a:solidFill>
                 <a:latin typeface="Bookman Old Style" panose="02050604050505020204" pitchFamily="18" charset="0"/>
               </a:rPr>
-              <a:t>Абдиладиф</a:t>
-            </a:r>
-            <a:r>
-              <a:rPr lang="ru-RU" sz="3200" dirty="0">
-                <a:solidFill>
-                  <a:srgbClr val="1A74D8"/>
+              <a:t>фронтенд</a:t>
+            </a:r>
+            <a:r>
+              <a:rPr lang="ru-RU" dirty="0" smtClean="0">
+                <a:solidFill>
+                  <a:schemeClr val="bg1"/>
                 </a:solidFill>
                 <a:latin typeface="Bookman Old Style" panose="02050604050505020204" pitchFamily="18" charset="0"/>
               </a:rPr>
-              <a:t> </a:t>
-            </a:r>
-            <a:r>
-              <a:rPr lang="ru-RU" sz="3200" dirty="0" err="1">
-                <a:solidFill>
-                  <a:srgbClr val="1A74D8"/>
+              <a:t>-разработчик</a:t>
+            </a:r>
+            <a:r>
+              <a:rPr lang="ru-RU" dirty="0">
+                <a:solidFill>
+                  <a:schemeClr val="bg1"/>
                 </a:solidFill>
                 <a:latin typeface="Bookman Old Style" panose="02050604050505020204" pitchFamily="18" charset="0"/>
               </a:rPr>
-              <a:t>Ибрахим</a:t>
-            </a:r>
-            <a:r>
-              <a:rPr lang="ru-RU" sz="3200" dirty="0">
-                <a:solidFill>
-                  <a:srgbClr val="1A74D8"/>
-                </a:solidFill>
-                <a:latin typeface="Bookman Old Style" panose="02050604050505020204" pitchFamily="18" charset="0"/>
-              </a:rPr>
-              <a:t> Али </a:t>
-            </a:r>
-            <a:r>
-              <a:rPr lang="ru-RU" sz="3200" dirty="0" err="1">
-                <a:solidFill>
-                  <a:srgbClr val="1A74D8"/>
-                </a:solidFill>
-                <a:latin typeface="Bookman Old Style" panose="02050604050505020204" pitchFamily="18" charset="0"/>
-              </a:rPr>
-              <a:t>Мохамед</a:t>
-            </a:r>
-            <a:r>
-              <a:rPr lang="ru-RU" sz="3200" dirty="0">
-                <a:solidFill>
-                  <a:srgbClr val="1A74D8"/>
-                </a:solidFill>
-                <a:latin typeface="Bookman Old Style" panose="02050604050505020204" pitchFamily="18" charset="0"/>
-              </a:rPr>
-              <a:t> </a:t>
-            </a:r>
-            <a:r>
-              <a:rPr lang="en-US" sz="3200" dirty="0" smtClean="0">
-                <a:solidFill>
-                  <a:srgbClr val="1A74D8"/>
-                </a:solidFill>
-                <a:latin typeface="Bookman Old Style" panose="02050604050505020204" pitchFamily="18" charset="0"/>
-              </a:rPr>
-              <a:t>- </a:t>
-            </a:r>
-            <a:r>
-              <a:rPr lang="ru-RU" sz="3200" dirty="0" err="1">
-                <a:solidFill>
-                  <a:srgbClr val="1A74D8"/>
-                </a:solidFill>
-                <a:latin typeface="Bookman Old Style" panose="02050604050505020204" pitchFamily="18" charset="0"/>
-              </a:rPr>
-              <a:t>бэкенд</a:t>
-            </a:r>
-            <a:r>
-              <a:rPr lang="ru-RU" sz="3200" dirty="0">
-                <a:solidFill>
-                  <a:srgbClr val="1A74D8"/>
-                </a:solidFill>
-                <a:latin typeface="Bookman Old Style" panose="02050604050505020204" pitchFamily="18" charset="0"/>
-              </a:rPr>
-              <a:t>-разработчик, разработчик баз данных, </a:t>
-            </a:r>
-            <a:r>
-              <a:rPr lang="ru-RU" sz="3200" dirty="0" err="1" smtClean="0">
-                <a:solidFill>
-                  <a:srgbClr val="1A74D8"/>
+              <a:t>, </a:t>
+            </a:r>
+            <a:r>
+              <a:rPr lang="ru-RU" dirty="0" err="1">
+                <a:solidFill>
+                  <a:schemeClr val="bg1"/>
                 </a:solidFill>
                 <a:latin typeface="Bookman Old Style" panose="02050604050505020204" pitchFamily="18" charset="0"/>
               </a:rPr>
               <a:t>тестировщик</a:t>
             </a:r>
-            <a:endParaRPr lang="ru-RU" sz="3200" dirty="0">
+            <a:endParaRPr lang="ru-RU" dirty="0">
               <a:solidFill>
-                <a:srgbClr val="1A74D8"/>
+                <a:schemeClr val="bg1"/>
               </a:solidFill>
               <a:latin typeface="Bookman Old Style" panose="02050604050505020204" pitchFamily="18" charset="0"/>
             </a:endParaRPr>
           </a:p>
-          <a:p>
-            <a:r>
-              <a:rPr lang="ru-RU" sz="3200" dirty="0">
-                <a:solidFill>
-                  <a:srgbClr val="1A74D8"/>
-                </a:solidFill>
-                <a:latin typeface="Bookman Old Style" panose="02050604050505020204" pitchFamily="18" charset="0"/>
-              </a:rPr>
-              <a:t>Карлос </a:t>
-            </a:r>
-            <a:r>
-              <a:rPr lang="ru-RU" sz="3200" dirty="0" err="1">
-                <a:solidFill>
-                  <a:srgbClr val="1A74D8"/>
-                </a:solidFill>
-                <a:latin typeface="Bookman Old Style" panose="02050604050505020204" pitchFamily="18" charset="0"/>
-              </a:rPr>
-              <a:t>Ашраф</a:t>
-            </a:r>
-            <a:r>
-              <a:rPr lang="ru-RU" sz="3200" dirty="0">
-                <a:solidFill>
-                  <a:srgbClr val="1A74D8"/>
-                </a:solidFill>
-                <a:latin typeface="Bookman Old Style" panose="02050604050505020204" pitchFamily="18" charset="0"/>
-              </a:rPr>
-              <a:t> </a:t>
-            </a:r>
-            <a:r>
-              <a:rPr lang="ru-RU" sz="3200" dirty="0" err="1">
-                <a:solidFill>
-                  <a:srgbClr val="1A74D8"/>
-                </a:solidFill>
-                <a:latin typeface="Bookman Old Style" panose="02050604050505020204" pitchFamily="18" charset="0"/>
-              </a:rPr>
-              <a:t>Милад</a:t>
-            </a:r>
-            <a:r>
-              <a:rPr lang="ru-RU" sz="3200" dirty="0">
-                <a:solidFill>
-                  <a:srgbClr val="1A74D8"/>
-                </a:solidFill>
-                <a:latin typeface="Bookman Old Style" panose="02050604050505020204" pitchFamily="18" charset="0"/>
-              </a:rPr>
-              <a:t> </a:t>
-            </a:r>
-            <a:r>
-              <a:rPr lang="ru-RU" sz="3200" dirty="0" err="1">
-                <a:solidFill>
-                  <a:srgbClr val="1A74D8"/>
-                </a:solidFill>
-                <a:latin typeface="Bookman Old Style" panose="02050604050505020204" pitchFamily="18" charset="0"/>
-              </a:rPr>
-              <a:t>Фахим</a:t>
-            </a:r>
-            <a:r>
-              <a:rPr lang="ru-RU" sz="3200" dirty="0">
-                <a:solidFill>
-                  <a:srgbClr val="1A74D8"/>
-                </a:solidFill>
-                <a:latin typeface="Bookman Old Style" panose="02050604050505020204" pitchFamily="18" charset="0"/>
-              </a:rPr>
-              <a:t> </a:t>
-            </a:r>
-            <a:r>
-              <a:rPr lang="en-US" sz="3200" dirty="0" smtClean="0">
-                <a:solidFill>
-                  <a:srgbClr val="1A74D8"/>
-                </a:solidFill>
-                <a:latin typeface="Bookman Old Style" panose="02050604050505020204" pitchFamily="18" charset="0"/>
-              </a:rPr>
-              <a:t>- </a:t>
-            </a:r>
-            <a:r>
-              <a:rPr lang="ru-RU" sz="3200" dirty="0" err="1">
-                <a:solidFill>
-                  <a:srgbClr val="1A74D8"/>
-                </a:solidFill>
-                <a:latin typeface="Bookman Old Style" panose="02050604050505020204" pitchFamily="18" charset="0"/>
-              </a:rPr>
-              <a:t>фронтенд</a:t>
-            </a:r>
-            <a:r>
-              <a:rPr lang="ru-RU" sz="3200" dirty="0">
-                <a:solidFill>
-                  <a:srgbClr val="1A74D8"/>
-                </a:solidFill>
-                <a:latin typeface="Bookman Old Style" panose="02050604050505020204" pitchFamily="18" charset="0"/>
-              </a:rPr>
-              <a:t>-разработчик, </a:t>
-            </a:r>
-            <a:r>
-              <a:rPr lang="ru-RU" sz="3200" dirty="0" err="1" smtClean="0">
-                <a:solidFill>
-                  <a:srgbClr val="1A74D8"/>
-                </a:solidFill>
-                <a:latin typeface="Bookman Old Style" panose="02050604050505020204" pitchFamily="18" charset="0"/>
-              </a:rPr>
-              <a:t>тестировщик</a:t>
-            </a:r>
-            <a:endParaRPr lang="ru-RU" sz="3200" dirty="0">
-              <a:solidFill>
-                <a:srgbClr val="1A74D8"/>
-              </a:solidFill>
-              <a:latin typeface="Bookman Old Style" panose="02050604050505020204" pitchFamily="18" charset="0"/>
-            </a:endParaRPr>
-          </a:p>
-        </p:txBody>
-      </p:sp>
-      <p:sp>
-        <p:nvSpPr>
-          <p:cNvPr id="10" name="Прямоугольник 9"/>
+        </p:txBody>
+      </p:sp>
+    </p:spTree>
+    <p:extLst>
+      <p:ext uri="{BB962C8B-B14F-4D97-AF65-F5344CB8AC3E}">
+        <p14:creationId xmlns:p14="http://schemas.microsoft.com/office/powerpoint/2010/main" val="3491533927"/>
+      </p:ext>
+    </p:extLst>
+  </p:cSld>
+  <p:clrMapOvr>
+    <a:masterClrMapping/>
+  </p:clrMapOvr>
+  <mc:AlternateContent xmlns:mc="http://schemas.openxmlformats.org/markup-compatibility/2006" xmlns:p14="http://schemas.microsoft.com/office/powerpoint/2010/main">
+    <mc:Choice Requires="p14">
+      <p:transition p14:dur="0"/>
+    </mc:Choice>
+    <mc:Fallback xmlns="">
+      <p:transition/>
+    </mc:Fallback>
+  </mc:AlternateContent>
+  <p:timing>
+    <p:tnLst>
+      <p:par>
+        <p:cTn id="1" dur="indefinite" restart="never" nodeType="tmRoot"/>
+      </p:par>
+    </p:tnLst>
+  </p:timing>
+</p:sld>
+</file>
+
+<file path=ppt/slides/slide12.xml><?xml version="1.0" encoding="utf-8"?>
+<p:sld xmlns:a="http://schemas.openxmlformats.org/drawingml/2006/main" xmlns:r="http://schemas.openxmlformats.org/officeDocument/2006/relationships" xmlns:p="http://schemas.openxmlformats.org/presentationml/2006/main">
+  <p:cSld>
+    <p:spTree>
+      <p:nvGrpSpPr>
+        <p:cNvPr id="1" name=""/>
+        <p:cNvGrpSpPr/>
+        <p:nvPr/>
+      </p:nvGrpSpPr>
+      <p:grpSpPr>
+        <a:xfrm>
+          <a:off x="0" y="0"/>
+          <a:ext cx="0" cy="0"/>
+          <a:chOff x="0" y="0"/>
+          <a:chExt cx="0" cy="0"/>
+        </a:xfrm>
+      </p:grpSpPr>
+      <p:pic>
+        <p:nvPicPr>
+          <p:cNvPr id="7" name="Рисунок 6"/>
+          <p:cNvPicPr>
+            <a:picLocks noChangeAspect="1"/>
+          </p:cNvPicPr>
+          <p:nvPr/>
+        </p:nvPicPr>
+        <p:blipFill rotWithShape="1">
+          <a:blip r:embed="rId2"/>
+          <a:srcRect l="11373" t="12174" r="7077"/>
+          <a:stretch/>
+        </p:blipFill>
+        <p:spPr>
+          <a:xfrm>
+            <a:off x="9053" y="0"/>
+            <a:ext cx="12204073" cy="6857999"/>
+          </a:xfrm>
+          <a:prstGeom prst="rect">
+            <a:avLst/>
+          </a:prstGeom>
+        </p:spPr>
+      </p:pic>
+      <p:grpSp>
+        <p:nvGrpSpPr>
+          <p:cNvPr id="16" name="Группа 15"/>
+          <p:cNvGrpSpPr/>
+          <p:nvPr/>
+        </p:nvGrpSpPr>
+        <p:grpSpPr>
+          <a:xfrm>
+            <a:off x="-2851078" y="2078183"/>
+            <a:ext cx="10163680" cy="2539446"/>
+            <a:chOff x="988952" y="2055813"/>
+            <a:chExt cx="10163680" cy="2539446"/>
+          </a:xfrm>
+        </p:grpSpPr>
+        <p:pic>
+          <p:nvPicPr>
+            <p:cNvPr id="1030" name="Picture 6" descr="https://sun9-78.userapi.com/impg/fqUnJnEpjs5dXuTLApq-BQHn67Qp8g0CuUyLMg/dUNLPbeVezE.jpg?size=1080x1080&amp;quality=95&amp;sign=c4c528612bb6ca486990c5e068131982&amp;type=album"/>
+            <p:cNvPicPr>
+              <a:picLocks noChangeAspect="1" noChangeArrowheads="1"/>
+            </p:cNvPicPr>
+            <p:nvPr/>
+          </p:nvPicPr>
+          <p:blipFill rotWithShape="1">
+            <a:blip r:embed="rId3" cstate="hqprint">
+              <a:extLst>
+                <a:ext uri="{28A0092B-C50C-407E-A947-70E740481C1C}">
+                  <a14:useLocalDpi xmlns:a14="http://schemas.microsoft.com/office/drawing/2010/main" val="0"/>
+                </a:ext>
+              </a:extLst>
+            </a:blip>
+            <a:srcRect b="11508"/>
+            <a:stretch/>
+          </p:blipFill>
+          <p:spPr bwMode="auto">
+            <a:xfrm>
+              <a:off x="4642351" y="2055813"/>
+              <a:ext cx="2856882" cy="2528134"/>
+            </a:xfrm>
+            <a:prstGeom prst="rect">
+              <a:avLst/>
+            </a:prstGeom>
+            <a:noFill/>
+            <a:extLst>
+              <a:ext uri="{909E8E84-426E-40DD-AFC4-6F175D3DCCD1}">
+                <a14:hiddenFill xmlns:a14="http://schemas.microsoft.com/office/drawing/2010/main">
+                  <a:solidFill>
+                    <a:srgbClr val="FFFFFF"/>
+                  </a:solidFill>
+                </a14:hiddenFill>
+              </a:ext>
+            </a:extLst>
+          </p:spPr>
+        </p:pic>
+        <p:pic>
+          <p:nvPicPr>
+            <p:cNvPr id="1026" name="Picture 2" descr="https://sun9-45.userapi.com/impg/Ll2DmofEoH8WHRKGmH87IQBMGhA8fPeDnksMoA/tQ8DWyIHaj8.jpg?size=1620x2160&amp;quality=95&amp;sign=1d777a1301cf76a6f8bf4259deafa44b&amp;type=album"/>
+            <p:cNvPicPr>
+              <a:picLocks noChangeAspect="1" noChangeArrowheads="1"/>
+            </p:cNvPicPr>
+            <p:nvPr/>
+          </p:nvPicPr>
+          <p:blipFill rotWithShape="1">
+            <a:blip r:embed="rId4">
+              <a:extLst>
+                <a:ext uri="{28A0092B-C50C-407E-A947-70E740481C1C}">
+                  <a14:useLocalDpi xmlns:a14="http://schemas.microsoft.com/office/drawing/2010/main" val="0"/>
+                </a:ext>
+              </a:extLst>
+            </a:blip>
+            <a:srcRect l="33994" t="48058" r="38930" b="33892"/>
+            <a:stretch/>
+          </p:blipFill>
+          <p:spPr bwMode="auto">
+            <a:xfrm>
+              <a:off x="988952" y="2055813"/>
+              <a:ext cx="2856882" cy="2539446"/>
+            </a:xfrm>
+            <a:prstGeom prst="rect">
+              <a:avLst/>
+            </a:prstGeom>
+            <a:noFill/>
+            <a:extLst>
+              <a:ext uri="{909E8E84-426E-40DD-AFC4-6F175D3DCCD1}">
+                <a14:hiddenFill xmlns:a14="http://schemas.microsoft.com/office/drawing/2010/main">
+                  <a:solidFill>
+                    <a:srgbClr val="FFFFFF"/>
+                  </a:solidFill>
+                </a14:hiddenFill>
+              </a:ext>
+            </a:extLst>
+          </p:spPr>
+        </p:pic>
+        <p:pic>
+          <p:nvPicPr>
+            <p:cNvPr id="1032" name="Picture 8" descr="https://sun9-48.userapi.com/impg/OAtKspPmEMW5GEgpwzL3fApg3NfdjcBwPHzdsA/63WvAGVPPl8.jpg?size=646x1080&amp;quality=96&amp;sign=6a5d82501eb0d651e9d43c67e8023a8d&amp;type=album"/>
+            <p:cNvPicPr>
+              <a:picLocks noChangeAspect="1" noChangeArrowheads="1"/>
+            </p:cNvPicPr>
+            <p:nvPr/>
+          </p:nvPicPr>
+          <p:blipFill rotWithShape="1">
+            <a:blip r:embed="rId5">
+              <a:extLst>
+                <a:ext uri="{28A0092B-C50C-407E-A947-70E740481C1C}">
+                  <a14:useLocalDpi xmlns:a14="http://schemas.microsoft.com/office/drawing/2010/main" val="0"/>
+                </a:ext>
+              </a:extLst>
+            </a:blip>
+            <a:srcRect t="7624" b="39974"/>
+            <a:stretch/>
+          </p:blipFill>
+          <p:spPr bwMode="auto">
+            <a:xfrm>
+              <a:off x="8295750" y="2060024"/>
+              <a:ext cx="2856882" cy="2519712"/>
+            </a:xfrm>
+            <a:prstGeom prst="rect">
+              <a:avLst/>
+            </a:prstGeom>
+            <a:noFill/>
+            <a:extLst>
+              <a:ext uri="{909E8E84-426E-40DD-AFC4-6F175D3DCCD1}">
+                <a14:hiddenFill xmlns:a14="http://schemas.microsoft.com/office/drawing/2010/main">
+                  <a:solidFill>
+                    <a:srgbClr val="FFFFFF"/>
+                  </a:solidFill>
+                </a14:hiddenFill>
+              </a:ext>
+            </a:extLst>
+          </p:spPr>
+        </p:pic>
+      </p:grpSp>
+      <p:sp>
+        <p:nvSpPr>
+          <p:cNvPr id="5" name="Заголовок 4"/>
+          <p:cNvSpPr>
+            <a:spLocks noGrp="1"/>
+          </p:cNvSpPr>
+          <p:nvPr>
+            <p:ph type="title"/>
+          </p:nvPr>
+        </p:nvSpPr>
+        <p:spPr/>
+        <p:txBody>
+          <a:bodyPr/>
+          <a:lstStyle/>
+          <a:p>
+            <a:r>
+              <a:rPr lang="ru-RU" dirty="0" smtClean="0"/>
+              <a:t>                          </a:t>
+            </a:r>
+            <a:endParaRPr lang="ru-RU" dirty="0"/>
+          </a:p>
+        </p:txBody>
+      </p:sp>
+      <p:sp>
+        <p:nvSpPr>
+          <p:cNvPr id="18" name="Овал 17"/>
           <p:cNvSpPr/>
           <p:nvPr/>
         </p:nvSpPr>
         <p:spPr>
           <a:xfrm>
-            <a:off x="-51815" y="3764761"/>
-            <a:ext cx="12316758" cy="2789423"/>
+            <a:off x="-3835021" y="4408227"/>
+            <a:ext cx="19884788" cy="2882009"/>
+          </a:xfrm>
+          <a:prstGeom prst="ellipse">
+            <a:avLst/>
+          </a:prstGeom>
+          <a:solidFill>
+            <a:srgbClr val="0060DC"/>
+          </a:solidFill>
+          <a:ln>
+            <a:noFill/>
+          </a:ln>
+        </p:spPr>
+        <p:style>
+          <a:lnRef idx="2">
+            <a:schemeClr val="accent1">
+              <a:shade val="50000"/>
+            </a:schemeClr>
+          </a:lnRef>
+          <a:fillRef idx="1">
+            <a:schemeClr val="accent1"/>
+          </a:fillRef>
+          <a:effectRef idx="0">
+            <a:schemeClr val="accent1"/>
+          </a:effectRef>
+          <a:fontRef idx="minor">
+            <a:schemeClr val="lt1"/>
+          </a:fontRef>
+        </p:style>
+        <p:txBody>
+          <a:bodyPr rtlCol="0" anchor="ctr"/>
+          <a:lstStyle/>
+          <a:p>
+            <a:pPr algn="ctr"/>
+            <a:endParaRPr lang="ru-RU"/>
+          </a:p>
+        </p:txBody>
+      </p:sp>
+      <p:sp>
+        <p:nvSpPr>
+          <p:cNvPr id="19" name="Овал 18"/>
+          <p:cNvSpPr/>
+          <p:nvPr/>
+        </p:nvSpPr>
+        <p:spPr>
+          <a:xfrm>
+            <a:off x="-3987421" y="-594425"/>
+            <a:ext cx="19884788" cy="2882009"/>
+          </a:xfrm>
+          <a:prstGeom prst="ellipse">
+            <a:avLst/>
+          </a:prstGeom>
+          <a:solidFill>
+            <a:srgbClr val="0060DC"/>
+          </a:solidFill>
+          <a:ln>
+            <a:noFill/>
+          </a:ln>
+        </p:spPr>
+        <p:style>
+          <a:lnRef idx="2">
+            <a:schemeClr val="accent1">
+              <a:shade val="50000"/>
+            </a:schemeClr>
+          </a:lnRef>
+          <a:fillRef idx="1">
+            <a:schemeClr val="accent1"/>
+          </a:fillRef>
+          <a:effectRef idx="0">
+            <a:schemeClr val="accent1"/>
+          </a:effectRef>
+          <a:fontRef idx="minor">
+            <a:schemeClr val="lt1"/>
+          </a:fontRef>
+        </p:style>
+        <p:txBody>
+          <a:bodyPr rtlCol="0" anchor="ctr"/>
+          <a:lstStyle/>
+          <a:p>
+            <a:pPr algn="ctr"/>
+            <a:endParaRPr lang="ru-RU"/>
+          </a:p>
+        </p:txBody>
+      </p:sp>
+      <p:sp>
+        <p:nvSpPr>
+          <p:cNvPr id="13" name="Прямоугольник 12"/>
+          <p:cNvSpPr/>
+          <p:nvPr/>
+        </p:nvSpPr>
+        <p:spPr>
+          <a:xfrm>
+            <a:off x="3957098" y="-606694"/>
+            <a:ext cx="8376601" cy="7817548"/>
+          </a:xfrm>
+          <a:prstGeom prst="rect">
+            <a:avLst/>
+          </a:prstGeom>
+          <a:gradFill flip="none" rotWithShape="1">
+            <a:gsLst>
+              <a:gs pos="100000">
+                <a:srgbClr val="0060DC">
+                  <a:alpha val="50000"/>
+                </a:srgbClr>
+              </a:gs>
+              <a:gs pos="100000">
+                <a:schemeClr val="accent1">
+                  <a:alpha val="0"/>
+                  <a:lumMod val="100000"/>
+                </a:schemeClr>
+              </a:gs>
+              <a:gs pos="0">
+                <a:schemeClr val="accent1">
+                  <a:lumMod val="100000"/>
+                </a:schemeClr>
+              </a:gs>
+              <a:gs pos="100000">
+                <a:schemeClr val="accent1">
+                  <a:lumMod val="30000"/>
+                  <a:lumOff val="70000"/>
+                </a:schemeClr>
+              </a:gs>
+            </a:gsLst>
+            <a:lin ang="10800000" scaled="1"/>
+            <a:tileRect/>
+          </a:gradFill>
+          <a:ln>
+            <a:noFill/>
+          </a:ln>
+        </p:spPr>
+        <p:style>
+          <a:lnRef idx="2">
+            <a:schemeClr val="accent1">
+              <a:shade val="50000"/>
+            </a:schemeClr>
+          </a:lnRef>
+          <a:fillRef idx="1">
+            <a:schemeClr val="accent1"/>
+          </a:fillRef>
+          <a:effectRef idx="0">
+            <a:schemeClr val="accent1"/>
+          </a:effectRef>
+          <a:fontRef idx="minor">
+            <a:schemeClr val="lt1"/>
+          </a:fontRef>
+        </p:style>
+        <p:txBody>
+          <a:bodyPr rtlCol="0" anchor="ctr"/>
+          <a:lstStyle/>
+          <a:p>
+            <a:pPr algn="ctr"/>
+            <a:endParaRPr lang="ru-RU"/>
+          </a:p>
+        </p:txBody>
+      </p:sp>
+      <p:sp>
+        <p:nvSpPr>
+          <p:cNvPr id="24" name="Прямоугольник 23"/>
+          <p:cNvSpPr/>
+          <p:nvPr/>
+        </p:nvSpPr>
+        <p:spPr>
+          <a:xfrm>
+            <a:off x="9053" y="436613"/>
+            <a:ext cx="9473485" cy="896480"/>
           </a:xfrm>
           <a:prstGeom prst="rect">
             <a:avLst/>
@@ -4385,20 +4961,883 @@
           <a:lstStyle/>
           <a:p>
             <a:pPr algn="ctr"/>
-            <a:endParaRPr lang="ru-RU" dirty="0"/>
+            <a:endParaRPr lang="ru-RU"/>
+          </a:p>
+        </p:txBody>
+      </p:sp>
+      <p:sp>
+        <p:nvSpPr>
+          <p:cNvPr id="23" name="Заголовок 1">
+            <a:extLst>
+              <a:ext uri="{FF2B5EF4-FFF2-40B4-BE49-F238E27FC236}">
+                <a16:creationId xmlns:a16="http://schemas.microsoft.com/office/drawing/2014/main" id="{3D83EBC7-9491-46A5-B035-9122A1003CF0}"/>
+              </a:ext>
+            </a:extLst>
+          </p:cNvPr>
+          <p:cNvSpPr txBox="1">
+            <a:spLocks/>
+          </p:cNvSpPr>
+          <p:nvPr/>
+        </p:nvSpPr>
+        <p:spPr>
+          <a:xfrm>
+            <a:off x="133363" y="160825"/>
+            <a:ext cx="10178322" cy="1492132"/>
+          </a:xfrm>
+          <a:prstGeom prst="rect">
+            <a:avLst/>
+          </a:prstGeom>
+        </p:spPr>
+        <p:txBody>
+          <a:bodyPr vert="horz" lIns="91440" tIns="45720" rIns="91440" bIns="45720" rtlCol="0" anchor="ctr">
+            <a:normAutofit/>
+          </a:bodyPr>
+          <a:lstStyle>
+            <a:lvl1pPr algn="l" defTabSz="914400" rtl="0" eaLnBrk="1" latinLnBrk="0" hangingPunct="1">
+              <a:lnSpc>
+                <a:spcPct val="90000"/>
+              </a:lnSpc>
+              <a:spcBef>
+                <a:spcPct val="0"/>
+              </a:spcBef>
+              <a:buNone/>
+              <a:defRPr sz="4400" kern="1200">
+                <a:solidFill>
+                  <a:schemeClr val="tx1"/>
+                </a:solidFill>
+                <a:latin typeface="+mj-lt"/>
+                <a:ea typeface="+mj-ea"/>
+                <a:cs typeface="+mj-cs"/>
+              </a:defRPr>
+            </a:lvl1pPr>
+          </a:lstStyle>
+          <a:p>
+            <a:r>
+              <a:rPr lang="ru-RU" dirty="0" smtClean="0">
+                <a:solidFill>
+                  <a:srgbClr val="1A74D8"/>
+                </a:solidFill>
+                <a:latin typeface="Bookman Old Style" panose="02050604050505020204" pitchFamily="18" charset="0"/>
+              </a:rPr>
+              <a:t>Команда </a:t>
+            </a:r>
+            <a:r>
+              <a:rPr lang="en-US" dirty="0" err="1">
+                <a:solidFill>
+                  <a:srgbClr val="1A74D8"/>
+                </a:solidFill>
+                <a:latin typeface="Bookman Old Style" panose="02050604050505020204" pitchFamily="18" charset="0"/>
+              </a:rPr>
+              <a:t>HealHub</a:t>
+            </a:r>
+            <a:r>
+              <a:rPr lang="ru-RU" dirty="0" smtClean="0">
+                <a:solidFill>
+                  <a:srgbClr val="1A74D8"/>
+                </a:solidFill>
+                <a:latin typeface="Bookman Old Style" panose="02050604050505020204" pitchFamily="18" charset="0"/>
+              </a:rPr>
+              <a:t> (7.5)</a:t>
+            </a:r>
+            <a:endParaRPr lang="ru-RU" dirty="0">
+              <a:solidFill>
+                <a:srgbClr val="1A74D8"/>
+              </a:solidFill>
+              <a:latin typeface="Bookman Old Style" panose="02050604050505020204" pitchFamily="18" charset="0"/>
+            </a:endParaRPr>
+          </a:p>
+        </p:txBody>
+      </p:sp>
+      <p:sp>
+        <p:nvSpPr>
+          <p:cNvPr id="28" name="Заголовок 1">
+            <a:extLst>
+              <a:ext uri="{FF2B5EF4-FFF2-40B4-BE49-F238E27FC236}">
+                <a16:creationId xmlns:a16="http://schemas.microsoft.com/office/drawing/2014/main" id="{3D83EBC7-9491-46A5-B035-9122A1003CF0}"/>
+              </a:ext>
+            </a:extLst>
+          </p:cNvPr>
+          <p:cNvSpPr txBox="1">
+            <a:spLocks/>
+          </p:cNvSpPr>
+          <p:nvPr/>
+        </p:nvSpPr>
+        <p:spPr>
+          <a:xfrm>
+            <a:off x="4136315" y="2222338"/>
+            <a:ext cx="8318870" cy="2771474"/>
+          </a:xfrm>
+          <a:prstGeom prst="rect">
+            <a:avLst/>
+          </a:prstGeom>
+        </p:spPr>
+        <p:txBody>
+          <a:bodyPr vert="horz" lIns="91440" tIns="45720" rIns="91440" bIns="45720" rtlCol="0" anchor="ctr">
+            <a:normAutofit fontScale="92500" lnSpcReduction="10000"/>
+          </a:bodyPr>
+          <a:lstStyle>
+            <a:lvl1pPr algn="l" defTabSz="914400" rtl="0" eaLnBrk="1" latinLnBrk="0" hangingPunct="1">
+              <a:lnSpc>
+                <a:spcPct val="90000"/>
+              </a:lnSpc>
+              <a:spcBef>
+                <a:spcPct val="0"/>
+              </a:spcBef>
+              <a:buNone/>
+              <a:defRPr sz="4400" kern="1200">
+                <a:solidFill>
+                  <a:schemeClr val="tx1"/>
+                </a:solidFill>
+                <a:latin typeface="+mj-lt"/>
+                <a:ea typeface="+mj-ea"/>
+                <a:cs typeface="+mj-cs"/>
+              </a:defRPr>
+            </a:lvl1pPr>
+          </a:lstStyle>
+          <a:p>
+            <a:r>
+              <a:rPr lang="ru-RU" b="1" dirty="0" err="1">
+                <a:solidFill>
+                  <a:schemeClr val="bg1"/>
+                </a:solidFill>
+                <a:latin typeface="Bookman Old Style" panose="02050604050505020204" pitchFamily="18" charset="0"/>
+              </a:rPr>
+              <a:t>Абдиладиф</a:t>
+            </a:r>
+            <a:r>
+              <a:rPr lang="ru-RU" b="1" dirty="0">
+                <a:solidFill>
+                  <a:schemeClr val="bg1"/>
+                </a:solidFill>
+                <a:latin typeface="Bookman Old Style" panose="02050604050505020204" pitchFamily="18" charset="0"/>
+              </a:rPr>
+              <a:t> </a:t>
+            </a:r>
+            <a:r>
+              <a:rPr lang="ru-RU" b="1" dirty="0" err="1">
+                <a:solidFill>
+                  <a:schemeClr val="bg1"/>
+                </a:solidFill>
+                <a:latin typeface="Bookman Old Style" panose="02050604050505020204" pitchFamily="18" charset="0"/>
+              </a:rPr>
+              <a:t>Ибрахим</a:t>
+            </a:r>
+            <a:r>
+              <a:rPr lang="ru-RU" b="1" dirty="0">
+                <a:solidFill>
+                  <a:schemeClr val="bg1"/>
+                </a:solidFill>
+                <a:latin typeface="Bookman Old Style" panose="02050604050505020204" pitchFamily="18" charset="0"/>
+              </a:rPr>
+              <a:t> Али </a:t>
+            </a:r>
+            <a:r>
+              <a:rPr lang="ru-RU" b="1" dirty="0" err="1" smtClean="0">
+                <a:solidFill>
+                  <a:schemeClr val="bg1"/>
+                </a:solidFill>
+                <a:latin typeface="Bookman Old Style" panose="02050604050505020204" pitchFamily="18" charset="0"/>
+              </a:rPr>
+              <a:t>Мохамед</a:t>
+            </a:r>
+            <a:endParaRPr lang="en-US" dirty="0" smtClean="0">
+              <a:solidFill>
+                <a:schemeClr val="bg1"/>
+              </a:solidFill>
+              <a:latin typeface="Bookman Old Style" panose="02050604050505020204" pitchFamily="18" charset="0"/>
+            </a:endParaRPr>
+          </a:p>
+          <a:p>
+            <a:r>
+              <a:rPr lang="ru-RU" dirty="0" err="1" smtClean="0">
+                <a:solidFill>
+                  <a:schemeClr val="bg1"/>
+                </a:solidFill>
+                <a:latin typeface="Bookman Old Style" panose="02050604050505020204" pitchFamily="18" charset="0"/>
+              </a:rPr>
+              <a:t>бэкенд</a:t>
+            </a:r>
+            <a:r>
+              <a:rPr lang="ru-RU" dirty="0" smtClean="0">
+                <a:solidFill>
+                  <a:schemeClr val="bg1"/>
+                </a:solidFill>
+                <a:latin typeface="Bookman Old Style" panose="02050604050505020204" pitchFamily="18" charset="0"/>
+              </a:rPr>
+              <a:t>-разработчик</a:t>
+            </a:r>
+            <a:r>
+              <a:rPr lang="ru-RU" dirty="0">
+                <a:solidFill>
+                  <a:schemeClr val="bg1"/>
+                </a:solidFill>
+                <a:latin typeface="Bookman Old Style" panose="02050604050505020204" pitchFamily="18" charset="0"/>
+              </a:rPr>
+              <a:t>, разработчик баз данных, </a:t>
+            </a:r>
+            <a:r>
+              <a:rPr lang="ru-RU" dirty="0" err="1">
+                <a:solidFill>
+                  <a:schemeClr val="bg1"/>
+                </a:solidFill>
+                <a:latin typeface="Bookman Old Style" panose="02050604050505020204" pitchFamily="18" charset="0"/>
+              </a:rPr>
+              <a:t>тестировщик</a:t>
+            </a:r>
+            <a:endParaRPr lang="ru-RU" dirty="0">
+              <a:solidFill>
+                <a:schemeClr val="bg1"/>
+              </a:solidFill>
+              <a:latin typeface="Bookman Old Style" panose="02050604050505020204" pitchFamily="18" charset="0"/>
+            </a:endParaRPr>
           </a:p>
         </p:txBody>
       </p:sp>
     </p:spTree>
     <p:extLst>
       <p:ext uri="{BB962C8B-B14F-4D97-AF65-F5344CB8AC3E}">
-        <p14:creationId xmlns:p14="http://schemas.microsoft.com/office/powerpoint/2010/main" val="3491533927"/>
+        <p14:creationId xmlns:p14="http://schemas.microsoft.com/office/powerpoint/2010/main" val="4005252601"/>
       </p:ext>
     </p:extLst>
   </p:cSld>
   <p:clrMapOvr>
     <a:masterClrMapping/>
   </p:clrMapOvr>
+  <mc:AlternateContent xmlns:mc="http://schemas.openxmlformats.org/markup-compatibility/2006" xmlns:p14="http://schemas.microsoft.com/office/powerpoint/2010/main">
+    <mc:Choice Requires="p14">
+      <p:transition p14:dur="0"/>
+    </mc:Choice>
+    <mc:Fallback xmlns="">
+      <p:transition/>
+    </mc:Fallback>
+  </mc:AlternateContent>
+  <p:timing>
+    <p:tnLst>
+      <p:par>
+        <p:cTn id="1" dur="indefinite" restart="never" nodeType="tmRoot"/>
+      </p:par>
+    </p:tnLst>
+  </p:timing>
+</p:sld>
+</file>
+
+<file path=ppt/slides/slide13.xml><?xml version="1.0" encoding="utf-8"?>
+<p:sld xmlns:a="http://schemas.openxmlformats.org/drawingml/2006/main" xmlns:r="http://schemas.openxmlformats.org/officeDocument/2006/relationships" xmlns:p="http://schemas.openxmlformats.org/presentationml/2006/main">
+  <p:cSld>
+    <p:spTree>
+      <p:nvGrpSpPr>
+        <p:cNvPr id="1" name=""/>
+        <p:cNvGrpSpPr/>
+        <p:nvPr/>
+      </p:nvGrpSpPr>
+      <p:grpSpPr>
+        <a:xfrm>
+          <a:off x="0" y="0"/>
+          <a:ext cx="0" cy="0"/>
+          <a:chOff x="0" y="0"/>
+          <a:chExt cx="0" cy="0"/>
+        </a:xfrm>
+      </p:grpSpPr>
+      <p:pic>
+        <p:nvPicPr>
+          <p:cNvPr id="7" name="Рисунок 6"/>
+          <p:cNvPicPr>
+            <a:picLocks noChangeAspect="1"/>
+          </p:cNvPicPr>
+          <p:nvPr/>
+        </p:nvPicPr>
+        <p:blipFill rotWithShape="1">
+          <a:blip r:embed="rId2"/>
+          <a:srcRect l="11373" t="12174" r="7077"/>
+          <a:stretch/>
+        </p:blipFill>
+        <p:spPr>
+          <a:xfrm>
+            <a:off x="9053" y="0"/>
+            <a:ext cx="12204073" cy="6857999"/>
+          </a:xfrm>
+          <a:prstGeom prst="rect">
+            <a:avLst/>
+          </a:prstGeom>
+        </p:spPr>
+      </p:pic>
+      <p:grpSp>
+        <p:nvGrpSpPr>
+          <p:cNvPr id="16" name="Группа 15"/>
+          <p:cNvGrpSpPr/>
+          <p:nvPr/>
+        </p:nvGrpSpPr>
+        <p:grpSpPr>
+          <a:xfrm>
+            <a:off x="-6492636" y="2184013"/>
+            <a:ext cx="10163680" cy="2539446"/>
+            <a:chOff x="988952" y="2055813"/>
+            <a:chExt cx="10163680" cy="2539446"/>
+          </a:xfrm>
+        </p:grpSpPr>
+        <p:pic>
+          <p:nvPicPr>
+            <p:cNvPr id="1030" name="Picture 6" descr="https://sun9-78.userapi.com/impg/fqUnJnEpjs5dXuTLApq-BQHn67Qp8g0CuUyLMg/dUNLPbeVezE.jpg?size=1080x1080&amp;quality=95&amp;sign=c4c528612bb6ca486990c5e068131982&amp;type=album"/>
+            <p:cNvPicPr>
+              <a:picLocks noChangeAspect="1" noChangeArrowheads="1"/>
+            </p:cNvPicPr>
+            <p:nvPr/>
+          </p:nvPicPr>
+          <p:blipFill rotWithShape="1">
+            <a:blip r:embed="rId3" cstate="hqprint">
+              <a:extLst>
+                <a:ext uri="{28A0092B-C50C-407E-A947-70E740481C1C}">
+                  <a14:useLocalDpi xmlns:a14="http://schemas.microsoft.com/office/drawing/2010/main" val="0"/>
+                </a:ext>
+              </a:extLst>
+            </a:blip>
+            <a:srcRect b="11508"/>
+            <a:stretch/>
+          </p:blipFill>
+          <p:spPr bwMode="auto">
+            <a:xfrm>
+              <a:off x="4642351" y="2055813"/>
+              <a:ext cx="2856882" cy="2528134"/>
+            </a:xfrm>
+            <a:prstGeom prst="rect">
+              <a:avLst/>
+            </a:prstGeom>
+            <a:noFill/>
+            <a:extLst>
+              <a:ext uri="{909E8E84-426E-40DD-AFC4-6F175D3DCCD1}">
+                <a14:hiddenFill xmlns:a14="http://schemas.microsoft.com/office/drawing/2010/main">
+                  <a:solidFill>
+                    <a:srgbClr val="FFFFFF"/>
+                  </a:solidFill>
+                </a14:hiddenFill>
+              </a:ext>
+            </a:extLst>
+          </p:spPr>
+        </p:pic>
+        <p:pic>
+          <p:nvPicPr>
+            <p:cNvPr id="1026" name="Picture 2" descr="https://sun9-45.userapi.com/impg/Ll2DmofEoH8WHRKGmH87IQBMGhA8fPeDnksMoA/tQ8DWyIHaj8.jpg?size=1620x2160&amp;quality=95&amp;sign=1d777a1301cf76a6f8bf4259deafa44b&amp;type=album"/>
+            <p:cNvPicPr>
+              <a:picLocks noChangeAspect="1" noChangeArrowheads="1"/>
+            </p:cNvPicPr>
+            <p:nvPr/>
+          </p:nvPicPr>
+          <p:blipFill rotWithShape="1">
+            <a:blip r:embed="rId4">
+              <a:extLst>
+                <a:ext uri="{28A0092B-C50C-407E-A947-70E740481C1C}">
+                  <a14:useLocalDpi xmlns:a14="http://schemas.microsoft.com/office/drawing/2010/main" val="0"/>
+                </a:ext>
+              </a:extLst>
+            </a:blip>
+            <a:srcRect l="33994" t="48058" r="38930" b="33892"/>
+            <a:stretch/>
+          </p:blipFill>
+          <p:spPr bwMode="auto">
+            <a:xfrm>
+              <a:off x="988952" y="2055813"/>
+              <a:ext cx="2856882" cy="2539446"/>
+            </a:xfrm>
+            <a:prstGeom prst="rect">
+              <a:avLst/>
+            </a:prstGeom>
+            <a:noFill/>
+            <a:extLst>
+              <a:ext uri="{909E8E84-426E-40DD-AFC4-6F175D3DCCD1}">
+                <a14:hiddenFill xmlns:a14="http://schemas.microsoft.com/office/drawing/2010/main">
+                  <a:solidFill>
+                    <a:srgbClr val="FFFFFF"/>
+                  </a:solidFill>
+                </a14:hiddenFill>
+              </a:ext>
+            </a:extLst>
+          </p:spPr>
+        </p:pic>
+        <p:pic>
+          <p:nvPicPr>
+            <p:cNvPr id="1032" name="Picture 8" descr="https://sun9-48.userapi.com/impg/OAtKspPmEMW5GEgpwzL3fApg3NfdjcBwPHzdsA/63WvAGVPPl8.jpg?size=646x1080&amp;quality=96&amp;sign=6a5d82501eb0d651e9d43c67e8023a8d&amp;type=album"/>
+            <p:cNvPicPr>
+              <a:picLocks noChangeAspect="1" noChangeArrowheads="1"/>
+            </p:cNvPicPr>
+            <p:nvPr/>
+          </p:nvPicPr>
+          <p:blipFill rotWithShape="1">
+            <a:blip r:embed="rId5">
+              <a:extLst>
+                <a:ext uri="{28A0092B-C50C-407E-A947-70E740481C1C}">
+                  <a14:useLocalDpi xmlns:a14="http://schemas.microsoft.com/office/drawing/2010/main" val="0"/>
+                </a:ext>
+              </a:extLst>
+            </a:blip>
+            <a:srcRect t="7624" b="39974"/>
+            <a:stretch/>
+          </p:blipFill>
+          <p:spPr bwMode="auto">
+            <a:xfrm>
+              <a:off x="8295750" y="2060024"/>
+              <a:ext cx="2856882" cy="2519712"/>
+            </a:xfrm>
+            <a:prstGeom prst="rect">
+              <a:avLst/>
+            </a:prstGeom>
+            <a:noFill/>
+            <a:extLst>
+              <a:ext uri="{909E8E84-426E-40DD-AFC4-6F175D3DCCD1}">
+                <a14:hiddenFill xmlns:a14="http://schemas.microsoft.com/office/drawing/2010/main">
+                  <a:solidFill>
+                    <a:srgbClr val="FFFFFF"/>
+                  </a:solidFill>
+                </a14:hiddenFill>
+              </a:ext>
+            </a:extLst>
+          </p:spPr>
+        </p:pic>
+      </p:grpSp>
+      <p:sp>
+        <p:nvSpPr>
+          <p:cNvPr id="5" name="Заголовок 4"/>
+          <p:cNvSpPr>
+            <a:spLocks noGrp="1"/>
+          </p:cNvSpPr>
+          <p:nvPr>
+            <p:ph type="title"/>
+          </p:nvPr>
+        </p:nvSpPr>
+        <p:spPr/>
+        <p:txBody>
+          <a:bodyPr/>
+          <a:lstStyle/>
+          <a:p>
+            <a:r>
+              <a:rPr lang="ru-RU" dirty="0" smtClean="0"/>
+              <a:t>                          </a:t>
+            </a:r>
+            <a:endParaRPr lang="ru-RU" dirty="0"/>
+          </a:p>
+        </p:txBody>
+      </p:sp>
+      <p:sp>
+        <p:nvSpPr>
+          <p:cNvPr id="18" name="Овал 17"/>
+          <p:cNvSpPr/>
+          <p:nvPr/>
+        </p:nvSpPr>
+        <p:spPr>
+          <a:xfrm>
+            <a:off x="-3835021" y="4408227"/>
+            <a:ext cx="19884788" cy="2882009"/>
+          </a:xfrm>
+          <a:prstGeom prst="ellipse">
+            <a:avLst/>
+          </a:prstGeom>
+          <a:solidFill>
+            <a:srgbClr val="0060DC"/>
+          </a:solidFill>
+          <a:ln>
+            <a:noFill/>
+          </a:ln>
+        </p:spPr>
+        <p:style>
+          <a:lnRef idx="2">
+            <a:schemeClr val="accent1">
+              <a:shade val="50000"/>
+            </a:schemeClr>
+          </a:lnRef>
+          <a:fillRef idx="1">
+            <a:schemeClr val="accent1"/>
+          </a:fillRef>
+          <a:effectRef idx="0">
+            <a:schemeClr val="accent1"/>
+          </a:effectRef>
+          <a:fontRef idx="minor">
+            <a:schemeClr val="lt1"/>
+          </a:fontRef>
+        </p:style>
+        <p:txBody>
+          <a:bodyPr rtlCol="0" anchor="ctr"/>
+          <a:lstStyle/>
+          <a:p>
+            <a:pPr algn="ctr"/>
+            <a:endParaRPr lang="ru-RU"/>
+          </a:p>
+        </p:txBody>
+      </p:sp>
+      <p:sp>
+        <p:nvSpPr>
+          <p:cNvPr id="19" name="Овал 18"/>
+          <p:cNvSpPr/>
+          <p:nvPr/>
+        </p:nvSpPr>
+        <p:spPr>
+          <a:xfrm>
+            <a:off x="-3987421" y="-594425"/>
+            <a:ext cx="19884788" cy="2882009"/>
+          </a:xfrm>
+          <a:prstGeom prst="ellipse">
+            <a:avLst/>
+          </a:prstGeom>
+          <a:solidFill>
+            <a:srgbClr val="0060DC"/>
+          </a:solidFill>
+          <a:ln>
+            <a:noFill/>
+          </a:ln>
+        </p:spPr>
+        <p:style>
+          <a:lnRef idx="2">
+            <a:schemeClr val="accent1">
+              <a:shade val="50000"/>
+            </a:schemeClr>
+          </a:lnRef>
+          <a:fillRef idx="1">
+            <a:schemeClr val="accent1"/>
+          </a:fillRef>
+          <a:effectRef idx="0">
+            <a:schemeClr val="accent1"/>
+          </a:effectRef>
+          <a:fontRef idx="minor">
+            <a:schemeClr val="lt1"/>
+          </a:fontRef>
+        </p:style>
+        <p:txBody>
+          <a:bodyPr rtlCol="0" anchor="ctr"/>
+          <a:lstStyle/>
+          <a:p>
+            <a:pPr algn="ctr"/>
+            <a:endParaRPr lang="ru-RU"/>
+          </a:p>
+        </p:txBody>
+      </p:sp>
+      <p:sp>
+        <p:nvSpPr>
+          <p:cNvPr id="13" name="Прямоугольник 12"/>
+          <p:cNvSpPr/>
+          <p:nvPr/>
+        </p:nvSpPr>
+        <p:spPr>
+          <a:xfrm>
+            <a:off x="3957098" y="-606694"/>
+            <a:ext cx="8376601" cy="7817548"/>
+          </a:xfrm>
+          <a:prstGeom prst="rect">
+            <a:avLst/>
+          </a:prstGeom>
+          <a:gradFill flip="none" rotWithShape="1">
+            <a:gsLst>
+              <a:gs pos="100000">
+                <a:srgbClr val="0060DC">
+                  <a:alpha val="50000"/>
+                </a:srgbClr>
+              </a:gs>
+              <a:gs pos="100000">
+                <a:schemeClr val="accent1">
+                  <a:alpha val="0"/>
+                  <a:lumMod val="100000"/>
+                </a:schemeClr>
+              </a:gs>
+              <a:gs pos="0">
+                <a:schemeClr val="accent1">
+                  <a:lumMod val="100000"/>
+                </a:schemeClr>
+              </a:gs>
+              <a:gs pos="100000">
+                <a:schemeClr val="accent1">
+                  <a:lumMod val="30000"/>
+                  <a:lumOff val="70000"/>
+                </a:schemeClr>
+              </a:gs>
+            </a:gsLst>
+            <a:lin ang="10800000" scaled="1"/>
+            <a:tileRect/>
+          </a:gradFill>
+          <a:ln>
+            <a:noFill/>
+          </a:ln>
+        </p:spPr>
+        <p:style>
+          <a:lnRef idx="2">
+            <a:schemeClr val="accent1">
+              <a:shade val="50000"/>
+            </a:schemeClr>
+          </a:lnRef>
+          <a:fillRef idx="1">
+            <a:schemeClr val="accent1"/>
+          </a:fillRef>
+          <a:effectRef idx="0">
+            <a:schemeClr val="accent1"/>
+          </a:effectRef>
+          <a:fontRef idx="minor">
+            <a:schemeClr val="lt1"/>
+          </a:fontRef>
+        </p:style>
+        <p:txBody>
+          <a:bodyPr rtlCol="0" anchor="ctr"/>
+          <a:lstStyle/>
+          <a:p>
+            <a:pPr algn="ctr"/>
+            <a:endParaRPr lang="ru-RU"/>
+          </a:p>
+        </p:txBody>
+      </p:sp>
+      <p:sp>
+        <p:nvSpPr>
+          <p:cNvPr id="24" name="Прямоугольник 23"/>
+          <p:cNvSpPr/>
+          <p:nvPr/>
+        </p:nvSpPr>
+        <p:spPr>
+          <a:xfrm>
+            <a:off x="9053" y="436613"/>
+            <a:ext cx="9473485" cy="896480"/>
+          </a:xfrm>
+          <a:prstGeom prst="rect">
+            <a:avLst/>
+          </a:prstGeom>
+          <a:solidFill>
+            <a:schemeClr val="lt1">
+              <a:alpha val="51000"/>
+            </a:schemeClr>
+          </a:solidFill>
+          <a:ln>
+            <a:noFill/>
+          </a:ln>
+        </p:spPr>
+        <p:style>
+          <a:lnRef idx="2">
+            <a:schemeClr val="accent3"/>
+          </a:lnRef>
+          <a:fillRef idx="1">
+            <a:schemeClr val="lt1"/>
+          </a:fillRef>
+          <a:effectRef idx="0">
+            <a:schemeClr val="accent3"/>
+          </a:effectRef>
+          <a:fontRef idx="minor">
+            <a:schemeClr val="dk1"/>
+          </a:fontRef>
+        </p:style>
+        <p:txBody>
+          <a:bodyPr rtlCol="0" anchor="ctr"/>
+          <a:lstStyle/>
+          <a:p>
+            <a:pPr algn="ctr"/>
+            <a:endParaRPr lang="ru-RU"/>
+          </a:p>
+        </p:txBody>
+      </p:sp>
+      <p:sp>
+        <p:nvSpPr>
+          <p:cNvPr id="23" name="Заголовок 1">
+            <a:extLst>
+              <a:ext uri="{FF2B5EF4-FFF2-40B4-BE49-F238E27FC236}">
+                <a16:creationId xmlns:a16="http://schemas.microsoft.com/office/drawing/2014/main" id="{3D83EBC7-9491-46A5-B035-9122A1003CF0}"/>
+              </a:ext>
+            </a:extLst>
+          </p:cNvPr>
+          <p:cNvSpPr txBox="1">
+            <a:spLocks/>
+          </p:cNvSpPr>
+          <p:nvPr/>
+        </p:nvSpPr>
+        <p:spPr>
+          <a:xfrm>
+            <a:off x="133363" y="160825"/>
+            <a:ext cx="10178322" cy="1492132"/>
+          </a:xfrm>
+          <a:prstGeom prst="rect">
+            <a:avLst/>
+          </a:prstGeom>
+        </p:spPr>
+        <p:txBody>
+          <a:bodyPr vert="horz" lIns="91440" tIns="45720" rIns="91440" bIns="45720" rtlCol="0" anchor="ctr">
+            <a:normAutofit/>
+          </a:bodyPr>
+          <a:lstStyle>
+            <a:lvl1pPr algn="l" defTabSz="914400" rtl="0" eaLnBrk="1" latinLnBrk="0" hangingPunct="1">
+              <a:lnSpc>
+                <a:spcPct val="90000"/>
+              </a:lnSpc>
+              <a:spcBef>
+                <a:spcPct val="0"/>
+              </a:spcBef>
+              <a:buNone/>
+              <a:defRPr sz="4400" kern="1200">
+                <a:solidFill>
+                  <a:schemeClr val="tx1"/>
+                </a:solidFill>
+                <a:latin typeface="+mj-lt"/>
+                <a:ea typeface="+mj-ea"/>
+                <a:cs typeface="+mj-cs"/>
+              </a:defRPr>
+            </a:lvl1pPr>
+          </a:lstStyle>
+          <a:p>
+            <a:r>
+              <a:rPr lang="ru-RU" dirty="0" smtClean="0">
+                <a:solidFill>
+                  <a:srgbClr val="1A74D8"/>
+                </a:solidFill>
+                <a:latin typeface="Bookman Old Style" panose="02050604050505020204" pitchFamily="18" charset="0"/>
+              </a:rPr>
+              <a:t>Команда </a:t>
+            </a:r>
+            <a:r>
+              <a:rPr lang="en-US" dirty="0" err="1">
+                <a:solidFill>
+                  <a:srgbClr val="1A74D8"/>
+                </a:solidFill>
+                <a:latin typeface="Bookman Old Style" panose="02050604050505020204" pitchFamily="18" charset="0"/>
+              </a:rPr>
+              <a:t>HealHub</a:t>
+            </a:r>
+            <a:r>
+              <a:rPr lang="ru-RU" dirty="0" smtClean="0">
+                <a:solidFill>
+                  <a:srgbClr val="1A74D8"/>
+                </a:solidFill>
+                <a:latin typeface="Bookman Old Style" panose="02050604050505020204" pitchFamily="18" charset="0"/>
+              </a:rPr>
+              <a:t> (7.5)</a:t>
+            </a:r>
+            <a:endParaRPr lang="ru-RU" dirty="0">
+              <a:solidFill>
+                <a:srgbClr val="1A74D8"/>
+              </a:solidFill>
+              <a:latin typeface="Bookman Old Style" panose="02050604050505020204" pitchFamily="18" charset="0"/>
+            </a:endParaRPr>
+          </a:p>
+        </p:txBody>
+      </p:sp>
+      <p:sp>
+        <p:nvSpPr>
+          <p:cNvPr id="28" name="Заголовок 1">
+            <a:extLst>
+              <a:ext uri="{FF2B5EF4-FFF2-40B4-BE49-F238E27FC236}">
+                <a16:creationId xmlns:a16="http://schemas.microsoft.com/office/drawing/2014/main" id="{3D83EBC7-9491-46A5-B035-9122A1003CF0}"/>
+              </a:ext>
+            </a:extLst>
+          </p:cNvPr>
+          <p:cNvSpPr txBox="1">
+            <a:spLocks/>
+          </p:cNvSpPr>
+          <p:nvPr/>
+        </p:nvSpPr>
+        <p:spPr>
+          <a:xfrm>
+            <a:off x="4136315" y="2222338"/>
+            <a:ext cx="8318870" cy="2318657"/>
+          </a:xfrm>
+          <a:prstGeom prst="rect">
+            <a:avLst/>
+          </a:prstGeom>
+        </p:spPr>
+        <p:txBody>
+          <a:bodyPr vert="horz" lIns="91440" tIns="45720" rIns="91440" bIns="45720" rtlCol="0" anchor="ctr">
+            <a:normAutofit/>
+          </a:bodyPr>
+          <a:lstStyle>
+            <a:lvl1pPr algn="l" defTabSz="914400" rtl="0" eaLnBrk="1" latinLnBrk="0" hangingPunct="1">
+              <a:lnSpc>
+                <a:spcPct val="90000"/>
+              </a:lnSpc>
+              <a:spcBef>
+                <a:spcPct val="0"/>
+              </a:spcBef>
+              <a:buNone/>
+              <a:defRPr sz="4400" kern="1200">
+                <a:solidFill>
+                  <a:schemeClr val="tx1"/>
+                </a:solidFill>
+                <a:latin typeface="+mj-lt"/>
+                <a:ea typeface="+mj-ea"/>
+                <a:cs typeface="+mj-cs"/>
+              </a:defRPr>
+            </a:lvl1pPr>
+          </a:lstStyle>
+          <a:p>
+            <a:r>
+              <a:rPr lang="ru-RU" b="1" dirty="0">
+                <a:solidFill>
+                  <a:schemeClr val="bg1"/>
+                </a:solidFill>
+                <a:latin typeface="Bookman Old Style" panose="02050604050505020204" pitchFamily="18" charset="0"/>
+              </a:rPr>
+              <a:t>Алексей </a:t>
+            </a:r>
+            <a:r>
+              <a:rPr lang="ru-RU" b="1" dirty="0" smtClean="0">
+                <a:solidFill>
+                  <a:schemeClr val="bg1"/>
+                </a:solidFill>
+                <a:latin typeface="Bookman Old Style" panose="02050604050505020204" pitchFamily="18" charset="0"/>
+              </a:rPr>
+              <a:t>Черных</a:t>
+            </a:r>
+            <a:endParaRPr lang="en-US" b="1" dirty="0" smtClean="0">
+              <a:solidFill>
+                <a:schemeClr val="bg1"/>
+              </a:solidFill>
+              <a:latin typeface="Bookman Old Style" panose="02050604050505020204" pitchFamily="18" charset="0"/>
+            </a:endParaRPr>
+          </a:p>
+          <a:p>
+            <a:r>
+              <a:rPr lang="ru-RU" dirty="0" err="1" smtClean="0">
+                <a:solidFill>
+                  <a:schemeClr val="bg1"/>
+                </a:solidFill>
+                <a:latin typeface="Bookman Old Style" panose="02050604050505020204" pitchFamily="18" charset="0"/>
+              </a:rPr>
+              <a:t>тимлид</a:t>
+            </a:r>
+            <a:r>
+              <a:rPr lang="ru-RU" dirty="0">
+                <a:solidFill>
+                  <a:schemeClr val="bg1"/>
+                </a:solidFill>
+                <a:latin typeface="Bookman Old Style" panose="02050604050505020204" pitchFamily="18" charset="0"/>
+              </a:rPr>
+              <a:t>, дизайнер, </a:t>
+            </a:r>
+            <a:r>
+              <a:rPr lang="ru-RU" dirty="0" err="1">
+                <a:solidFill>
+                  <a:schemeClr val="bg1"/>
+                </a:solidFill>
+                <a:latin typeface="Bookman Old Style" panose="02050604050505020204" pitchFamily="18" charset="0"/>
+              </a:rPr>
+              <a:t>фулл</a:t>
+            </a:r>
+            <a:r>
+              <a:rPr lang="ru-RU" dirty="0">
+                <a:solidFill>
+                  <a:schemeClr val="bg1"/>
+                </a:solidFill>
+                <a:latin typeface="Bookman Old Style" panose="02050604050505020204" pitchFamily="18" charset="0"/>
+              </a:rPr>
+              <a:t>-стек, технический писатель</a:t>
+            </a:r>
+          </a:p>
+        </p:txBody>
+      </p:sp>
+    </p:spTree>
+    <p:extLst>
+      <p:ext uri="{BB962C8B-B14F-4D97-AF65-F5344CB8AC3E}">
+        <p14:creationId xmlns:p14="http://schemas.microsoft.com/office/powerpoint/2010/main" val="3670642379"/>
+      </p:ext>
+    </p:extLst>
+  </p:cSld>
+  <p:clrMapOvr>
+    <a:masterClrMapping/>
+  </p:clrMapOvr>
+  <mc:AlternateContent xmlns:mc="http://schemas.openxmlformats.org/markup-compatibility/2006" xmlns:p14="http://schemas.microsoft.com/office/powerpoint/2010/main">
+    <mc:Choice Requires="p14">
+      <p:transition p14:dur="0"/>
+    </mc:Choice>
+    <mc:Fallback xmlns="">
+      <p:transition/>
+    </mc:Fallback>
+  </mc:AlternateContent>
   <p:timing>
     <p:tnLst>
       <p:par>
@@ -4553,73 +5992,6 @@
       </p:sp>
       <p:sp>
         <p:nvSpPr>
-          <p:cNvPr id="3" name="Объект 2">
-            <a:extLst>
-              <a:ext uri="{FF2B5EF4-FFF2-40B4-BE49-F238E27FC236}">
-                <a16:creationId xmlns:a16="http://schemas.microsoft.com/office/drawing/2014/main" id="{B2F089F3-6E05-C1C4-ACC3-419CF7644490}"/>
-              </a:ext>
-            </a:extLst>
-          </p:cNvPr>
-          <p:cNvSpPr>
-            <a:spLocks noGrp="1"/>
-          </p:cNvSpPr>
-          <p:nvPr>
-            <p:ph idx="1"/>
-          </p:nvPr>
-        </p:nvSpPr>
-        <p:spPr>
-          <a:xfrm>
-            <a:off x="125937" y="3721106"/>
-            <a:ext cx="11961254" cy="1797297"/>
-          </a:xfrm>
-        </p:spPr>
-        <p:txBody>
-          <a:bodyPr>
-            <a:normAutofit/>
-          </a:bodyPr>
-          <a:lstStyle/>
-          <a:p>
-            <a:pPr marL="0" indent="0">
-              <a:buNone/>
-            </a:pPr>
-            <a:r>
-              <a:rPr lang="ru-RU" sz="3200" dirty="0" err="1">
-                <a:solidFill>
-                  <a:srgbClr val="1A74D8"/>
-                </a:solidFill>
-                <a:latin typeface="Bookman Old Style" panose="02050604050505020204" pitchFamily="18" charset="0"/>
-              </a:rPr>
-              <a:t>Healhub</a:t>
-            </a:r>
-            <a:r>
-              <a:rPr lang="ru-RU" sz="3200" dirty="0">
-                <a:solidFill>
-                  <a:srgbClr val="1A74D8"/>
-                </a:solidFill>
-                <a:latin typeface="Bookman Old Style" panose="02050604050505020204" pitchFamily="18" charset="0"/>
-              </a:rPr>
-              <a:t> – веб-приложение для записи к врачу нужной специализации с возможностью выбора на карте конкретного врача и времени </a:t>
-            </a:r>
-            <a:r>
-              <a:rPr lang="ru-RU" sz="3200" dirty="0" smtClean="0">
-                <a:solidFill>
-                  <a:srgbClr val="1A74D8"/>
-                </a:solidFill>
-                <a:latin typeface="Bookman Old Style" panose="02050604050505020204" pitchFamily="18" charset="0"/>
-              </a:rPr>
-              <a:t>приема.</a:t>
-            </a:r>
-            <a:endParaRPr lang="ru-RU" sz="3200" dirty="0">
-              <a:solidFill>
-                <a:srgbClr val="1A74D8"/>
-              </a:solidFill>
-              <a:latin typeface="Bookman Old Style" panose="02050604050505020204" pitchFamily="18" charset="0"/>
-            </a:endParaRPr>
-          </a:p>
-        </p:txBody>
-      </p:sp>
-      <p:sp>
-        <p:nvSpPr>
           <p:cNvPr id="10" name="Прямоугольник 9"/>
           <p:cNvSpPr/>
           <p:nvPr/>
@@ -4661,6 +6033,73 @@
           <a:p>
             <a:pPr algn="ctr"/>
             <a:endParaRPr lang="ru-RU"/>
+          </a:p>
+        </p:txBody>
+      </p:sp>
+      <p:sp>
+        <p:nvSpPr>
+          <p:cNvPr id="3" name="Объект 2">
+            <a:extLst>
+              <a:ext uri="{FF2B5EF4-FFF2-40B4-BE49-F238E27FC236}">
+                <a16:creationId xmlns:a16="http://schemas.microsoft.com/office/drawing/2014/main" id="{B2F089F3-6E05-C1C4-ACC3-419CF7644490}"/>
+              </a:ext>
+            </a:extLst>
+          </p:cNvPr>
+          <p:cNvSpPr>
+            <a:spLocks noGrp="1"/>
+          </p:cNvSpPr>
+          <p:nvPr>
+            <p:ph idx="1"/>
+          </p:nvPr>
+        </p:nvSpPr>
+        <p:spPr>
+          <a:xfrm>
+            <a:off x="125937" y="3721106"/>
+            <a:ext cx="11961254" cy="1797297"/>
+          </a:xfrm>
+        </p:spPr>
+        <p:txBody>
+          <a:bodyPr>
+            <a:normAutofit/>
+          </a:bodyPr>
+          <a:lstStyle/>
+          <a:p>
+            <a:pPr marL="0" indent="0">
+              <a:buNone/>
+            </a:pPr>
+            <a:r>
+              <a:rPr lang="ru-RU" sz="3200" dirty="0" err="1">
+                <a:solidFill>
+                  <a:srgbClr val="1A74D8"/>
+                </a:solidFill>
+                <a:latin typeface="Bookman Old Style" panose="02050604050505020204" pitchFamily="18" charset="0"/>
+              </a:rPr>
+              <a:t>Healhub</a:t>
+            </a:r>
+            <a:r>
+              <a:rPr lang="ru-RU" sz="3200" dirty="0">
+                <a:solidFill>
+                  <a:srgbClr val="1A74D8"/>
+                </a:solidFill>
+                <a:latin typeface="Bookman Old Style" panose="02050604050505020204" pitchFamily="18" charset="0"/>
+              </a:rPr>
+              <a:t> – веб-приложение для записи к врачу нужной специализации с возможностью выбора на карте конкретного врача и времени </a:t>
+            </a:r>
+            <a:r>
+              <a:rPr lang="ru-RU" sz="3200" dirty="0" smtClean="0">
+                <a:solidFill>
+                  <a:srgbClr val="1A74D8"/>
+                </a:solidFill>
+                <a:latin typeface="Bookman Old Style" panose="02050604050505020204" pitchFamily="18" charset="0"/>
+              </a:rPr>
+              <a:t>приема.</a:t>
+            </a:r>
+            <a:endParaRPr lang="ru-RU" sz="3200" dirty="0">
+              <a:solidFill>
+                <a:srgbClr val="1A74D8"/>
+              </a:solidFill>
+              <a:latin typeface="Bookman Old Style" panose="02050604050505020204" pitchFamily="18" charset="0"/>
+            </a:endParaRPr>
           </a:p>
         </p:txBody>
       </p:sp>
@@ -4825,118 +6264,6 @@
       </p:sp>
       <p:sp>
         <p:nvSpPr>
-          <p:cNvPr id="3" name="Объект 2">
-            <a:extLst>
-              <a:ext uri="{FF2B5EF4-FFF2-40B4-BE49-F238E27FC236}">
-                <a16:creationId xmlns:a16="http://schemas.microsoft.com/office/drawing/2014/main" id="{B2F089F3-6E05-C1C4-ACC3-419CF7644490}"/>
-              </a:ext>
-            </a:extLst>
-          </p:cNvPr>
-          <p:cNvSpPr>
-            <a:spLocks noGrp="1"/>
-          </p:cNvSpPr>
-          <p:nvPr>
-            <p:ph idx="1"/>
-          </p:nvPr>
-        </p:nvSpPr>
-        <p:spPr>
-          <a:xfrm>
-            <a:off x="125937" y="3721106"/>
-            <a:ext cx="11961254" cy="2789422"/>
-          </a:xfrm>
-        </p:spPr>
-        <p:txBody>
-          <a:bodyPr>
-            <a:normAutofit/>
-          </a:bodyPr>
-          <a:lstStyle/>
-          <a:p>
-            <a:pPr marL="0" indent="0">
-              <a:buNone/>
-            </a:pPr>
-            <a:r>
-              <a:rPr lang="ru-RU" sz="3200" dirty="0">
-                <a:solidFill>
-                  <a:srgbClr val="1A74D8"/>
-                </a:solidFill>
-                <a:latin typeface="Bookman Old Style" panose="02050604050505020204" pitchFamily="18" charset="0"/>
-              </a:rPr>
-              <a:t>Система </a:t>
-            </a:r>
-            <a:r>
-              <a:rPr lang="ru-RU" sz="3200" dirty="0" smtClean="0">
-                <a:solidFill>
-                  <a:srgbClr val="1A74D8"/>
-                </a:solidFill>
-                <a:latin typeface="Bookman Old Style" panose="02050604050505020204" pitchFamily="18" charset="0"/>
-              </a:rPr>
-              <a:t>призвана </a:t>
-            </a:r>
-            <a:r>
-              <a:rPr lang="ru-RU" sz="3500" dirty="0" smtClean="0">
-                <a:solidFill>
-                  <a:srgbClr val="1A74D8"/>
-                </a:solidFill>
-                <a:latin typeface="Bookman Old Style" panose="02050604050505020204" pitchFamily="18" charset="0"/>
-              </a:rPr>
-              <a:t>упростить</a:t>
-            </a:r>
-            <a:r>
-              <a:rPr lang="ru-RU" sz="3200" dirty="0" smtClean="0">
-                <a:solidFill>
-                  <a:srgbClr val="1A74D8"/>
-                </a:solidFill>
-                <a:latin typeface="Bookman Old Style" panose="02050604050505020204" pitchFamily="18" charset="0"/>
-              </a:rPr>
-              <a:t> процесс </a:t>
-            </a:r>
-            <a:r>
-              <a:rPr lang="ru-RU" sz="3200" dirty="0">
-                <a:solidFill>
-                  <a:srgbClr val="1A74D8"/>
-                </a:solidFill>
-                <a:latin typeface="Bookman Old Style" panose="02050604050505020204" pitchFamily="18" charset="0"/>
-              </a:rPr>
-              <a:t>записи пациентов на прием к </a:t>
-            </a:r>
-            <a:r>
-              <a:rPr lang="ru-RU" sz="3200" dirty="0" smtClean="0">
-                <a:solidFill>
-                  <a:srgbClr val="1A74D8"/>
-                </a:solidFill>
-                <a:latin typeface="Bookman Old Style" panose="02050604050505020204" pitchFamily="18" charset="0"/>
-              </a:rPr>
-              <a:t>специалистам. </a:t>
-            </a:r>
-            <a:r>
-              <a:rPr lang="ru-RU" sz="3200" dirty="0">
-                <a:solidFill>
-                  <a:srgbClr val="1A74D8"/>
-                </a:solidFill>
-                <a:latin typeface="Bookman Old Style" panose="02050604050505020204" pitchFamily="18" charset="0"/>
-              </a:rPr>
-              <a:t>Предоставляя удобную онлайн-платформу, мы стремимся </a:t>
-            </a:r>
-            <a:r>
-              <a:rPr lang="ru-RU" sz="3200" dirty="0" smtClean="0">
-                <a:solidFill>
-                  <a:srgbClr val="1A74D8"/>
-                </a:solidFill>
-                <a:latin typeface="Bookman Old Style" panose="02050604050505020204" pitchFamily="18" charset="0"/>
-              </a:rPr>
-              <a:t>улучшить благосостояние граждан и сэкономить им время и нервы.</a:t>
-            </a:r>
-            <a:endParaRPr lang="ru-RU" sz="3200" dirty="0">
-              <a:solidFill>
-                <a:srgbClr val="1A74D8"/>
-              </a:solidFill>
-              <a:latin typeface="Bookman Old Style" panose="02050604050505020204" pitchFamily="18" charset="0"/>
-            </a:endParaRPr>
-          </a:p>
-        </p:txBody>
-      </p:sp>
-      <p:sp>
-        <p:nvSpPr>
           <p:cNvPr id="10" name="Прямоугольник 9"/>
           <p:cNvSpPr/>
           <p:nvPr/>
@@ -4978,6 +6305,118 @@
           <a:p>
             <a:pPr algn="ctr"/>
             <a:endParaRPr lang="ru-RU"/>
+          </a:p>
+        </p:txBody>
+      </p:sp>
+      <p:sp>
+        <p:nvSpPr>
+          <p:cNvPr id="3" name="Объект 2">
+            <a:extLst>
+              <a:ext uri="{FF2B5EF4-FFF2-40B4-BE49-F238E27FC236}">
+                <a16:creationId xmlns:a16="http://schemas.microsoft.com/office/drawing/2014/main" id="{B2F089F3-6E05-C1C4-ACC3-419CF7644490}"/>
+              </a:ext>
+            </a:extLst>
+          </p:cNvPr>
+          <p:cNvSpPr>
+            <a:spLocks noGrp="1"/>
+          </p:cNvSpPr>
+          <p:nvPr>
+            <p:ph idx="1"/>
+          </p:nvPr>
+        </p:nvSpPr>
+        <p:spPr>
+          <a:xfrm>
+            <a:off x="125937" y="3721106"/>
+            <a:ext cx="11961254" cy="2789422"/>
+          </a:xfrm>
+        </p:spPr>
+        <p:txBody>
+          <a:bodyPr>
+            <a:normAutofit/>
+          </a:bodyPr>
+          <a:lstStyle/>
+          <a:p>
+            <a:pPr marL="0" indent="0">
+              <a:buNone/>
+            </a:pPr>
+            <a:r>
+              <a:rPr lang="ru-RU" sz="3200" dirty="0">
+                <a:solidFill>
+                  <a:srgbClr val="1A74D8"/>
+                </a:solidFill>
+                <a:latin typeface="Bookman Old Style" panose="02050604050505020204" pitchFamily="18" charset="0"/>
+              </a:rPr>
+              <a:t>Система </a:t>
+            </a:r>
+            <a:r>
+              <a:rPr lang="ru-RU" sz="3200" dirty="0" smtClean="0">
+                <a:solidFill>
+                  <a:srgbClr val="1A74D8"/>
+                </a:solidFill>
+                <a:latin typeface="Bookman Old Style" panose="02050604050505020204" pitchFamily="18" charset="0"/>
+              </a:rPr>
+              <a:t>призвана </a:t>
+            </a:r>
+            <a:r>
+              <a:rPr lang="ru-RU" sz="3500" dirty="0" smtClean="0">
+                <a:solidFill>
+                  <a:srgbClr val="1A74D8"/>
+                </a:solidFill>
+                <a:latin typeface="Bookman Old Style" panose="02050604050505020204" pitchFamily="18" charset="0"/>
+              </a:rPr>
+              <a:t>упростить</a:t>
+            </a:r>
+            <a:r>
+              <a:rPr lang="ru-RU" sz="3200" dirty="0" smtClean="0">
+                <a:solidFill>
+                  <a:srgbClr val="1A74D8"/>
+                </a:solidFill>
+                <a:latin typeface="Bookman Old Style" panose="02050604050505020204" pitchFamily="18" charset="0"/>
+              </a:rPr>
+              <a:t> процесс </a:t>
+            </a:r>
+            <a:r>
+              <a:rPr lang="ru-RU" sz="3200" dirty="0">
+                <a:solidFill>
+                  <a:srgbClr val="1A74D8"/>
+                </a:solidFill>
+                <a:latin typeface="Bookman Old Style" panose="02050604050505020204" pitchFamily="18" charset="0"/>
+              </a:rPr>
+              <a:t>записи пациентов на прием к </a:t>
+            </a:r>
+            <a:r>
+              <a:rPr lang="ru-RU" sz="3200" dirty="0" smtClean="0">
+                <a:solidFill>
+                  <a:srgbClr val="1A74D8"/>
+                </a:solidFill>
+                <a:latin typeface="Bookman Old Style" panose="02050604050505020204" pitchFamily="18" charset="0"/>
+              </a:rPr>
+              <a:t>специалистам. </a:t>
+            </a:r>
+            <a:r>
+              <a:rPr lang="ru-RU" sz="3200" dirty="0">
+                <a:solidFill>
+                  <a:srgbClr val="1A74D8"/>
+                </a:solidFill>
+                <a:latin typeface="Bookman Old Style" panose="02050604050505020204" pitchFamily="18" charset="0"/>
+              </a:rPr>
+              <a:t>Предоставляя удобную онлайн-платформу, мы стремимся </a:t>
+            </a:r>
+            <a:r>
+              <a:rPr lang="ru-RU" sz="3200" dirty="0" smtClean="0">
+                <a:solidFill>
+                  <a:srgbClr val="1A74D8"/>
+                </a:solidFill>
+                <a:latin typeface="Bookman Old Style" panose="02050604050505020204" pitchFamily="18" charset="0"/>
+              </a:rPr>
+              <a:t>улучшить благосостояние граждан и сэкономить им время и нервы.</a:t>
+            </a:r>
+            <a:endParaRPr lang="ru-RU" sz="3200" dirty="0">
+              <a:solidFill>
+                <a:srgbClr val="1A74D8"/>
+              </a:solidFill>
+              <a:latin typeface="Bookman Old Style" panose="02050604050505020204" pitchFamily="18" charset="0"/>
+            </a:endParaRPr>
           </a:p>
         </p:txBody>
       </p:sp>
@@ -5151,99 +6590,6 @@
       </p:sp>
       <p:sp>
         <p:nvSpPr>
-          <p:cNvPr id="3" name="Объект 2">
-            <a:extLst>
-              <a:ext uri="{FF2B5EF4-FFF2-40B4-BE49-F238E27FC236}">
-                <a16:creationId xmlns:a16="http://schemas.microsoft.com/office/drawing/2014/main" id="{B2F089F3-6E05-C1C4-ACC3-419CF7644490}"/>
-              </a:ext>
-            </a:extLst>
-          </p:cNvPr>
-          <p:cNvSpPr>
-            <a:spLocks noGrp="1"/>
-          </p:cNvSpPr>
-          <p:nvPr>
-            <p:ph idx="1"/>
-          </p:nvPr>
-        </p:nvSpPr>
-        <p:spPr>
-          <a:xfrm>
-            <a:off x="125937" y="3721106"/>
-            <a:ext cx="11961254" cy="2789422"/>
-          </a:xfrm>
-        </p:spPr>
-        <p:txBody>
-          <a:bodyPr>
-            <a:normAutofit/>
-          </a:bodyPr>
-          <a:lstStyle/>
-          <a:p>
-            <a:r>
-              <a:rPr lang="ru-RU" sz="3200" dirty="0" smtClean="0">
-                <a:solidFill>
-                  <a:srgbClr val="1A74D8"/>
-                </a:solidFill>
-                <a:latin typeface="Bookman Old Style" panose="02050604050505020204" pitchFamily="18" charset="0"/>
-              </a:rPr>
-              <a:t>упрощение доступа </a:t>
-            </a:r>
-            <a:r>
-              <a:rPr lang="ru-RU" sz="3200" dirty="0">
-                <a:solidFill>
-                  <a:srgbClr val="1A74D8"/>
-                </a:solidFill>
-                <a:latin typeface="Bookman Old Style" panose="02050604050505020204" pitchFamily="18" charset="0"/>
-              </a:rPr>
-              <a:t>к медицинским </a:t>
-            </a:r>
-            <a:r>
-              <a:rPr lang="ru-RU" sz="3200" dirty="0" smtClean="0">
-                <a:solidFill>
-                  <a:srgbClr val="1A74D8"/>
-                </a:solidFill>
-                <a:latin typeface="Bookman Old Style" panose="02050604050505020204" pitchFamily="18" charset="0"/>
-              </a:rPr>
-              <a:t>услугам;</a:t>
-            </a:r>
-          </a:p>
-          <a:p>
-            <a:r>
-              <a:rPr lang="ru-RU" sz="3200" dirty="0" smtClean="0">
-                <a:solidFill>
-                  <a:srgbClr val="1A74D8"/>
-                </a:solidFill>
-                <a:latin typeface="Bookman Old Style" panose="02050604050505020204" pitchFamily="18" charset="0"/>
-              </a:rPr>
-              <a:t>оптимизация записи </a:t>
-            </a:r>
-            <a:r>
-              <a:rPr lang="ru-RU" sz="3200" dirty="0">
-                <a:solidFill>
-                  <a:srgbClr val="1A74D8"/>
-                </a:solidFill>
-                <a:latin typeface="Bookman Old Style" panose="02050604050505020204" pitchFamily="18" charset="0"/>
-              </a:rPr>
-              <a:t>на прием для </a:t>
-            </a:r>
-            <a:r>
-              <a:rPr lang="ru-RU" sz="3200" dirty="0" smtClean="0">
-                <a:solidFill>
-                  <a:srgbClr val="1A74D8"/>
-                </a:solidFill>
-                <a:latin typeface="Bookman Old Style" panose="02050604050505020204" pitchFamily="18" charset="0"/>
-              </a:rPr>
-              <a:t>пациентов</a:t>
-            </a:r>
-            <a:endParaRPr lang="ru-RU" sz="3200" dirty="0">
-              <a:solidFill>
-                <a:srgbClr val="1A74D8"/>
-              </a:solidFill>
-              <a:latin typeface="Bookman Old Style" panose="02050604050505020204" pitchFamily="18" charset="0"/>
-            </a:endParaRPr>
-          </a:p>
-        </p:txBody>
-      </p:sp>
-      <p:sp>
-        <p:nvSpPr>
           <p:cNvPr id="10" name="Прямоугольник 9"/>
           <p:cNvSpPr/>
           <p:nvPr/>
@@ -5285,6 +6631,99 @@
           <a:p>
             <a:pPr algn="ctr"/>
             <a:endParaRPr lang="ru-RU"/>
+          </a:p>
+        </p:txBody>
+      </p:sp>
+      <p:sp>
+        <p:nvSpPr>
+          <p:cNvPr id="3" name="Объект 2">
+            <a:extLst>
+              <a:ext uri="{FF2B5EF4-FFF2-40B4-BE49-F238E27FC236}">
+                <a16:creationId xmlns:a16="http://schemas.microsoft.com/office/drawing/2014/main" id="{B2F089F3-6E05-C1C4-ACC3-419CF7644490}"/>
+              </a:ext>
+            </a:extLst>
+          </p:cNvPr>
+          <p:cNvSpPr>
+            <a:spLocks noGrp="1"/>
+          </p:cNvSpPr>
+          <p:nvPr>
+            <p:ph idx="1"/>
+          </p:nvPr>
+        </p:nvSpPr>
+        <p:spPr>
+          <a:xfrm>
+            <a:off x="125937" y="3721106"/>
+            <a:ext cx="11961254" cy="2789422"/>
+          </a:xfrm>
+        </p:spPr>
+        <p:txBody>
+          <a:bodyPr>
+            <a:normAutofit/>
+          </a:bodyPr>
+          <a:lstStyle/>
+          <a:p>
+            <a:r>
+              <a:rPr lang="ru-RU" sz="3200" dirty="0" smtClean="0">
+                <a:solidFill>
+                  <a:srgbClr val="1A74D8"/>
+                </a:solidFill>
+                <a:latin typeface="Bookman Old Style" panose="02050604050505020204" pitchFamily="18" charset="0"/>
+              </a:rPr>
+              <a:t>Упрощение доступа </a:t>
+            </a:r>
+            <a:r>
+              <a:rPr lang="ru-RU" sz="3200" dirty="0">
+                <a:solidFill>
+                  <a:srgbClr val="1A74D8"/>
+                </a:solidFill>
+                <a:latin typeface="Bookman Old Style" panose="02050604050505020204" pitchFamily="18" charset="0"/>
+              </a:rPr>
+              <a:t>к медицинским </a:t>
+            </a:r>
+            <a:r>
+              <a:rPr lang="ru-RU" sz="3200" dirty="0" smtClean="0">
+                <a:solidFill>
+                  <a:srgbClr val="1A74D8"/>
+                </a:solidFill>
+                <a:latin typeface="Bookman Old Style" panose="02050604050505020204" pitchFamily="18" charset="0"/>
+              </a:rPr>
+              <a:t>услугам</a:t>
+            </a:r>
+          </a:p>
+          <a:p>
+            <a:r>
+              <a:rPr lang="ru-RU" sz="3200" dirty="0" smtClean="0">
+                <a:solidFill>
+                  <a:srgbClr val="1A74D8"/>
+                </a:solidFill>
+                <a:latin typeface="Bookman Old Style" panose="02050604050505020204" pitchFamily="18" charset="0"/>
+              </a:rPr>
+              <a:t>Оптимизация записи </a:t>
+            </a:r>
+            <a:r>
+              <a:rPr lang="ru-RU" sz="3200" dirty="0">
+                <a:solidFill>
+                  <a:srgbClr val="1A74D8"/>
+                </a:solidFill>
+                <a:latin typeface="Bookman Old Style" panose="02050604050505020204" pitchFamily="18" charset="0"/>
+              </a:rPr>
+              <a:t>на прием для </a:t>
+            </a:r>
+            <a:r>
+              <a:rPr lang="ru-RU" sz="3200" dirty="0" smtClean="0">
+                <a:solidFill>
+                  <a:srgbClr val="1A74D8"/>
+                </a:solidFill>
+                <a:latin typeface="Bookman Old Style" panose="02050604050505020204" pitchFamily="18" charset="0"/>
+              </a:rPr>
+              <a:t>пациентов</a:t>
+            </a:r>
+            <a:endParaRPr lang="ru-RU" sz="3200" dirty="0">
+              <a:solidFill>
+                <a:srgbClr val="1A74D8"/>
+              </a:solidFill>
+              <a:latin typeface="Bookman Old Style" panose="02050604050505020204" pitchFamily="18" charset="0"/>
+            </a:endParaRPr>
           </a:p>
         </p:txBody>
       </p:sp>
@@ -5440,90 +6879,6 @@
       </p:sp>
       <p:sp>
         <p:nvSpPr>
-          <p:cNvPr id="3" name="Объект 2">
-            <a:extLst>
-              <a:ext uri="{FF2B5EF4-FFF2-40B4-BE49-F238E27FC236}">
-                <a16:creationId xmlns:a16="http://schemas.microsoft.com/office/drawing/2014/main" id="{B2F089F3-6E05-C1C4-ACC3-419CF7644490}"/>
-              </a:ext>
-            </a:extLst>
-          </p:cNvPr>
-          <p:cNvSpPr>
-            <a:spLocks noGrp="1"/>
-          </p:cNvSpPr>
-          <p:nvPr>
-            <p:ph idx="1"/>
-          </p:nvPr>
-        </p:nvSpPr>
-        <p:spPr>
-          <a:xfrm>
-            <a:off x="125937" y="3721106"/>
-            <a:ext cx="11961254" cy="2789422"/>
-          </a:xfrm>
-        </p:spPr>
-        <p:txBody>
-          <a:bodyPr>
-            <a:normAutofit/>
-          </a:bodyPr>
-          <a:lstStyle/>
-          <a:p>
-            <a:r>
-              <a:rPr lang="ru-RU" sz="3200" dirty="0" smtClean="0">
-                <a:solidFill>
-                  <a:srgbClr val="1A74D8"/>
-                </a:solidFill>
-                <a:latin typeface="Bookman Old Style" panose="02050604050505020204" pitchFamily="18" charset="0"/>
-              </a:rPr>
-              <a:t>граждане старше 18 лет, ищущие своего специалиста</a:t>
-            </a:r>
-          </a:p>
-          <a:p>
-            <a:r>
-              <a:rPr lang="ru-RU" sz="3200" dirty="0">
-                <a:solidFill>
-                  <a:srgbClr val="1A74D8"/>
-                </a:solidFill>
-                <a:latin typeface="Bookman Old Style" panose="02050604050505020204" pitchFamily="18" charset="0"/>
-              </a:rPr>
-              <a:t>к</a:t>
-            </a:r>
-            <a:r>
-              <a:rPr lang="ru-RU" sz="3200" dirty="0" smtClean="0">
-                <a:solidFill>
-                  <a:srgbClr val="1A74D8"/>
-                </a:solidFill>
-                <a:latin typeface="Bookman Old Style" panose="02050604050505020204" pitchFamily="18" charset="0"/>
-              </a:rPr>
-              <a:t>валифицированные врачи и поставщики </a:t>
-            </a:r>
-            <a:r>
-              <a:rPr lang="ru-RU" sz="3200" dirty="0">
-                <a:solidFill>
-                  <a:srgbClr val="1A74D8"/>
-                </a:solidFill>
-                <a:latin typeface="Bookman Old Style" panose="02050604050505020204" pitchFamily="18" charset="0"/>
-              </a:rPr>
-              <a:t>медицинских </a:t>
-            </a:r>
-            <a:r>
-              <a:rPr lang="ru-RU" sz="3200" dirty="0" smtClean="0">
-                <a:solidFill>
-                  <a:srgbClr val="1A74D8"/>
-                </a:solidFill>
-                <a:latin typeface="Bookman Old Style" panose="02050604050505020204" pitchFamily="18" charset="0"/>
-              </a:rPr>
-              <a:t>услуг</a:t>
-            </a:r>
-            <a:endParaRPr lang="ru-RU" sz="3200" dirty="0">
-              <a:solidFill>
-                <a:srgbClr val="1A74D8"/>
-              </a:solidFill>
-              <a:latin typeface="Bookman Old Style" panose="02050604050505020204" pitchFamily="18" charset="0"/>
-            </a:endParaRPr>
-          </a:p>
-        </p:txBody>
-      </p:sp>
-      <p:sp>
-        <p:nvSpPr>
           <p:cNvPr id="10" name="Прямоугольник 9"/>
           <p:cNvSpPr/>
           <p:nvPr/>
@@ -5565,6 +6920,81 @@
           <a:p>
             <a:pPr algn="ctr"/>
             <a:endParaRPr lang="ru-RU"/>
+          </a:p>
+        </p:txBody>
+      </p:sp>
+      <p:sp>
+        <p:nvSpPr>
+          <p:cNvPr id="3" name="Объект 2">
+            <a:extLst>
+              <a:ext uri="{FF2B5EF4-FFF2-40B4-BE49-F238E27FC236}">
+                <a16:creationId xmlns:a16="http://schemas.microsoft.com/office/drawing/2014/main" id="{B2F089F3-6E05-C1C4-ACC3-419CF7644490}"/>
+              </a:ext>
+            </a:extLst>
+          </p:cNvPr>
+          <p:cNvSpPr>
+            <a:spLocks noGrp="1"/>
+          </p:cNvSpPr>
+          <p:nvPr>
+            <p:ph idx="1"/>
+          </p:nvPr>
+        </p:nvSpPr>
+        <p:spPr>
+          <a:xfrm>
+            <a:off x="125937" y="3721106"/>
+            <a:ext cx="11961254" cy="2789422"/>
+          </a:xfrm>
+        </p:spPr>
+        <p:txBody>
+          <a:bodyPr>
+            <a:normAutofit/>
+          </a:bodyPr>
+          <a:lstStyle/>
+          <a:p>
+            <a:r>
+              <a:rPr lang="ru-RU" sz="3200" dirty="0" smtClean="0">
+                <a:solidFill>
+                  <a:srgbClr val="1A74D8"/>
+                </a:solidFill>
+                <a:latin typeface="Bookman Old Style" panose="02050604050505020204" pitchFamily="18" charset="0"/>
+              </a:rPr>
+              <a:t>Граждане старше 18 лет, ищущие своего специалиста</a:t>
+            </a:r>
+          </a:p>
+          <a:p>
+            <a:r>
+              <a:rPr lang="ru-RU" sz="3200" dirty="0" smtClean="0">
+                <a:solidFill>
+                  <a:srgbClr val="1A74D8"/>
+                </a:solidFill>
+                <a:latin typeface="Bookman Old Style" panose="02050604050505020204" pitchFamily="18" charset="0"/>
+              </a:rPr>
+              <a:t>Квалифицированные врачи и поставщики </a:t>
+            </a:r>
+            <a:r>
+              <a:rPr lang="ru-RU" sz="3200" dirty="0">
+                <a:solidFill>
+                  <a:srgbClr val="1A74D8"/>
+                </a:solidFill>
+                <a:latin typeface="Bookman Old Style" panose="02050604050505020204" pitchFamily="18" charset="0"/>
+              </a:rPr>
+              <a:t>медицинских </a:t>
+            </a:r>
+            <a:r>
+              <a:rPr lang="ru-RU" sz="3200" dirty="0" smtClean="0">
+                <a:solidFill>
+                  <a:srgbClr val="1A74D8"/>
+                </a:solidFill>
+                <a:latin typeface="Bookman Old Style" panose="02050604050505020204" pitchFamily="18" charset="0"/>
+              </a:rPr>
+              <a:t>услуг</a:t>
+            </a:r>
+            <a:endParaRPr lang="ru-RU" sz="3200" dirty="0">
+              <a:solidFill>
+                <a:srgbClr val="1A74D8"/>
+              </a:solidFill>
+              <a:latin typeface="Bookman Old Style" panose="02050604050505020204" pitchFamily="18" charset="0"/>
+            </a:endParaRPr>
           </a:p>
         </p:txBody>
       </p:sp>
@@ -5720,119 +7150,6 @@
       </p:sp>
       <p:sp>
         <p:nvSpPr>
-          <p:cNvPr id="3" name="Объект 2">
-            <a:extLst>
-              <a:ext uri="{FF2B5EF4-FFF2-40B4-BE49-F238E27FC236}">
-                <a16:creationId xmlns:a16="http://schemas.microsoft.com/office/drawing/2014/main" id="{B2F089F3-6E05-C1C4-ACC3-419CF7644490}"/>
-              </a:ext>
-            </a:extLst>
-          </p:cNvPr>
-          <p:cNvSpPr>
-            <a:spLocks noGrp="1"/>
-          </p:cNvSpPr>
-          <p:nvPr>
-            <p:ph idx="1"/>
-          </p:nvPr>
-        </p:nvSpPr>
-        <p:spPr>
-          <a:xfrm>
-            <a:off x="125937" y="3721106"/>
-            <a:ext cx="11961254" cy="2789422"/>
-          </a:xfrm>
-        </p:spPr>
-        <p:txBody>
-          <a:bodyPr>
-            <a:normAutofit/>
-          </a:bodyPr>
-          <a:lstStyle/>
-          <a:p>
-            <a:r>
-              <a:rPr lang="ru-RU" sz="3200" dirty="0" err="1">
-                <a:solidFill>
-                  <a:srgbClr val="1A74D8"/>
-                </a:solidFill>
-                <a:latin typeface="Bookman Old Style" panose="02050604050505020204" pitchFamily="18" charset="0"/>
-              </a:rPr>
-              <a:t>Фронтенд</a:t>
-            </a:r>
-            <a:r>
-              <a:rPr lang="ru-RU" sz="3200" dirty="0">
-                <a:solidFill>
-                  <a:srgbClr val="1A74D8"/>
-                </a:solidFill>
-                <a:latin typeface="Bookman Old Style" panose="02050604050505020204" pitchFamily="18" charset="0"/>
-              </a:rPr>
-              <a:t>: </a:t>
-            </a:r>
-            <a:r>
-              <a:rPr lang="en-US" sz="3200" dirty="0">
-                <a:solidFill>
-                  <a:srgbClr val="1A74D8"/>
-                </a:solidFill>
-                <a:latin typeface="Bookman Old Style" panose="02050604050505020204" pitchFamily="18" charset="0"/>
-              </a:rPr>
-              <a:t>HTML, CSS, JavaScript, React.</a:t>
-            </a:r>
-          </a:p>
-          <a:p>
-            <a:r>
-              <a:rPr lang="ru-RU" sz="3200" dirty="0" err="1">
-                <a:solidFill>
-                  <a:srgbClr val="1A74D8"/>
-                </a:solidFill>
-                <a:latin typeface="Bookman Old Style" panose="02050604050505020204" pitchFamily="18" charset="0"/>
-              </a:rPr>
-              <a:t>Бэкенд</a:t>
-            </a:r>
-            <a:r>
-              <a:rPr lang="ru-RU" sz="3200" dirty="0">
-                <a:solidFill>
-                  <a:srgbClr val="1A74D8"/>
-                </a:solidFill>
-                <a:latin typeface="Bookman Old Style" panose="02050604050505020204" pitchFamily="18" charset="0"/>
-              </a:rPr>
-              <a:t>: </a:t>
-            </a:r>
-            <a:r>
-              <a:rPr lang="en-US" sz="3200" dirty="0">
-                <a:solidFill>
-                  <a:srgbClr val="1A74D8"/>
-                </a:solidFill>
-                <a:latin typeface="Bookman Old Style" panose="02050604050505020204" pitchFamily="18" charset="0"/>
-              </a:rPr>
-              <a:t>Java, Spring Framework.</a:t>
-            </a:r>
-          </a:p>
-          <a:p>
-            <a:r>
-              <a:rPr lang="ru-RU" sz="3200" dirty="0">
-                <a:solidFill>
-                  <a:srgbClr val="1A74D8"/>
-                </a:solidFill>
-                <a:latin typeface="Bookman Old Style" panose="02050604050505020204" pitchFamily="18" charset="0"/>
-              </a:rPr>
-              <a:t>База данных: </a:t>
-            </a:r>
-            <a:r>
-              <a:rPr lang="en-US" sz="3200" dirty="0">
-                <a:solidFill>
-                  <a:srgbClr val="1A74D8"/>
-                </a:solidFill>
-                <a:latin typeface="Bookman Old Style" panose="02050604050505020204" pitchFamily="18" charset="0"/>
-              </a:rPr>
-              <a:t>MySQL</a:t>
-            </a:r>
-            <a:endParaRPr lang="ru-RU" sz="3200" dirty="0">
-              <a:solidFill>
-                <a:srgbClr val="1A74D8"/>
-              </a:solidFill>
-              <a:latin typeface="Bookman Old Style" panose="02050604050505020204" pitchFamily="18" charset="0"/>
-            </a:endParaRPr>
-          </a:p>
-        </p:txBody>
-      </p:sp>
-      <p:sp>
-        <p:nvSpPr>
           <p:cNvPr id="10" name="Прямоугольник 9"/>
           <p:cNvSpPr/>
           <p:nvPr/>
@@ -5874,6 +7191,149 @@
           <a:p>
             <a:pPr algn="ctr"/>
             <a:endParaRPr lang="ru-RU"/>
+          </a:p>
+        </p:txBody>
+      </p:sp>
+      <p:sp>
+        <p:nvSpPr>
+          <p:cNvPr id="3" name="Объект 2">
+            <a:extLst>
+              <a:ext uri="{FF2B5EF4-FFF2-40B4-BE49-F238E27FC236}">
+                <a16:creationId xmlns:a16="http://schemas.microsoft.com/office/drawing/2014/main" id="{B2F089F3-6E05-C1C4-ACC3-419CF7644490}"/>
+              </a:ext>
+            </a:extLst>
+          </p:cNvPr>
+          <p:cNvSpPr>
+            <a:spLocks noGrp="1"/>
+          </p:cNvSpPr>
+          <p:nvPr>
+            <p:ph idx="1"/>
+          </p:nvPr>
+        </p:nvSpPr>
+        <p:spPr>
+          <a:xfrm>
+            <a:off x="125937" y="3721106"/>
+            <a:ext cx="11961254" cy="2789422"/>
+          </a:xfrm>
+        </p:spPr>
+        <p:txBody>
+          <a:bodyPr>
+            <a:normAutofit/>
+          </a:bodyPr>
+          <a:lstStyle/>
+          <a:p>
+            <a:r>
+              <a:rPr lang="ru-RU" sz="3200" dirty="0" err="1">
+                <a:solidFill>
+                  <a:srgbClr val="1A74D8"/>
+                </a:solidFill>
+                <a:latin typeface="Bookman Old Style" panose="02050604050505020204" pitchFamily="18" charset="0"/>
+              </a:rPr>
+              <a:t>Фронтенд</a:t>
+            </a:r>
+            <a:r>
+              <a:rPr lang="ru-RU" sz="3200" dirty="0">
+                <a:solidFill>
+                  <a:srgbClr val="1A74D8"/>
+                </a:solidFill>
+                <a:latin typeface="Bookman Old Style" panose="02050604050505020204" pitchFamily="18" charset="0"/>
+              </a:rPr>
+              <a:t>: </a:t>
+            </a:r>
+            <a:r>
+              <a:rPr lang="en-US" sz="3200" dirty="0">
+                <a:solidFill>
+                  <a:srgbClr val="1A74D8"/>
+                </a:solidFill>
+                <a:latin typeface="Bookman Old Style" panose="02050604050505020204" pitchFamily="18" charset="0"/>
+              </a:rPr>
+              <a:t>HTML, CSS, JavaScript, </a:t>
+            </a:r>
+            <a:r>
+              <a:rPr lang="en-US" sz="3200" dirty="0" smtClean="0">
+                <a:solidFill>
+                  <a:srgbClr val="1A74D8"/>
+                </a:solidFill>
+                <a:latin typeface="Bookman Old Style" panose="02050604050505020204" pitchFamily="18" charset="0"/>
+              </a:rPr>
+              <a:t>React</a:t>
+            </a:r>
+            <a:endParaRPr lang="en-US" sz="3200" dirty="0">
+              <a:solidFill>
+                <a:srgbClr val="1A74D8"/>
+              </a:solidFill>
+              <a:latin typeface="Bookman Old Style" panose="02050604050505020204" pitchFamily="18" charset="0"/>
+            </a:endParaRPr>
+          </a:p>
+          <a:p>
+            <a:r>
+              <a:rPr lang="ru-RU" sz="3200" dirty="0" err="1">
+                <a:solidFill>
+                  <a:srgbClr val="1A74D8"/>
+                </a:solidFill>
+                <a:latin typeface="Bookman Old Style" panose="02050604050505020204" pitchFamily="18" charset="0"/>
+              </a:rPr>
+              <a:t>Бэкенд</a:t>
+            </a:r>
+            <a:r>
+              <a:rPr lang="ru-RU" sz="3200" dirty="0">
+                <a:solidFill>
+                  <a:srgbClr val="1A74D8"/>
+                </a:solidFill>
+                <a:latin typeface="Bookman Old Style" panose="02050604050505020204" pitchFamily="18" charset="0"/>
+              </a:rPr>
+              <a:t>: </a:t>
+            </a:r>
+            <a:r>
+              <a:rPr lang="en-US" sz="3200" dirty="0">
+                <a:solidFill>
+                  <a:srgbClr val="1A74D8"/>
+                </a:solidFill>
+                <a:latin typeface="Bookman Old Style" panose="02050604050505020204" pitchFamily="18" charset="0"/>
+              </a:rPr>
+              <a:t>Java, Spring </a:t>
+            </a:r>
+            <a:r>
+              <a:rPr lang="en-US" sz="3200" dirty="0" smtClean="0">
+                <a:solidFill>
+                  <a:srgbClr val="1A74D8"/>
+                </a:solidFill>
+                <a:latin typeface="Bookman Old Style" panose="02050604050505020204" pitchFamily="18" charset="0"/>
+              </a:rPr>
+              <a:t>Framework</a:t>
+            </a:r>
+            <a:endParaRPr lang="en-US" sz="3200" dirty="0">
+              <a:solidFill>
+                <a:srgbClr val="1A74D8"/>
+              </a:solidFill>
+              <a:latin typeface="Bookman Old Style" panose="02050604050505020204" pitchFamily="18" charset="0"/>
+            </a:endParaRPr>
+          </a:p>
+          <a:p>
+            <a:r>
+              <a:rPr lang="ru-RU" sz="3200" dirty="0">
+                <a:solidFill>
+                  <a:srgbClr val="1A74D8"/>
+                </a:solidFill>
+                <a:latin typeface="Bookman Old Style" panose="02050604050505020204" pitchFamily="18" charset="0"/>
+              </a:rPr>
+              <a:t>База данных: </a:t>
+            </a:r>
+            <a:r>
+              <a:rPr lang="en-US" sz="3200" dirty="0">
+                <a:solidFill>
+                  <a:srgbClr val="1A74D8"/>
+                </a:solidFill>
+                <a:latin typeface="Bookman Old Style" panose="02050604050505020204" pitchFamily="18" charset="0"/>
+              </a:rPr>
+              <a:t>MySQL</a:t>
+            </a:r>
+            <a:endParaRPr lang="ru-RU" sz="3200" dirty="0">
+              <a:solidFill>
+                <a:srgbClr val="1A74D8"/>
+              </a:solidFill>
+              <a:latin typeface="Bookman Old Style" panose="02050604050505020204" pitchFamily="18" charset="0"/>
+            </a:endParaRPr>
           </a:p>
         </p:txBody>
       </p:sp>
@@ -5985,58 +7445,14 @@
       </p:sp>
       <p:sp>
         <p:nvSpPr>
-          <p:cNvPr id="2" name="Заголовок 1">
-            <a:extLst>
-              <a:ext uri="{FF2B5EF4-FFF2-40B4-BE49-F238E27FC236}">
-                <a16:creationId xmlns:a16="http://schemas.microsoft.com/office/drawing/2014/main" id="{3D83EBC7-9491-46A5-B035-9122A1003CF0}"/>
-              </a:ext>
-            </a:extLst>
-          </p:cNvPr>
-          <p:cNvSpPr>
-            <a:spLocks noGrp="1"/>
-          </p:cNvSpPr>
-          <p:nvPr>
-            <p:ph type="title"/>
-          </p:nvPr>
-        </p:nvSpPr>
-        <p:spPr>
-          <a:xfrm>
-            <a:off x="100584" y="387790"/>
-            <a:ext cx="10178322" cy="1492132"/>
-          </a:xfrm>
-        </p:spPr>
-        <p:txBody>
-          <a:bodyPr/>
-          <a:lstStyle/>
-          <a:p>
-            <a:r>
-              <a:rPr lang="ru-RU" dirty="0" smtClean="0">
-                <a:solidFill>
-                  <a:srgbClr val="1A74D8"/>
-                </a:solidFill>
-                <a:latin typeface="Bookman Old Style" panose="02050604050505020204" pitchFamily="18" charset="0"/>
-              </a:rPr>
-              <a:t>Как выглядит сайт</a:t>
-            </a:r>
-            <a:endParaRPr lang="ru-RU" dirty="0">
-              <a:solidFill>
-                <a:srgbClr val="1A74D8"/>
-              </a:solidFill>
-              <a:latin typeface="Bookman Old Style" panose="02050604050505020204" pitchFamily="18" charset="0"/>
-            </a:endParaRPr>
-          </a:p>
-        </p:txBody>
-      </p:sp>
-      <p:sp>
-        <p:nvSpPr>
           <p:cNvPr id="13" name="Прямоугольник 12"/>
           <p:cNvSpPr/>
           <p:nvPr/>
         </p:nvSpPr>
         <p:spPr>
           <a:xfrm>
-            <a:off x="640080" y="1984249"/>
-            <a:ext cx="10945368" cy="4608575"/>
+            <a:off x="-301" y="0"/>
+            <a:ext cx="12213427" cy="6857999"/>
           </a:xfrm>
           <a:prstGeom prst="rect">
             <a:avLst/>
@@ -6070,6 +7486,50 @@
           <a:p>
             <a:pPr algn="ctr"/>
             <a:endParaRPr lang="ru-RU"/>
+          </a:p>
+        </p:txBody>
+      </p:sp>
+      <p:sp>
+        <p:nvSpPr>
+          <p:cNvPr id="2" name="Заголовок 1">
+            <a:extLst>
+              <a:ext uri="{FF2B5EF4-FFF2-40B4-BE49-F238E27FC236}">
+                <a16:creationId xmlns:a16="http://schemas.microsoft.com/office/drawing/2014/main" id="{3D83EBC7-9491-46A5-B035-9122A1003CF0}"/>
+              </a:ext>
+            </a:extLst>
+          </p:cNvPr>
+          <p:cNvSpPr>
+            <a:spLocks noGrp="1"/>
+          </p:cNvSpPr>
+          <p:nvPr>
+            <p:ph type="title"/>
+          </p:nvPr>
+        </p:nvSpPr>
+        <p:spPr>
+          <a:xfrm>
+            <a:off x="100584" y="387790"/>
+            <a:ext cx="10178322" cy="1492132"/>
+          </a:xfrm>
+        </p:spPr>
+        <p:txBody>
+          <a:bodyPr/>
+          <a:lstStyle/>
+          <a:p>
+            <a:r>
+              <a:rPr lang="ru-RU" dirty="0" smtClean="0">
+                <a:solidFill>
+                  <a:srgbClr val="1A74D8"/>
+                </a:solidFill>
+                <a:latin typeface="Bookman Old Style" panose="02050604050505020204" pitchFamily="18" charset="0"/>
+              </a:rPr>
+              <a:t>Как выглядит сайт</a:t>
+            </a:r>
+            <a:endParaRPr lang="ru-RU" dirty="0">
+              <a:solidFill>
+                <a:srgbClr val="1A74D8"/>
+              </a:solidFill>
+              <a:latin typeface="Bookman Old Style" panose="02050604050505020204" pitchFamily="18" charset="0"/>
+            </a:endParaRPr>
           </a:p>
         </p:txBody>
       </p:sp>
@@ -6205,58 +7665,14 @@
       </p:sp>
       <p:sp>
         <p:nvSpPr>
-          <p:cNvPr id="2" name="Заголовок 1">
-            <a:extLst>
-              <a:ext uri="{FF2B5EF4-FFF2-40B4-BE49-F238E27FC236}">
-                <a16:creationId xmlns:a16="http://schemas.microsoft.com/office/drawing/2014/main" id="{3D83EBC7-9491-46A5-B035-9122A1003CF0}"/>
-              </a:ext>
-            </a:extLst>
-          </p:cNvPr>
-          <p:cNvSpPr>
-            <a:spLocks noGrp="1"/>
-          </p:cNvSpPr>
-          <p:nvPr>
-            <p:ph type="title"/>
-          </p:nvPr>
-        </p:nvSpPr>
-        <p:spPr>
-          <a:xfrm>
-            <a:off x="100584" y="387790"/>
-            <a:ext cx="10178322" cy="1492132"/>
-          </a:xfrm>
-        </p:spPr>
-        <p:txBody>
-          <a:bodyPr/>
-          <a:lstStyle/>
-          <a:p>
-            <a:r>
-              <a:rPr lang="ru-RU" dirty="0" smtClean="0">
-                <a:solidFill>
-                  <a:srgbClr val="1A74D8"/>
-                </a:solidFill>
-                <a:latin typeface="Bookman Old Style" panose="02050604050505020204" pitchFamily="18" charset="0"/>
-              </a:rPr>
-              <a:t>Как выглядит сайт</a:t>
-            </a:r>
-            <a:endParaRPr lang="ru-RU" dirty="0">
-              <a:solidFill>
-                <a:srgbClr val="1A74D8"/>
-              </a:solidFill>
-              <a:latin typeface="Bookman Old Style" panose="02050604050505020204" pitchFamily="18" charset="0"/>
-            </a:endParaRPr>
-          </a:p>
-        </p:txBody>
-      </p:sp>
-      <p:sp>
-        <p:nvSpPr>
           <p:cNvPr id="13" name="Прямоугольник 12"/>
           <p:cNvSpPr/>
           <p:nvPr/>
         </p:nvSpPr>
         <p:spPr>
           <a:xfrm>
-            <a:off x="2020824" y="1984249"/>
-            <a:ext cx="8193024" cy="4608575"/>
+            <a:off x="-71021" y="0"/>
+            <a:ext cx="12284147" cy="6857999"/>
           </a:xfrm>
           <a:prstGeom prst="rect">
             <a:avLst/>
@@ -6290,6 +7706,50 @@
           <a:p>
             <a:pPr algn="ctr"/>
             <a:endParaRPr lang="ru-RU"/>
+          </a:p>
+        </p:txBody>
+      </p:sp>
+      <p:sp>
+        <p:nvSpPr>
+          <p:cNvPr id="2" name="Заголовок 1">
+            <a:extLst>
+              <a:ext uri="{FF2B5EF4-FFF2-40B4-BE49-F238E27FC236}">
+                <a16:creationId xmlns:a16="http://schemas.microsoft.com/office/drawing/2014/main" id="{3D83EBC7-9491-46A5-B035-9122A1003CF0}"/>
+              </a:ext>
+            </a:extLst>
+          </p:cNvPr>
+          <p:cNvSpPr>
+            <a:spLocks noGrp="1"/>
+          </p:cNvSpPr>
+          <p:nvPr>
+            <p:ph type="title"/>
+          </p:nvPr>
+        </p:nvSpPr>
+        <p:spPr>
+          <a:xfrm>
+            <a:off x="100584" y="387790"/>
+            <a:ext cx="10178322" cy="1492132"/>
+          </a:xfrm>
+        </p:spPr>
+        <p:txBody>
+          <a:bodyPr/>
+          <a:lstStyle/>
+          <a:p>
+            <a:r>
+              <a:rPr lang="ru-RU" dirty="0" smtClean="0">
+                <a:solidFill>
+                  <a:srgbClr val="1A74D8"/>
+                </a:solidFill>
+                <a:latin typeface="Bookman Old Style" panose="02050604050505020204" pitchFamily="18" charset="0"/>
+              </a:rPr>
+              <a:t>Как выглядит сайт</a:t>
+            </a:r>
+            <a:endParaRPr lang="ru-RU" dirty="0">
+              <a:solidFill>
+                <a:srgbClr val="1A74D8"/>
+              </a:solidFill>
+              <a:latin typeface="Bookman Old Style" panose="02050604050505020204" pitchFamily="18" charset="0"/>
+            </a:endParaRPr>
           </a:p>
         </p:txBody>
       </p:sp>
@@ -6425,58 +7885,14 @@
       </p:sp>
       <p:sp>
         <p:nvSpPr>
-          <p:cNvPr id="2" name="Заголовок 1">
-            <a:extLst>
-              <a:ext uri="{FF2B5EF4-FFF2-40B4-BE49-F238E27FC236}">
-                <a16:creationId xmlns:a16="http://schemas.microsoft.com/office/drawing/2014/main" id="{3D83EBC7-9491-46A5-B035-9122A1003CF0}"/>
-              </a:ext>
-            </a:extLst>
-          </p:cNvPr>
-          <p:cNvSpPr>
-            <a:spLocks noGrp="1"/>
-          </p:cNvSpPr>
-          <p:nvPr>
-            <p:ph type="title"/>
-          </p:nvPr>
-        </p:nvSpPr>
-        <p:spPr>
-          <a:xfrm>
-            <a:off x="100584" y="387790"/>
-            <a:ext cx="10178322" cy="1492132"/>
-          </a:xfrm>
-        </p:spPr>
-        <p:txBody>
-          <a:bodyPr/>
-          <a:lstStyle/>
-          <a:p>
-            <a:r>
-              <a:rPr lang="ru-RU" dirty="0" smtClean="0">
-                <a:solidFill>
-                  <a:srgbClr val="1A74D8"/>
-                </a:solidFill>
-                <a:latin typeface="Bookman Old Style" panose="02050604050505020204" pitchFamily="18" charset="0"/>
-              </a:rPr>
-              <a:t>Как выглядит сайт</a:t>
-            </a:r>
-            <a:endParaRPr lang="ru-RU" dirty="0">
-              <a:solidFill>
-                <a:srgbClr val="1A74D8"/>
-              </a:solidFill>
-              <a:latin typeface="Bookman Old Style" panose="02050604050505020204" pitchFamily="18" charset="0"/>
-            </a:endParaRPr>
-          </a:p>
-        </p:txBody>
-      </p:sp>
-      <p:sp>
-        <p:nvSpPr>
           <p:cNvPr id="13" name="Прямоугольник 12"/>
           <p:cNvSpPr/>
           <p:nvPr/>
         </p:nvSpPr>
         <p:spPr>
           <a:xfrm>
-            <a:off x="2090664" y="1757051"/>
-            <a:ext cx="6967728" cy="4946905"/>
+            <a:off x="-301" y="0"/>
+            <a:ext cx="12213427" cy="7004481"/>
           </a:xfrm>
           <a:prstGeom prst="rect">
             <a:avLst/>
@@ -6510,6 +7926,50 @@
           <a:p>
             <a:pPr algn="ctr"/>
             <a:endParaRPr lang="ru-RU"/>
+          </a:p>
+        </p:txBody>
+      </p:sp>
+      <p:sp>
+        <p:nvSpPr>
+          <p:cNvPr id="2" name="Заголовок 1">
+            <a:extLst>
+              <a:ext uri="{FF2B5EF4-FFF2-40B4-BE49-F238E27FC236}">
+                <a16:creationId xmlns:a16="http://schemas.microsoft.com/office/drawing/2014/main" id="{3D83EBC7-9491-46A5-B035-9122A1003CF0}"/>
+              </a:ext>
+            </a:extLst>
+          </p:cNvPr>
+          <p:cNvSpPr>
+            <a:spLocks noGrp="1"/>
+          </p:cNvSpPr>
+          <p:nvPr>
+            <p:ph type="title"/>
+          </p:nvPr>
+        </p:nvSpPr>
+        <p:spPr>
+          <a:xfrm>
+            <a:off x="100584" y="387790"/>
+            <a:ext cx="10178322" cy="1492132"/>
+          </a:xfrm>
+        </p:spPr>
+        <p:txBody>
+          <a:bodyPr/>
+          <a:lstStyle/>
+          <a:p>
+            <a:r>
+              <a:rPr lang="ru-RU" dirty="0" smtClean="0">
+                <a:solidFill>
+                  <a:srgbClr val="1A74D8"/>
+                </a:solidFill>
+                <a:latin typeface="Bookman Old Style" panose="02050604050505020204" pitchFamily="18" charset="0"/>
+              </a:rPr>
+              <a:t>Как выглядит сайт</a:t>
+            </a:r>
+            <a:endParaRPr lang="ru-RU" dirty="0">
+              <a:solidFill>
+                <a:srgbClr val="1A74D8"/>
+              </a:solidFill>
+              <a:latin typeface="Bookman Old Style" panose="02050604050505020204" pitchFamily="18" charset="0"/>
+            </a:endParaRPr>
           </a:p>
         </p:txBody>
       </p:sp>

--- a/presentation/prez_healhub.pptx
+++ b/presentation/prez_healhub.pptx
@@ -1,6 +1,6 @@
 
 <file path=ppt/presentation.xml><?xml version="1.0" encoding="utf-8"?>
-<p:presentation xmlns:a="http://schemas.openxmlformats.org/drawingml/2006/main" xmlns:r="http://schemas.openxmlformats.org/officeDocument/2006/relationships" xmlns:p="http://schemas.openxmlformats.org/presentationml/2006/main" showSpecialPlsOnTitleSld="0" saveSubsetFonts="1">
+<p:presentation xmlns:a="http://schemas.openxmlformats.org/drawingml/2006/main" xmlns:r="http://schemas.openxmlformats.org/officeDocument/2006/relationships" xmlns:p="http://schemas.openxmlformats.org/presentationml/2006/main" saveSubsetFonts="1">
   <p:sldMasterIdLst>
     <p:sldMasterId id="2147483699" r:id="rId1"/>
   </p:sldMasterIdLst>
@@ -220,7 +220,7 @@
           <a:p>
             <a:fld id="{90ABE644-5DA6-4F42-9056-5E70F70D6CF2}" type="datetimeFigureOut">
               <a:rPr lang="ru-RU" smtClean="0"/>
-              <a:t>17.03.2024</a:t>
+              <a:t>18.03.2024</a:t>
             </a:fld>
             <a:endParaRPr lang="ru-RU"/>
           </a:p>
@@ -616,9 +616,9 @@
           <a:bodyPr/>
           <a:lstStyle/>
           <a:p>
-            <a:fld id="{B2D52420-6A92-4DC2-8591-889C8603F9D7}" type="datetime1">
+            <a:fld id="{9180F1FF-8EAF-4CEF-A521-1BEAC60DBA0A}" type="datetime1">
               <a:rPr lang="ru-RU" smtClean="0"/>
-              <a:t>17.03.2024</a:t>
+              <a:t>18.03.2024</a:t>
             </a:fld>
             <a:endParaRPr lang="ru-RU"/>
           </a:p>
@@ -786,9 +786,9 @@
           <a:bodyPr/>
           <a:lstStyle/>
           <a:p>
-            <a:fld id="{AFC6059B-B3EB-47F3-8BC6-5CF7158CCF5E}" type="datetime1">
+            <a:fld id="{4F00D0FC-900E-4C5E-9796-590D1A4B6E66}" type="datetime1">
               <a:rPr lang="ru-RU" smtClean="0"/>
-              <a:t>17.03.2024</a:t>
+              <a:t>18.03.2024</a:t>
             </a:fld>
             <a:endParaRPr lang="ru-RU"/>
           </a:p>
@@ -966,9 +966,9 @@
           <a:bodyPr/>
           <a:lstStyle/>
           <a:p>
-            <a:fld id="{672DA8F7-9E1C-4330-89D8-5ACAE3F4BA4B}" type="datetime1">
+            <a:fld id="{343986B5-A13A-47D3-B67A-FF87CFC1DD13}" type="datetime1">
               <a:rPr lang="ru-RU" smtClean="0"/>
-              <a:t>17.03.2024</a:t>
+              <a:t>18.03.2024</a:t>
             </a:fld>
             <a:endParaRPr lang="ru-RU"/>
           </a:p>
@@ -1136,9 +1136,9 @@
           <a:bodyPr/>
           <a:lstStyle/>
           <a:p>
-            <a:fld id="{F4997B83-498B-4930-8185-A988F003D33A}" type="datetime1">
+            <a:fld id="{2A0BC99C-1A47-47D6-A1FD-2CBD245D4553}" type="datetime1">
               <a:rPr lang="ru-RU" smtClean="0"/>
-              <a:t>17.03.2024</a:t>
+              <a:t>18.03.2024</a:t>
             </a:fld>
             <a:endParaRPr lang="ru-RU"/>
           </a:p>
@@ -1382,9 +1382,9 @@
           <a:bodyPr/>
           <a:lstStyle/>
           <a:p>
-            <a:fld id="{3ABD95BC-C76F-444E-B3FB-BD27E4F798B7}" type="datetime1">
+            <a:fld id="{299101F0-E690-413A-A92A-22F2281B819D}" type="datetime1">
               <a:rPr lang="ru-RU" smtClean="0"/>
-              <a:t>17.03.2024</a:t>
+              <a:t>18.03.2024</a:t>
             </a:fld>
             <a:endParaRPr lang="ru-RU"/>
           </a:p>
@@ -1614,9 +1614,9 @@
           <a:bodyPr/>
           <a:lstStyle/>
           <a:p>
-            <a:fld id="{E13DA6AE-AB60-4652-AB2E-D952392D1655}" type="datetime1">
+            <a:fld id="{BD8719EB-ADCD-443F-A1DC-22340088055F}" type="datetime1">
               <a:rPr lang="ru-RU" smtClean="0"/>
-              <a:t>17.03.2024</a:t>
+              <a:t>18.03.2024</a:t>
             </a:fld>
             <a:endParaRPr lang="ru-RU"/>
           </a:p>
@@ -1674,7 +1674,7 @@
   <p:clrMapOvr>
     <a:masterClrMapping/>
   </p:clrMapOvr>
-  <p:extLst>
+  <p:extLst mod="1">
     <p:ext uri="{DCECCB84-F9BA-43D5-87BE-67443E8EF086}">
       <p15:sldGuideLst xmlns:p15="http://schemas.microsoft.com/office/powerpoint/2012/main"/>
     </p:ext>
@@ -1986,9 +1986,9 @@
           <a:bodyPr/>
           <a:lstStyle/>
           <a:p>
-            <a:fld id="{5E0F9A4F-E2CF-4D07-BEAB-A6631996DDD1}" type="datetime1">
+            <a:fld id="{0EA1FED0-F474-46AC-A97F-F68166F69A30}" type="datetime1">
               <a:rPr lang="ru-RU" smtClean="0"/>
-              <a:t>17.03.2024</a:t>
+              <a:t>18.03.2024</a:t>
             </a:fld>
             <a:endParaRPr lang="ru-RU"/>
           </a:p>
@@ -2046,7 +2046,7 @@
   <p:clrMapOvr>
     <a:masterClrMapping/>
   </p:clrMapOvr>
-  <p:extLst>
+  <p:extLst mod="1">
     <p:ext uri="{DCECCB84-F9BA-43D5-87BE-67443E8EF086}">
       <p15:sldGuideLst xmlns:p15="http://schemas.microsoft.com/office/powerpoint/2012/main"/>
     </p:ext>
@@ -2109,9 +2109,9 @@
           <a:bodyPr/>
           <a:lstStyle/>
           <a:p>
-            <a:fld id="{06D2A858-6E04-484B-9C45-539F27E3937C}" type="datetime1">
+            <a:fld id="{776C19D7-3BD5-43C8-B175-88D580DC45F7}" type="datetime1">
               <a:rPr lang="ru-RU" smtClean="0"/>
-              <a:t>17.03.2024</a:t>
+              <a:t>18.03.2024</a:t>
             </a:fld>
             <a:endParaRPr lang="ru-RU"/>
           </a:p>
@@ -2204,9 +2204,9 @@
           <a:bodyPr/>
           <a:lstStyle/>
           <a:p>
-            <a:fld id="{AC6B3F91-F2E8-4402-9B00-8213E0D61D50}" type="datetime1">
+            <a:fld id="{04806044-A462-4EAC-B4FC-2462B8FA6DF8}" type="datetime1">
               <a:rPr lang="ru-RU" smtClean="0"/>
-              <a:t>17.03.2024</a:t>
+              <a:t>18.03.2024</a:t>
             </a:fld>
             <a:endParaRPr lang="ru-RU"/>
           </a:p>
@@ -2481,9 +2481,9 @@
           <a:bodyPr/>
           <a:lstStyle/>
           <a:p>
-            <a:fld id="{50FCF844-36E3-4D2D-9EE0-8615F370CF07}" type="datetime1">
+            <a:fld id="{B3735810-1543-4CCD-8AB2-E27E7705C432}" type="datetime1">
               <a:rPr lang="ru-RU" smtClean="0"/>
-              <a:t>17.03.2024</a:t>
+              <a:t>18.03.2024</a:t>
             </a:fld>
             <a:endParaRPr lang="ru-RU"/>
           </a:p>
@@ -2541,7 +2541,7 @@
   <p:clrMapOvr>
     <a:masterClrMapping/>
   </p:clrMapOvr>
-  <p:extLst>
+  <p:extLst mod="1">
     <p:ext uri="{DCECCB84-F9BA-43D5-87BE-67443E8EF086}">
       <p15:sldGuideLst xmlns:p15="http://schemas.microsoft.com/office/powerpoint/2012/main"/>
     </p:ext>
@@ -2739,9 +2739,9 @@
           <a:bodyPr/>
           <a:lstStyle/>
           <a:p>
-            <a:fld id="{8C256B46-112F-45DA-B602-9179791C6F92}" type="datetime1">
+            <a:fld id="{EC634405-6485-49F4-934E-32F578BEF7B7}" type="datetime1">
               <a:rPr lang="ru-RU" smtClean="0"/>
-              <a:t>17.03.2024</a:t>
+              <a:t>18.03.2024</a:t>
             </a:fld>
             <a:endParaRPr lang="ru-RU"/>
           </a:p>
@@ -2952,9 +2952,9 @@
             </a:lvl1pPr>
           </a:lstStyle>
           <a:p>
-            <a:fld id="{629052EF-D6AA-42E2-9131-813E79594612}" type="datetimeFigureOut">
+            <a:fld id="{800A3BC7-9EE5-46F6-A88A-BDAAA4DD64E0}" type="datetime1">
               <a:rPr lang="ru-RU" smtClean="0"/>
-              <a:t>17.03.2024</a:t>
+              <a:t>18.03.2024</a:t>
             </a:fld>
             <a:endParaRPr lang="ru-RU"/>
           </a:p>
@@ -3060,7 +3060,7 @@
     <p:sldLayoutId id="2147483709" r:id="rId10"/>
     <p:sldLayoutId id="2147483710" r:id="rId11"/>
   </p:sldLayoutIdLst>
-  <p:hf hdr="0" ftr="0" dt="0"/>
+  <p:hf hdr="0" dt="0"/>
   <p:txStyles>
     <p:titleStyle>
       <a:lvl1pPr algn="l" defTabSz="914400" rtl="0" eaLnBrk="1" latinLnBrk="0" hangingPunct="1">
@@ -3341,7 +3341,7 @@
       </a:lvl9pPr>
     </p:otherStyle>
   </p:txStyles>
-  <p:extLst>
+  <p:extLst mod="1">
     <p:ext uri="{27BBF7A9-308A-43DC-89C8-2F10F3537804}">
       <p15:sldGuideLst xmlns:p15="http://schemas.microsoft.com/office/powerpoint/2012/main"/>
     </p:ext>
@@ -3872,6 +3872,67 @@
           </a:prstGeom>
         </p:spPr>
       </p:pic>
+      <p:sp>
+        <p:nvSpPr>
+          <p:cNvPr id="3" name="Нижний колонтитул 2"/>
+          <p:cNvSpPr>
+            <a:spLocks noGrp="1"/>
+          </p:cNvSpPr>
+          <p:nvPr>
+            <p:ph type="ftr" sz="quarter" idx="11"/>
+          </p:nvPr>
+        </p:nvSpPr>
+        <p:spPr/>
+        <p:txBody>
+          <a:bodyPr/>
+          <a:lstStyle/>
+          <a:p>
+            <a:endParaRPr lang="ru-RU"/>
+          </a:p>
+        </p:txBody>
+      </p:sp>
+      <p:sp>
+        <p:nvSpPr>
+          <p:cNvPr id="5" name="Номер слайда 4"/>
+          <p:cNvSpPr>
+            <a:spLocks noGrp="1"/>
+          </p:cNvSpPr>
+          <p:nvPr>
+            <p:ph type="sldNum" sz="quarter" idx="12"/>
+          </p:nvPr>
+        </p:nvSpPr>
+        <p:spPr/>
+        <p:txBody>
+          <a:bodyPr/>
+          <a:lstStyle/>
+          <a:p>
+            <a:fld id="{172A1284-7535-4B5C-A2F7-F2F074E8B2FD}" type="slidenum">
+              <a:rPr lang="ru-RU" sz="3600" b="1">
+                <a:solidFill>
+                  <a:schemeClr val="tx1">
+                    <a:lumMod val="95000"/>
+                    <a:lumOff val="5000"/>
+                  </a:schemeClr>
+                </a:solidFill>
+                <a:latin typeface="Times New Roman" panose="02020603050405020304" pitchFamily="18" charset="0"/>
+                <a:cs typeface="Times New Roman" panose="02020603050405020304" pitchFamily="18" charset="0"/>
+              </a:rPr>
+              <a:pPr/>
+              <a:t>10</a:t>
+            </a:fld>
+            <a:endParaRPr lang="ru-RU" sz="3600" b="1" dirty="0">
+              <a:solidFill>
+                <a:schemeClr val="tx1">
+                  <a:lumMod val="95000"/>
+                  <a:lumOff val="5000"/>
+                </a:schemeClr>
+              </a:solidFill>
+              <a:latin typeface="Times New Roman" panose="02020603050405020304" pitchFamily="18" charset="0"/>
+              <a:cs typeface="Times New Roman" panose="02020603050405020304" pitchFamily="18" charset="0"/>
+            </a:endParaRPr>
+          </a:p>
+        </p:txBody>
+      </p:sp>
     </p:spTree>
     <p:extLst>
       <p:ext uri="{BB962C8B-B14F-4D97-AF65-F5344CB8AC3E}">
@@ -4533,6 +4594,66 @@
           </a:p>
         </p:txBody>
       </p:sp>
+      <p:sp>
+        <p:nvSpPr>
+          <p:cNvPr id="2" name="Нижний колонтитул 1"/>
+          <p:cNvSpPr>
+            <a:spLocks noGrp="1"/>
+          </p:cNvSpPr>
+          <p:nvPr>
+            <p:ph type="ftr" sz="quarter" idx="11"/>
+          </p:nvPr>
+        </p:nvSpPr>
+        <p:spPr/>
+        <p:txBody>
+          <a:bodyPr/>
+          <a:lstStyle/>
+          <a:p>
+            <a:endParaRPr lang="ru-RU"/>
+          </a:p>
+        </p:txBody>
+      </p:sp>
+      <p:sp>
+        <p:nvSpPr>
+          <p:cNvPr id="3" name="Номер слайда 2"/>
+          <p:cNvSpPr>
+            <a:spLocks noGrp="1"/>
+          </p:cNvSpPr>
+          <p:nvPr>
+            <p:ph type="sldNum" sz="quarter" idx="12"/>
+          </p:nvPr>
+        </p:nvSpPr>
+        <p:spPr/>
+        <p:txBody>
+          <a:bodyPr/>
+          <a:lstStyle/>
+          <a:p>
+            <a:fld id="{172A1284-7535-4B5C-A2F7-F2F074E8B2FD}" type="slidenum">
+              <a:rPr lang="ru-RU" sz="3600" b="1">
+                <a:solidFill>
+                  <a:schemeClr val="tx1">
+                    <a:lumMod val="95000"/>
+                    <a:lumOff val="5000"/>
+                  </a:schemeClr>
+                </a:solidFill>
+                <a:latin typeface="Times New Roman" panose="02020603050405020304" pitchFamily="18" charset="0"/>
+                <a:cs typeface="Times New Roman" panose="02020603050405020304" pitchFamily="18" charset="0"/>
+              </a:rPr>
+              <a:t>11</a:t>
+            </a:fld>
+            <a:endParaRPr lang="ru-RU" sz="3600" b="1" dirty="0">
+              <a:solidFill>
+                <a:schemeClr val="tx1">
+                  <a:lumMod val="95000"/>
+                  <a:lumOff val="5000"/>
+                </a:schemeClr>
+              </a:solidFill>
+              <a:latin typeface="Times New Roman" panose="02020603050405020304" pitchFamily="18" charset="0"/>
+              <a:cs typeface="Times New Roman" panose="02020603050405020304" pitchFamily="18" charset="0"/>
+            </a:endParaRPr>
+          </a:p>
+        </p:txBody>
+      </p:sp>
     </p:spTree>
     <p:extLst>
       <p:ext uri="{BB962C8B-B14F-4D97-AF65-F5344CB8AC3E}">
@@ -5193,6 +5314,66 @@
           </a:p>
         </p:txBody>
       </p:sp>
+      <p:sp>
+        <p:nvSpPr>
+          <p:cNvPr id="2" name="Нижний колонтитул 1"/>
+          <p:cNvSpPr>
+            <a:spLocks noGrp="1"/>
+          </p:cNvSpPr>
+          <p:nvPr>
+            <p:ph type="ftr" sz="quarter" idx="11"/>
+          </p:nvPr>
+        </p:nvSpPr>
+        <p:spPr/>
+        <p:txBody>
+          <a:bodyPr/>
+          <a:lstStyle/>
+          <a:p>
+            <a:endParaRPr lang="ru-RU"/>
+          </a:p>
+        </p:txBody>
+      </p:sp>
+      <p:sp>
+        <p:nvSpPr>
+          <p:cNvPr id="3" name="Номер слайда 2"/>
+          <p:cNvSpPr>
+            <a:spLocks noGrp="1"/>
+          </p:cNvSpPr>
+          <p:nvPr>
+            <p:ph type="sldNum" sz="quarter" idx="12"/>
+          </p:nvPr>
+        </p:nvSpPr>
+        <p:spPr/>
+        <p:txBody>
+          <a:bodyPr/>
+          <a:lstStyle/>
+          <a:p>
+            <a:fld id="{172A1284-7535-4B5C-A2F7-F2F074E8B2FD}" type="slidenum">
+              <a:rPr lang="ru-RU" sz="3600" b="1">
+                <a:solidFill>
+                  <a:schemeClr val="tx1">
+                    <a:lumMod val="95000"/>
+                    <a:lumOff val="5000"/>
+                  </a:schemeClr>
+                </a:solidFill>
+                <a:latin typeface="Times New Roman" panose="02020603050405020304" pitchFamily="18" charset="0"/>
+                <a:cs typeface="Times New Roman" panose="02020603050405020304" pitchFamily="18" charset="0"/>
+              </a:rPr>
+              <a:t>12</a:t>
+            </a:fld>
+            <a:endParaRPr lang="ru-RU" sz="3600" b="1" dirty="0">
+              <a:solidFill>
+                <a:schemeClr val="tx1">
+                  <a:lumMod val="95000"/>
+                  <a:lumOff val="5000"/>
+                </a:schemeClr>
+              </a:solidFill>
+              <a:latin typeface="Times New Roman" panose="02020603050405020304" pitchFamily="18" charset="0"/>
+              <a:cs typeface="Times New Roman" panose="02020603050405020304" pitchFamily="18" charset="0"/>
+            </a:endParaRPr>
+          </a:p>
+        </p:txBody>
+      </p:sp>
     </p:spTree>
     <p:extLst>
       <p:ext uri="{BB962C8B-B14F-4D97-AF65-F5344CB8AC3E}">
@@ -5820,6 +6001,66 @@
           </a:p>
         </p:txBody>
       </p:sp>
+      <p:sp>
+        <p:nvSpPr>
+          <p:cNvPr id="2" name="Нижний колонтитул 1"/>
+          <p:cNvSpPr>
+            <a:spLocks noGrp="1"/>
+          </p:cNvSpPr>
+          <p:nvPr>
+            <p:ph type="ftr" sz="quarter" idx="11"/>
+          </p:nvPr>
+        </p:nvSpPr>
+        <p:spPr/>
+        <p:txBody>
+          <a:bodyPr/>
+          <a:lstStyle/>
+          <a:p>
+            <a:endParaRPr lang="ru-RU"/>
+          </a:p>
+        </p:txBody>
+      </p:sp>
+      <p:sp>
+        <p:nvSpPr>
+          <p:cNvPr id="3" name="Номер слайда 2"/>
+          <p:cNvSpPr>
+            <a:spLocks noGrp="1"/>
+          </p:cNvSpPr>
+          <p:nvPr>
+            <p:ph type="sldNum" sz="quarter" idx="12"/>
+          </p:nvPr>
+        </p:nvSpPr>
+        <p:spPr/>
+        <p:txBody>
+          <a:bodyPr/>
+          <a:lstStyle/>
+          <a:p>
+            <a:fld id="{172A1284-7535-4B5C-A2F7-F2F074E8B2FD}" type="slidenum">
+              <a:rPr lang="ru-RU" sz="3600" b="1">
+                <a:solidFill>
+                  <a:schemeClr val="tx1">
+                    <a:lumMod val="95000"/>
+                    <a:lumOff val="5000"/>
+                  </a:schemeClr>
+                </a:solidFill>
+                <a:latin typeface="Times New Roman" panose="02020603050405020304" pitchFamily="18" charset="0"/>
+                <a:cs typeface="Times New Roman" panose="02020603050405020304" pitchFamily="18" charset="0"/>
+              </a:rPr>
+              <a:t>13</a:t>
+            </a:fld>
+            <a:endParaRPr lang="ru-RU" sz="3600" b="1" dirty="0">
+              <a:solidFill>
+                <a:schemeClr val="tx1">
+                  <a:lumMod val="95000"/>
+                  <a:lumOff val="5000"/>
+                </a:schemeClr>
+              </a:solidFill>
+              <a:latin typeface="Times New Roman" panose="02020603050405020304" pitchFamily="18" charset="0"/>
+              <a:cs typeface="Times New Roman" panose="02020603050405020304" pitchFamily="18" charset="0"/>
+            </a:endParaRPr>
+          </a:p>
+        </p:txBody>
+      </p:sp>
     </p:spTree>
     <p:extLst>
       <p:ext uri="{BB962C8B-B14F-4D97-AF65-F5344CB8AC3E}">
@@ -6103,6 +6344,66 @@
           </a:p>
         </p:txBody>
       </p:sp>
+      <p:sp>
+        <p:nvSpPr>
+          <p:cNvPr id="4" name="Нижний колонтитул 3"/>
+          <p:cNvSpPr>
+            <a:spLocks noGrp="1"/>
+          </p:cNvSpPr>
+          <p:nvPr>
+            <p:ph type="ftr" sz="quarter" idx="11"/>
+          </p:nvPr>
+        </p:nvSpPr>
+        <p:spPr/>
+        <p:txBody>
+          <a:bodyPr/>
+          <a:lstStyle/>
+          <a:p>
+            <a:endParaRPr lang="ru-RU" dirty="0"/>
+          </a:p>
+        </p:txBody>
+      </p:sp>
+      <p:sp>
+        <p:nvSpPr>
+          <p:cNvPr id="5" name="Номер слайда 4"/>
+          <p:cNvSpPr>
+            <a:spLocks noGrp="1"/>
+          </p:cNvSpPr>
+          <p:nvPr>
+            <p:ph type="sldNum" sz="quarter" idx="12"/>
+          </p:nvPr>
+        </p:nvSpPr>
+        <p:spPr/>
+        <p:txBody>
+          <a:bodyPr/>
+          <a:lstStyle/>
+          <a:p>
+            <a:fld id="{172A1284-7535-4B5C-A2F7-F2F074E8B2FD}" type="slidenum">
+              <a:rPr lang="ru-RU" sz="3600" b="1" smtClean="0">
+                <a:solidFill>
+                  <a:schemeClr val="tx1">
+                    <a:lumMod val="95000"/>
+                    <a:lumOff val="5000"/>
+                  </a:schemeClr>
+                </a:solidFill>
+                <a:latin typeface="Times New Roman" panose="02020603050405020304" pitchFamily="18" charset="0"/>
+                <a:cs typeface="Times New Roman" panose="02020603050405020304" pitchFamily="18" charset="0"/>
+              </a:rPr>
+              <a:t>2</a:t>
+            </a:fld>
+            <a:endParaRPr lang="ru-RU" sz="3600" b="1" dirty="0">
+              <a:solidFill>
+                <a:schemeClr val="tx1">
+                  <a:lumMod val="95000"/>
+                  <a:lumOff val="5000"/>
+                </a:schemeClr>
+              </a:solidFill>
+              <a:latin typeface="Times New Roman" panose="02020603050405020304" pitchFamily="18" charset="0"/>
+              <a:cs typeface="Times New Roman" panose="02020603050405020304" pitchFamily="18" charset="0"/>
+            </a:endParaRPr>
+          </a:p>
+        </p:txBody>
+      </p:sp>
     </p:spTree>
     <p:extLst>
       <p:ext uri="{BB962C8B-B14F-4D97-AF65-F5344CB8AC3E}">
@@ -6420,6 +6721,66 @@
           </a:p>
         </p:txBody>
       </p:sp>
+      <p:sp>
+        <p:nvSpPr>
+          <p:cNvPr id="4" name="Нижний колонтитул 3"/>
+          <p:cNvSpPr>
+            <a:spLocks noGrp="1"/>
+          </p:cNvSpPr>
+          <p:nvPr>
+            <p:ph type="ftr" sz="quarter" idx="11"/>
+          </p:nvPr>
+        </p:nvSpPr>
+        <p:spPr/>
+        <p:txBody>
+          <a:bodyPr/>
+          <a:lstStyle/>
+          <a:p>
+            <a:endParaRPr lang="ru-RU" dirty="0"/>
+          </a:p>
+        </p:txBody>
+      </p:sp>
+      <p:sp>
+        <p:nvSpPr>
+          <p:cNvPr id="5" name="Номер слайда 4"/>
+          <p:cNvSpPr>
+            <a:spLocks noGrp="1"/>
+          </p:cNvSpPr>
+          <p:nvPr>
+            <p:ph type="sldNum" sz="quarter" idx="12"/>
+          </p:nvPr>
+        </p:nvSpPr>
+        <p:spPr/>
+        <p:txBody>
+          <a:bodyPr/>
+          <a:lstStyle/>
+          <a:p>
+            <a:fld id="{172A1284-7535-4B5C-A2F7-F2F074E8B2FD}" type="slidenum">
+              <a:rPr lang="ru-RU" sz="3600" b="1" smtClean="0">
+                <a:solidFill>
+                  <a:schemeClr val="tx1">
+                    <a:lumMod val="95000"/>
+                    <a:lumOff val="5000"/>
+                  </a:schemeClr>
+                </a:solidFill>
+                <a:latin typeface="Times New Roman" panose="02020603050405020304" pitchFamily="18" charset="0"/>
+                <a:cs typeface="Times New Roman" panose="02020603050405020304" pitchFamily="18" charset="0"/>
+              </a:rPr>
+              <a:t>3</a:t>
+            </a:fld>
+            <a:endParaRPr lang="ru-RU" sz="3600" b="1" dirty="0">
+              <a:solidFill>
+                <a:schemeClr val="tx1">
+                  <a:lumMod val="95000"/>
+                  <a:lumOff val="5000"/>
+                </a:schemeClr>
+              </a:solidFill>
+              <a:latin typeface="Times New Roman" panose="02020603050405020304" pitchFamily="18" charset="0"/>
+              <a:cs typeface="Times New Roman" panose="02020603050405020304" pitchFamily="18" charset="0"/>
+            </a:endParaRPr>
+          </a:p>
+        </p:txBody>
+      </p:sp>
     </p:spTree>
     <p:extLst>
       <p:ext uri="{BB962C8B-B14F-4D97-AF65-F5344CB8AC3E}">
@@ -6472,8 +6833,8 @@
         </p:blipFill>
         <p:spPr>
           <a:xfrm>
-            <a:off x="9053" y="0"/>
-            <a:ext cx="12204073" cy="6857999"/>
+            <a:off x="-301" y="0"/>
+            <a:ext cx="12213427" cy="6857999"/>
           </a:xfrm>
           <a:prstGeom prst="rect">
             <a:avLst/>
@@ -6723,6 +7084,67 @@
                 <a:srgbClr val="1A74D8"/>
               </a:solidFill>
               <a:latin typeface="Bookman Old Style" panose="02050604050505020204" pitchFamily="18" charset="0"/>
+            </a:endParaRPr>
+          </a:p>
+        </p:txBody>
+      </p:sp>
+      <p:sp>
+        <p:nvSpPr>
+          <p:cNvPr id="4" name="Нижний колонтитул 3"/>
+          <p:cNvSpPr>
+            <a:spLocks noGrp="1"/>
+          </p:cNvSpPr>
+          <p:nvPr>
+            <p:ph type="ftr" sz="quarter" idx="11"/>
+          </p:nvPr>
+        </p:nvSpPr>
+        <p:spPr/>
+        <p:txBody>
+          <a:bodyPr/>
+          <a:lstStyle/>
+          <a:p>
+            <a:endParaRPr lang="ru-RU" dirty="0"/>
+          </a:p>
+        </p:txBody>
+      </p:sp>
+      <p:sp>
+        <p:nvSpPr>
+          <p:cNvPr id="5" name="Номер слайда 4"/>
+          <p:cNvSpPr>
+            <a:spLocks noGrp="1"/>
+          </p:cNvSpPr>
+          <p:nvPr>
+            <p:ph type="sldNum" sz="quarter" idx="12"/>
+          </p:nvPr>
+        </p:nvSpPr>
+        <p:spPr/>
+        <p:txBody>
+          <a:bodyPr/>
+          <a:lstStyle/>
+          <a:p>
+            <a:fld id="{172A1284-7535-4B5C-A2F7-F2F074E8B2FD}" type="slidenum">
+              <a:rPr lang="ru-RU" sz="3600" b="1">
+                <a:solidFill>
+                  <a:schemeClr val="tx1">
+                    <a:lumMod val="95000"/>
+                    <a:lumOff val="5000"/>
+                  </a:schemeClr>
+                </a:solidFill>
+                <a:latin typeface="Times New Roman" panose="02020603050405020304" pitchFamily="18" charset="0"/>
+                <a:cs typeface="Times New Roman" panose="02020603050405020304" pitchFamily="18" charset="0"/>
+              </a:rPr>
+              <a:pPr/>
+              <a:t>4</a:t>
+            </a:fld>
+            <a:endParaRPr lang="ru-RU" sz="3600" b="1" dirty="0">
+              <a:solidFill>
+                <a:schemeClr val="tx1">
+                  <a:lumMod val="95000"/>
+                  <a:lumOff val="5000"/>
+                </a:schemeClr>
+              </a:solidFill>
+              <a:latin typeface="Times New Roman" panose="02020603050405020304" pitchFamily="18" charset="0"/>
+              <a:cs typeface="Times New Roman" panose="02020603050405020304" pitchFamily="18" charset="0"/>
             </a:endParaRPr>
           </a:p>
         </p:txBody>
@@ -6779,8 +7201,8 @@
         </p:blipFill>
         <p:spPr>
           <a:xfrm>
-            <a:off x="9053" y="0"/>
-            <a:ext cx="12204073" cy="6857999"/>
+            <a:off x="-301" y="0"/>
+            <a:ext cx="12213427" cy="6857999"/>
           </a:xfrm>
           <a:prstGeom prst="rect">
             <a:avLst/>
@@ -6994,6 +7416,67 @@
                 <a:srgbClr val="1A74D8"/>
               </a:solidFill>
               <a:latin typeface="Bookman Old Style" panose="02050604050505020204" pitchFamily="18" charset="0"/>
+            </a:endParaRPr>
+          </a:p>
+        </p:txBody>
+      </p:sp>
+      <p:sp>
+        <p:nvSpPr>
+          <p:cNvPr id="4" name="Нижний колонтитул 3"/>
+          <p:cNvSpPr>
+            <a:spLocks noGrp="1"/>
+          </p:cNvSpPr>
+          <p:nvPr>
+            <p:ph type="ftr" sz="quarter" idx="11"/>
+          </p:nvPr>
+        </p:nvSpPr>
+        <p:spPr/>
+        <p:txBody>
+          <a:bodyPr/>
+          <a:lstStyle/>
+          <a:p>
+            <a:endParaRPr lang="ru-RU" dirty="0"/>
+          </a:p>
+        </p:txBody>
+      </p:sp>
+      <p:sp>
+        <p:nvSpPr>
+          <p:cNvPr id="5" name="Номер слайда 4"/>
+          <p:cNvSpPr>
+            <a:spLocks noGrp="1"/>
+          </p:cNvSpPr>
+          <p:nvPr>
+            <p:ph type="sldNum" sz="quarter" idx="12"/>
+          </p:nvPr>
+        </p:nvSpPr>
+        <p:spPr/>
+        <p:txBody>
+          <a:bodyPr/>
+          <a:lstStyle/>
+          <a:p>
+            <a:fld id="{172A1284-7535-4B5C-A2F7-F2F074E8B2FD}" type="slidenum">
+              <a:rPr lang="ru-RU" sz="3600" b="1">
+                <a:solidFill>
+                  <a:schemeClr val="tx1">
+                    <a:lumMod val="95000"/>
+                    <a:lumOff val="5000"/>
+                  </a:schemeClr>
+                </a:solidFill>
+                <a:latin typeface="Times New Roman" panose="02020603050405020304" pitchFamily="18" charset="0"/>
+                <a:cs typeface="Times New Roman" panose="02020603050405020304" pitchFamily="18" charset="0"/>
+              </a:rPr>
+              <a:pPr/>
+              <a:t>5</a:t>
+            </a:fld>
+            <a:endParaRPr lang="ru-RU" sz="3600" b="1" dirty="0">
+              <a:solidFill>
+                <a:schemeClr val="tx1">
+                  <a:lumMod val="95000"/>
+                  <a:lumOff val="5000"/>
+                </a:schemeClr>
+              </a:solidFill>
+              <a:latin typeface="Times New Roman" panose="02020603050405020304" pitchFamily="18" charset="0"/>
+              <a:cs typeface="Times New Roman" panose="02020603050405020304" pitchFamily="18" charset="0"/>
             </a:endParaRPr>
           </a:p>
         </p:txBody>
@@ -7337,6 +7820,67 @@
           </a:p>
         </p:txBody>
       </p:sp>
+      <p:sp>
+        <p:nvSpPr>
+          <p:cNvPr id="4" name="Нижний колонтитул 3"/>
+          <p:cNvSpPr>
+            <a:spLocks noGrp="1"/>
+          </p:cNvSpPr>
+          <p:nvPr>
+            <p:ph type="ftr" sz="quarter" idx="11"/>
+          </p:nvPr>
+        </p:nvSpPr>
+        <p:spPr/>
+        <p:txBody>
+          <a:bodyPr/>
+          <a:lstStyle/>
+          <a:p>
+            <a:endParaRPr lang="ru-RU" dirty="0"/>
+          </a:p>
+        </p:txBody>
+      </p:sp>
+      <p:sp>
+        <p:nvSpPr>
+          <p:cNvPr id="5" name="Номер слайда 4"/>
+          <p:cNvSpPr>
+            <a:spLocks noGrp="1"/>
+          </p:cNvSpPr>
+          <p:nvPr>
+            <p:ph type="sldNum" sz="quarter" idx="12"/>
+          </p:nvPr>
+        </p:nvSpPr>
+        <p:spPr/>
+        <p:txBody>
+          <a:bodyPr/>
+          <a:lstStyle/>
+          <a:p>
+            <a:fld id="{172A1284-7535-4B5C-A2F7-F2F074E8B2FD}" type="slidenum">
+              <a:rPr lang="ru-RU" sz="3600" b="1">
+                <a:solidFill>
+                  <a:schemeClr val="tx1">
+                    <a:lumMod val="95000"/>
+                    <a:lumOff val="5000"/>
+                  </a:schemeClr>
+                </a:solidFill>
+                <a:latin typeface="Times New Roman" panose="02020603050405020304" pitchFamily="18" charset="0"/>
+                <a:cs typeface="Times New Roman" panose="02020603050405020304" pitchFamily="18" charset="0"/>
+              </a:rPr>
+              <a:pPr/>
+              <a:t>6</a:t>
+            </a:fld>
+            <a:endParaRPr lang="ru-RU" sz="3600" b="1" dirty="0">
+              <a:solidFill>
+                <a:schemeClr val="tx1">
+                  <a:lumMod val="95000"/>
+                  <a:lumOff val="5000"/>
+                </a:schemeClr>
+              </a:solidFill>
+              <a:latin typeface="Times New Roman" panose="02020603050405020304" pitchFamily="18" charset="0"/>
+              <a:cs typeface="Times New Roman" panose="02020603050405020304" pitchFamily="18" charset="0"/>
+            </a:endParaRPr>
+          </a:p>
+        </p:txBody>
+      </p:sp>
     </p:spTree>
     <p:extLst>
       <p:ext uri="{BB962C8B-B14F-4D97-AF65-F5344CB8AC3E}">
@@ -7389,8 +7933,8 @@
         </p:blipFill>
         <p:spPr>
           <a:xfrm>
-            <a:off x="9053" y="0"/>
-            <a:ext cx="12204073" cy="6857999"/>
+            <a:off x="-301" y="0"/>
+            <a:ext cx="12213427" cy="6857999"/>
           </a:xfrm>
           <a:prstGeom prst="rect">
             <a:avLst/>
@@ -7557,6 +8101,67 @@
           </a:prstGeom>
         </p:spPr>
       </p:pic>
+      <p:sp>
+        <p:nvSpPr>
+          <p:cNvPr id="3" name="Нижний колонтитул 2"/>
+          <p:cNvSpPr>
+            <a:spLocks noGrp="1"/>
+          </p:cNvSpPr>
+          <p:nvPr>
+            <p:ph type="ftr" sz="quarter" idx="11"/>
+          </p:nvPr>
+        </p:nvSpPr>
+        <p:spPr/>
+        <p:txBody>
+          <a:bodyPr/>
+          <a:lstStyle/>
+          <a:p>
+            <a:endParaRPr lang="ru-RU" dirty="0"/>
+          </a:p>
+        </p:txBody>
+      </p:sp>
+      <p:sp>
+        <p:nvSpPr>
+          <p:cNvPr id="4" name="Номер слайда 3"/>
+          <p:cNvSpPr>
+            <a:spLocks noGrp="1"/>
+          </p:cNvSpPr>
+          <p:nvPr>
+            <p:ph type="sldNum" sz="quarter" idx="12"/>
+          </p:nvPr>
+        </p:nvSpPr>
+        <p:spPr/>
+        <p:txBody>
+          <a:bodyPr/>
+          <a:lstStyle/>
+          <a:p>
+            <a:fld id="{172A1284-7535-4B5C-A2F7-F2F074E8B2FD}" type="slidenum">
+              <a:rPr lang="ru-RU" sz="3600" b="1">
+                <a:solidFill>
+                  <a:schemeClr val="tx1">
+                    <a:lumMod val="95000"/>
+                    <a:lumOff val="5000"/>
+                  </a:schemeClr>
+                </a:solidFill>
+                <a:latin typeface="Times New Roman" panose="02020603050405020304" pitchFamily="18" charset="0"/>
+                <a:cs typeface="Times New Roman" panose="02020603050405020304" pitchFamily="18" charset="0"/>
+              </a:rPr>
+              <a:pPr/>
+              <a:t>7</a:t>
+            </a:fld>
+            <a:endParaRPr lang="ru-RU" sz="3600" b="1" dirty="0">
+              <a:solidFill>
+                <a:schemeClr val="tx1">
+                  <a:lumMod val="95000"/>
+                  <a:lumOff val="5000"/>
+                </a:schemeClr>
+              </a:solidFill>
+              <a:latin typeface="Times New Roman" panose="02020603050405020304" pitchFamily="18" charset="0"/>
+              <a:cs typeface="Times New Roman" panose="02020603050405020304" pitchFamily="18" charset="0"/>
+            </a:endParaRPr>
+          </a:p>
+        </p:txBody>
+      </p:sp>
     </p:spTree>
     <p:extLst>
       <p:ext uri="{BB962C8B-B14F-4D97-AF65-F5344CB8AC3E}">
@@ -7777,6 +8382,67 @@
           </a:prstGeom>
         </p:spPr>
       </p:pic>
+      <p:sp>
+        <p:nvSpPr>
+          <p:cNvPr id="4" name="Нижний колонтитул 3"/>
+          <p:cNvSpPr>
+            <a:spLocks noGrp="1"/>
+          </p:cNvSpPr>
+          <p:nvPr>
+            <p:ph type="ftr" sz="quarter" idx="11"/>
+          </p:nvPr>
+        </p:nvSpPr>
+        <p:spPr/>
+        <p:txBody>
+          <a:bodyPr/>
+          <a:lstStyle/>
+          <a:p>
+            <a:endParaRPr lang="ru-RU" dirty="0"/>
+          </a:p>
+        </p:txBody>
+      </p:sp>
+      <p:sp>
+        <p:nvSpPr>
+          <p:cNvPr id="5" name="Номер слайда 4"/>
+          <p:cNvSpPr>
+            <a:spLocks noGrp="1"/>
+          </p:cNvSpPr>
+          <p:nvPr>
+            <p:ph type="sldNum" sz="quarter" idx="12"/>
+          </p:nvPr>
+        </p:nvSpPr>
+        <p:spPr/>
+        <p:txBody>
+          <a:bodyPr/>
+          <a:lstStyle/>
+          <a:p>
+            <a:fld id="{172A1284-7535-4B5C-A2F7-F2F074E8B2FD}" type="slidenum">
+              <a:rPr lang="ru-RU" sz="3600" b="1">
+                <a:solidFill>
+                  <a:schemeClr val="tx1">
+                    <a:lumMod val="95000"/>
+                    <a:lumOff val="5000"/>
+                  </a:schemeClr>
+                </a:solidFill>
+                <a:latin typeface="Times New Roman" panose="02020603050405020304" pitchFamily="18" charset="0"/>
+                <a:cs typeface="Times New Roman" panose="02020603050405020304" pitchFamily="18" charset="0"/>
+              </a:rPr>
+              <a:pPr/>
+              <a:t>8</a:t>
+            </a:fld>
+            <a:endParaRPr lang="ru-RU" sz="3600" b="1" dirty="0">
+              <a:solidFill>
+                <a:schemeClr val="tx1">
+                  <a:lumMod val="95000"/>
+                  <a:lumOff val="5000"/>
+                </a:schemeClr>
+              </a:solidFill>
+              <a:latin typeface="Times New Roman" panose="02020603050405020304" pitchFamily="18" charset="0"/>
+              <a:cs typeface="Times New Roman" panose="02020603050405020304" pitchFamily="18" charset="0"/>
+            </a:endParaRPr>
+          </a:p>
+        </p:txBody>
+      </p:sp>
     </p:spTree>
     <p:extLst>
       <p:ext uri="{BB962C8B-B14F-4D97-AF65-F5344CB8AC3E}">
@@ -7997,6 +8663,67 @@
           </a:prstGeom>
         </p:spPr>
       </p:pic>
+      <p:sp>
+        <p:nvSpPr>
+          <p:cNvPr id="3" name="Нижний колонтитул 2"/>
+          <p:cNvSpPr>
+            <a:spLocks noGrp="1"/>
+          </p:cNvSpPr>
+          <p:nvPr>
+            <p:ph type="ftr" sz="quarter" idx="11"/>
+          </p:nvPr>
+        </p:nvSpPr>
+        <p:spPr/>
+        <p:txBody>
+          <a:bodyPr/>
+          <a:lstStyle/>
+          <a:p>
+            <a:endParaRPr lang="ru-RU"/>
+          </a:p>
+        </p:txBody>
+      </p:sp>
+      <p:sp>
+        <p:nvSpPr>
+          <p:cNvPr id="4" name="Номер слайда 3"/>
+          <p:cNvSpPr>
+            <a:spLocks noGrp="1"/>
+          </p:cNvSpPr>
+          <p:nvPr>
+            <p:ph type="sldNum" sz="quarter" idx="12"/>
+          </p:nvPr>
+        </p:nvSpPr>
+        <p:spPr/>
+        <p:txBody>
+          <a:bodyPr/>
+          <a:lstStyle/>
+          <a:p>
+            <a:fld id="{172A1284-7535-4B5C-A2F7-F2F074E8B2FD}" type="slidenum">
+              <a:rPr lang="ru-RU" sz="3600" b="1">
+                <a:solidFill>
+                  <a:schemeClr val="tx1">
+                    <a:lumMod val="95000"/>
+                    <a:lumOff val="5000"/>
+                  </a:schemeClr>
+                </a:solidFill>
+                <a:latin typeface="Times New Roman" panose="02020603050405020304" pitchFamily="18" charset="0"/>
+                <a:cs typeface="Times New Roman" panose="02020603050405020304" pitchFamily="18" charset="0"/>
+              </a:rPr>
+              <a:pPr/>
+              <a:t>9</a:t>
+            </a:fld>
+            <a:endParaRPr lang="ru-RU" sz="3600" b="1" dirty="0">
+              <a:solidFill>
+                <a:schemeClr val="tx1">
+                  <a:lumMod val="95000"/>
+                  <a:lumOff val="5000"/>
+                </a:schemeClr>
+              </a:solidFill>
+              <a:latin typeface="Times New Roman" panose="02020603050405020304" pitchFamily="18" charset="0"/>
+              <a:cs typeface="Times New Roman" panose="02020603050405020304" pitchFamily="18" charset="0"/>
+            </a:endParaRPr>
+          </a:p>
+        </p:txBody>
+      </p:sp>
     </p:spTree>
     <p:extLst>
       <p:ext uri="{BB962C8B-B14F-4D97-AF65-F5344CB8AC3E}">
